--- a/Forecasting Module Failures.pptx
+++ b/Forecasting Module Failures.pptx
@@ -11,8 +11,10 @@
     <p:sldId id="259" r:id="rId5"/>
     <p:sldId id="260" r:id="rId6"/>
     <p:sldId id="261" r:id="rId7"/>
-    <p:sldId id="262" r:id="rId8"/>
-    <p:sldId id="263" r:id="rId9"/>
+    <p:sldId id="264" r:id="rId8"/>
+    <p:sldId id="262" r:id="rId9"/>
+    <p:sldId id="263" r:id="rId10"/>
+    <p:sldId id="265" r:id="rId11"/>
   </p:sldIdLst>
   <p:sldSz cx="12192000" cy="6858000"/>
   <p:notesSz cx="6858000" cy="9144000"/>
@@ -117,6 +119,1828 @@
     </p:ext>
   </p:extLst>
 </p:presentation>
+</file>
+
+<file path=ppt/charts/chart1.xml><?xml version="1.0" encoding="utf-8"?>
+<c:chartSpace xmlns:c="http://schemas.openxmlformats.org/drawingml/2006/chart" xmlns:a="http://schemas.openxmlformats.org/drawingml/2006/main" xmlns:r="http://schemas.openxmlformats.org/officeDocument/2006/relationships" xmlns:c16r2="http://schemas.microsoft.com/office/drawing/2015/06/chart">
+  <c:date1904 val="0"/>
+  <c:lang val="en-US"/>
+  <c:roundedCorners val="0"/>
+  <mc:AlternateContent xmlns:mc="http://schemas.openxmlformats.org/markup-compatibility/2006">
+    <mc:Choice xmlns:c14="http://schemas.microsoft.com/office/drawing/2007/8/2/chart" Requires="c14">
+      <c14:style val="102"/>
+    </mc:Choice>
+    <mc:Fallback>
+      <c:style val="2"/>
+    </mc:Fallback>
+  </mc:AlternateContent>
+  <c:chart>
+    <c:autoTitleDeleted val="1"/>
+    <c:plotArea>
+      <c:layout/>
+      <c:lineChart>
+        <c:grouping val="standard"/>
+        <c:varyColors val="0"/>
+        <c:ser>
+          <c:idx val="0"/>
+          <c:order val="0"/>
+          <c:tx>
+            <c:strRef>
+              <c:f>'Past Prediction'!$B$1</c:f>
+              <c:strCache>
+                <c:ptCount val="1"/>
+                <c:pt idx="0">
+                  <c:v>DT</c:v>
+                </c:pt>
+              </c:strCache>
+            </c:strRef>
+          </c:tx>
+          <c:spPr>
+            <a:ln w="28575" cap="rnd">
+              <a:solidFill>
+                <a:schemeClr val="accent1"/>
+              </a:solidFill>
+              <a:round/>
+            </a:ln>
+            <a:effectLst/>
+          </c:spPr>
+          <c:marker>
+            <c:symbol val="none"/>
+          </c:marker>
+          <c:cat>
+            <c:numRef>
+              <c:f>'Past Prediction'!$A$2:$A$12</c:f>
+              <c:numCache>
+                <c:formatCode>mmm\-yy</c:formatCode>
+                <c:ptCount val="11"/>
+                <c:pt idx="0">
+                  <c:v>43466</c:v>
+                </c:pt>
+                <c:pt idx="1">
+                  <c:v>43497</c:v>
+                </c:pt>
+                <c:pt idx="2">
+                  <c:v>43525</c:v>
+                </c:pt>
+                <c:pt idx="3">
+                  <c:v>43556</c:v>
+                </c:pt>
+                <c:pt idx="4">
+                  <c:v>43586</c:v>
+                </c:pt>
+                <c:pt idx="5">
+                  <c:v>43617</c:v>
+                </c:pt>
+                <c:pt idx="6">
+                  <c:v>43647</c:v>
+                </c:pt>
+                <c:pt idx="7">
+                  <c:v>43678</c:v>
+                </c:pt>
+                <c:pt idx="8">
+                  <c:v>43709</c:v>
+                </c:pt>
+                <c:pt idx="9">
+                  <c:v>43739</c:v>
+                </c:pt>
+                <c:pt idx="10">
+                  <c:v>43770</c:v>
+                </c:pt>
+              </c:numCache>
+            </c:numRef>
+          </c:cat>
+          <c:val>
+            <c:numRef>
+              <c:f>'Past Prediction'!$B$2:$B$26</c:f>
+              <c:numCache>
+                <c:formatCode>General</c:formatCode>
+                <c:ptCount val="25"/>
+                <c:pt idx="0">
+                  <c:v>8451</c:v>
+                </c:pt>
+                <c:pt idx="1">
+                  <c:v>13062</c:v>
+                </c:pt>
+                <c:pt idx="2">
+                  <c:v>12009</c:v>
+                </c:pt>
+                <c:pt idx="3">
+                  <c:v>7596</c:v>
+                </c:pt>
+                <c:pt idx="4">
+                  <c:v>10193</c:v>
+                </c:pt>
+                <c:pt idx="5">
+                  <c:v>12725</c:v>
+                </c:pt>
+                <c:pt idx="6">
+                  <c:v>11891</c:v>
+                </c:pt>
+                <c:pt idx="7">
+                  <c:v>12999</c:v>
+                </c:pt>
+                <c:pt idx="8">
+                  <c:v>9544</c:v>
+                </c:pt>
+                <c:pt idx="9">
+                  <c:v>14552</c:v>
+                </c:pt>
+                <c:pt idx="10">
+                  <c:v>9980</c:v>
+                </c:pt>
+                <c:pt idx="11">
+                  <c:v>123002</c:v>
+                </c:pt>
+                <c:pt idx="13">
+                  <c:v>0</c:v>
+                </c:pt>
+                <c:pt idx="14" formatCode="0%">
+                  <c:v>0.78643216080402012</c:v>
+                </c:pt>
+                <c:pt idx="15" formatCode="0%">
+                  <c:v>0.79288575937841443</c:v>
+                </c:pt>
+                <c:pt idx="16" formatCode="0%">
+                  <c:v>0.80988670083625569</c:v>
+                </c:pt>
+                <c:pt idx="17" formatCode="0%">
+                  <c:v>0.77391747325522164</c:v>
+                </c:pt>
+                <c:pt idx="18" formatCode="0%">
+                  <c:v>0.82795873608967585</c:v>
+                </c:pt>
+                <c:pt idx="19" formatCode="0%">
+                  <c:v>0.85134140630226807</c:v>
+                </c:pt>
+                <c:pt idx="20" formatCode="0%">
+                  <c:v>0.77264457439896039</c:v>
+                </c:pt>
+                <c:pt idx="21" formatCode="0%">
+                  <c:v>0.85643694821452099</c:v>
+                </c:pt>
+                <c:pt idx="22" formatCode="0%">
+                  <c:v>0.75500355984494893</c:v>
+                </c:pt>
+                <c:pt idx="23" formatCode="0%">
+                  <c:v>0.81683974179062591</c:v>
+                </c:pt>
+                <c:pt idx="24" formatCode="0%">
+                  <c:v>0.82492974045296741</c:v>
+                </c:pt>
+              </c:numCache>
+            </c:numRef>
+          </c:val>
+          <c:smooth val="0"/>
+          <c:extLst>
+            <c:ext xmlns:c16="http://schemas.microsoft.com/office/drawing/2014/chart" uri="{C3380CC4-5D6E-409C-BE32-E72D297353CC}">
+              <c16:uniqueId val="{00000000-A0F2-4D65-8ABD-9A7376394177}"/>
+            </c:ext>
+          </c:extLst>
+        </c:ser>
+        <c:ser>
+          <c:idx val="1"/>
+          <c:order val="1"/>
+          <c:tx>
+            <c:strRef>
+              <c:f>'Past Prediction'!$C$1</c:f>
+              <c:strCache>
+                <c:ptCount val="1"/>
+                <c:pt idx="0">
+                  <c:v>NN</c:v>
+                </c:pt>
+              </c:strCache>
+            </c:strRef>
+          </c:tx>
+          <c:spPr>
+            <a:ln w="28575" cap="rnd">
+              <a:solidFill>
+                <a:schemeClr val="accent2"/>
+              </a:solidFill>
+              <a:round/>
+            </a:ln>
+            <a:effectLst/>
+          </c:spPr>
+          <c:marker>
+            <c:symbol val="none"/>
+          </c:marker>
+          <c:cat>
+            <c:numRef>
+              <c:f>'Past Prediction'!$A$2:$A$12</c:f>
+              <c:numCache>
+                <c:formatCode>mmm\-yy</c:formatCode>
+                <c:ptCount val="11"/>
+                <c:pt idx="0">
+                  <c:v>43466</c:v>
+                </c:pt>
+                <c:pt idx="1">
+                  <c:v>43497</c:v>
+                </c:pt>
+                <c:pt idx="2">
+                  <c:v>43525</c:v>
+                </c:pt>
+                <c:pt idx="3">
+                  <c:v>43556</c:v>
+                </c:pt>
+                <c:pt idx="4">
+                  <c:v>43586</c:v>
+                </c:pt>
+                <c:pt idx="5">
+                  <c:v>43617</c:v>
+                </c:pt>
+                <c:pt idx="6">
+                  <c:v>43647</c:v>
+                </c:pt>
+                <c:pt idx="7">
+                  <c:v>43678</c:v>
+                </c:pt>
+                <c:pt idx="8">
+                  <c:v>43709</c:v>
+                </c:pt>
+                <c:pt idx="9">
+                  <c:v>43739</c:v>
+                </c:pt>
+                <c:pt idx="10">
+                  <c:v>43770</c:v>
+                </c:pt>
+              </c:numCache>
+            </c:numRef>
+          </c:cat>
+          <c:val>
+            <c:numRef>
+              <c:f>'Past Prediction'!$C$2:$C$26</c:f>
+              <c:numCache>
+                <c:formatCode>General</c:formatCode>
+                <c:ptCount val="25"/>
+                <c:pt idx="0">
+                  <c:v>5544</c:v>
+                </c:pt>
+                <c:pt idx="1">
+                  <c:v>8570</c:v>
+                </c:pt>
+                <c:pt idx="2">
+                  <c:v>7879</c:v>
+                </c:pt>
+                <c:pt idx="3">
+                  <c:v>4984</c:v>
+                </c:pt>
+                <c:pt idx="4">
+                  <c:v>6687</c:v>
+                </c:pt>
+                <c:pt idx="5">
+                  <c:v>8349</c:v>
+                </c:pt>
+                <c:pt idx="6">
+                  <c:v>7802</c:v>
+                </c:pt>
+                <c:pt idx="7">
+                  <c:v>8528</c:v>
+                </c:pt>
+                <c:pt idx="8">
+                  <c:v>6262</c:v>
+                </c:pt>
+                <c:pt idx="9">
+                  <c:v>9547</c:v>
+                </c:pt>
+                <c:pt idx="10">
+                  <c:v>6548</c:v>
+                </c:pt>
+                <c:pt idx="11">
+                  <c:v>80700</c:v>
+                </c:pt>
+                <c:pt idx="13">
+                  <c:v>0</c:v>
+                </c:pt>
+                <c:pt idx="14" formatCode="0%">
+                  <c:v>0.51591289782244554</c:v>
+                </c:pt>
+                <c:pt idx="15" formatCode="0%">
+                  <c:v>0.52021367002549468</c:v>
+                </c:pt>
+                <c:pt idx="16" formatCode="0%">
+                  <c:v>0.53135958996493116</c:v>
+                </c:pt>
+                <c:pt idx="17" formatCode="0%">
+                  <c:v>0.50779419256240443</c:v>
+                </c:pt>
+                <c:pt idx="18" formatCode="0%">
+                  <c:v>0.54317277231743966</c:v>
+                </c:pt>
+                <c:pt idx="19" formatCode="0%">
+                  <c:v>0.55857362681474543</c:v>
+                </c:pt>
+                <c:pt idx="20" formatCode="0%">
+                  <c:v>0.50695256660168941</c:v>
+                </c:pt>
+                <c:pt idx="21" formatCode="0%">
+                  <c:v>0.56186585847937809</c:v>
+                </c:pt>
+                <c:pt idx="22" formatCode="0%">
+                  <c:v>0.49537220156633177</c:v>
+                </c:pt>
+                <c:pt idx="23" formatCode="0%">
+                  <c:v>0.53589671625035085</c:v>
+                </c:pt>
+                <c:pt idx="24" formatCode="0%">
+                  <c:v>0.54124648702264833</c:v>
+                </c:pt>
+              </c:numCache>
+            </c:numRef>
+          </c:val>
+          <c:smooth val="0"/>
+          <c:extLst>
+            <c:ext xmlns:c16="http://schemas.microsoft.com/office/drawing/2014/chart" uri="{C3380CC4-5D6E-409C-BE32-E72D297353CC}">
+              <c16:uniqueId val="{00000001-A0F2-4D65-8ABD-9A7376394177}"/>
+            </c:ext>
+          </c:extLst>
+        </c:ser>
+        <c:ser>
+          <c:idx val="2"/>
+          <c:order val="2"/>
+          <c:tx>
+            <c:strRef>
+              <c:f>'Past Prediction'!$D$1</c:f>
+              <c:strCache>
+                <c:ptCount val="1"/>
+                <c:pt idx="0">
+                  <c:v>DL1</c:v>
+                </c:pt>
+              </c:strCache>
+            </c:strRef>
+          </c:tx>
+          <c:spPr>
+            <a:ln w="28575" cap="rnd">
+              <a:solidFill>
+                <a:schemeClr val="accent3"/>
+              </a:solidFill>
+              <a:round/>
+            </a:ln>
+            <a:effectLst/>
+          </c:spPr>
+          <c:marker>
+            <c:symbol val="none"/>
+          </c:marker>
+          <c:cat>
+            <c:numRef>
+              <c:f>'Past Prediction'!$A$2:$A$12</c:f>
+              <c:numCache>
+                <c:formatCode>mmm\-yy</c:formatCode>
+                <c:ptCount val="11"/>
+                <c:pt idx="0">
+                  <c:v>43466</c:v>
+                </c:pt>
+                <c:pt idx="1">
+                  <c:v>43497</c:v>
+                </c:pt>
+                <c:pt idx="2">
+                  <c:v>43525</c:v>
+                </c:pt>
+                <c:pt idx="3">
+                  <c:v>43556</c:v>
+                </c:pt>
+                <c:pt idx="4">
+                  <c:v>43586</c:v>
+                </c:pt>
+                <c:pt idx="5">
+                  <c:v>43617</c:v>
+                </c:pt>
+                <c:pt idx="6">
+                  <c:v>43647</c:v>
+                </c:pt>
+                <c:pt idx="7">
+                  <c:v>43678</c:v>
+                </c:pt>
+                <c:pt idx="8">
+                  <c:v>43709</c:v>
+                </c:pt>
+                <c:pt idx="9">
+                  <c:v>43739</c:v>
+                </c:pt>
+                <c:pt idx="10">
+                  <c:v>43770</c:v>
+                </c:pt>
+              </c:numCache>
+            </c:numRef>
+          </c:cat>
+          <c:val>
+            <c:numRef>
+              <c:f>'Past Prediction'!$D$2:$D$26</c:f>
+              <c:numCache>
+                <c:formatCode>General</c:formatCode>
+                <c:ptCount val="25"/>
+                <c:pt idx="0">
+                  <c:v>12801</c:v>
+                </c:pt>
+                <c:pt idx="1">
+                  <c:v>19925</c:v>
+                </c:pt>
+                <c:pt idx="2">
+                  <c:v>16133</c:v>
+                </c:pt>
+                <c:pt idx="3">
+                  <c:v>10318</c:v>
+                </c:pt>
+                <c:pt idx="4">
+                  <c:v>14759</c:v>
+                </c:pt>
+                <c:pt idx="5">
+                  <c:v>16512</c:v>
+                </c:pt>
+                <c:pt idx="6">
+                  <c:v>17533</c:v>
+                </c:pt>
+                <c:pt idx="7">
+                  <c:v>16875</c:v>
+                </c:pt>
+                <c:pt idx="8">
+                  <c:v>13866</c:v>
+                </c:pt>
+                <c:pt idx="9">
+                  <c:v>18953</c:v>
+                </c:pt>
+                <c:pt idx="10">
+                  <c:v>13605</c:v>
+                </c:pt>
+                <c:pt idx="11">
+                  <c:v>171280</c:v>
+                </c:pt>
+                <c:pt idx="13">
+                  <c:v>0</c:v>
+                </c:pt>
+                <c:pt idx="14" formatCode="0%">
+                  <c:v>1.1912339475153546</c:v>
+                </c:pt>
+                <c:pt idx="15" formatCode="0%">
+                  <c:v>1.2094816073813281</c:v>
+                </c:pt>
+                <c:pt idx="16" formatCode="0%">
+                  <c:v>1.088009171837065</c:v>
+                </c:pt>
+                <c:pt idx="17" formatCode="0%">
+                  <c:v>1.0512480896586858</c:v>
+                </c:pt>
+                <c:pt idx="18" formatCode="0%">
+                  <c:v>1.1988465599870035</c:v>
+                </c:pt>
+                <c:pt idx="19" formatCode="0%">
+                  <c:v>1.1047032849401217</c:v>
+                </c:pt>
+                <c:pt idx="20" formatCode="0%">
+                  <c:v>1.1392462638076672</c:v>
+                </c:pt>
+                <c:pt idx="21" formatCode="0%">
+                  <c:v>1.1118065621293978</c:v>
+                </c:pt>
+                <c:pt idx="22" formatCode="0%">
+                  <c:v>1.096906890277668</c:v>
+                </c:pt>
+                <c:pt idx="23" formatCode="0%">
+                  <c:v>1.0638787538591075</c:v>
+                </c:pt>
+                <c:pt idx="24" formatCode="0%">
+                  <c:v>1.1245660439742107</c:v>
+                </c:pt>
+              </c:numCache>
+            </c:numRef>
+          </c:val>
+          <c:smooth val="0"/>
+          <c:extLst>
+            <c:ext xmlns:c16="http://schemas.microsoft.com/office/drawing/2014/chart" uri="{C3380CC4-5D6E-409C-BE32-E72D297353CC}">
+              <c16:uniqueId val="{00000002-A0F2-4D65-8ABD-9A7376394177}"/>
+            </c:ext>
+          </c:extLst>
+        </c:ser>
+        <c:ser>
+          <c:idx val="3"/>
+          <c:order val="3"/>
+          <c:tx>
+            <c:strRef>
+              <c:f>'Past Prediction'!$E$1</c:f>
+              <c:strCache>
+                <c:ptCount val="1"/>
+                <c:pt idx="0">
+                  <c:v>DL2</c:v>
+                </c:pt>
+              </c:strCache>
+            </c:strRef>
+          </c:tx>
+          <c:spPr>
+            <a:ln w="28575" cap="rnd">
+              <a:solidFill>
+                <a:schemeClr val="accent4"/>
+              </a:solidFill>
+              <a:round/>
+            </a:ln>
+            <a:effectLst/>
+          </c:spPr>
+          <c:marker>
+            <c:symbol val="none"/>
+          </c:marker>
+          <c:cat>
+            <c:numRef>
+              <c:f>'Past Prediction'!$A$2:$A$12</c:f>
+              <c:numCache>
+                <c:formatCode>mmm\-yy</c:formatCode>
+                <c:ptCount val="11"/>
+                <c:pt idx="0">
+                  <c:v>43466</c:v>
+                </c:pt>
+                <c:pt idx="1">
+                  <c:v>43497</c:v>
+                </c:pt>
+                <c:pt idx="2">
+                  <c:v>43525</c:v>
+                </c:pt>
+                <c:pt idx="3">
+                  <c:v>43556</c:v>
+                </c:pt>
+                <c:pt idx="4">
+                  <c:v>43586</c:v>
+                </c:pt>
+                <c:pt idx="5">
+                  <c:v>43617</c:v>
+                </c:pt>
+                <c:pt idx="6">
+                  <c:v>43647</c:v>
+                </c:pt>
+                <c:pt idx="7">
+                  <c:v>43678</c:v>
+                </c:pt>
+                <c:pt idx="8">
+                  <c:v>43709</c:v>
+                </c:pt>
+                <c:pt idx="9">
+                  <c:v>43739</c:v>
+                </c:pt>
+                <c:pt idx="10">
+                  <c:v>43770</c:v>
+                </c:pt>
+              </c:numCache>
+            </c:numRef>
+          </c:cat>
+          <c:val>
+            <c:numRef>
+              <c:f>'Past Prediction'!$E$2:$E$26</c:f>
+              <c:numCache>
+                <c:formatCode>General</c:formatCode>
+                <c:ptCount val="25"/>
+                <c:pt idx="0">
+                  <c:v>11510</c:v>
+                </c:pt>
+                <c:pt idx="1">
+                  <c:v>16985</c:v>
+                </c:pt>
+                <c:pt idx="2">
+                  <c:v>15178</c:v>
+                </c:pt>
+                <c:pt idx="3">
+                  <c:v>10120</c:v>
+                </c:pt>
+                <c:pt idx="4">
+                  <c:v>13844</c:v>
+                </c:pt>
+                <c:pt idx="5">
+                  <c:v>15792</c:v>
+                </c:pt>
+                <c:pt idx="6">
+                  <c:v>15303</c:v>
+                </c:pt>
+                <c:pt idx="7">
+                  <c:v>16057</c:v>
+                </c:pt>
+                <c:pt idx="8">
+                  <c:v>14078</c:v>
+                </c:pt>
+                <c:pt idx="9">
+                  <c:v>17475</c:v>
+                </c:pt>
+                <c:pt idx="10">
+                  <c:v>12018</c:v>
+                </c:pt>
+                <c:pt idx="11">
+                  <c:v>158360</c:v>
+                </c:pt>
+                <c:pt idx="13">
+                  <c:v>0</c:v>
+                </c:pt>
+                <c:pt idx="14" formatCode="0%">
+                  <c:v>1.0710962218499906</c:v>
+                </c:pt>
+                <c:pt idx="15" formatCode="0%">
+                  <c:v>1.0310185747238072</c:v>
+                </c:pt>
+                <c:pt idx="16" formatCode="0%">
+                  <c:v>1.0236039924467224</c:v>
+                </c:pt>
+                <c:pt idx="17" formatCode="0%">
+                  <c:v>1.0310748853795211</c:v>
+                </c:pt>
+                <c:pt idx="18" formatCode="0%">
+                  <c:v>1.1245227845016652</c:v>
+                </c:pt>
+                <c:pt idx="19" formatCode="0%">
+                  <c:v>1.0565330835619189</c:v>
+                </c:pt>
+                <c:pt idx="20" formatCode="0%">
+                  <c:v>0.99434697855750487</c:v>
+                </c:pt>
+                <c:pt idx="21" formatCode="0%">
+                  <c:v>1.0579127684806957</c:v>
+                </c:pt>
+                <c:pt idx="22" formatCode="0%">
+                  <c:v>1.1136777153706194</c:v>
+                </c:pt>
+                <c:pt idx="23" formatCode="0%">
+                  <c:v>0.98091495930395733</c:v>
+                </c:pt>
+                <c:pt idx="24" formatCode="0%">
+                  <c:v>0.993387336749876</c:v>
+                </c:pt>
+              </c:numCache>
+            </c:numRef>
+          </c:val>
+          <c:smooth val="0"/>
+          <c:extLst>
+            <c:ext xmlns:c16="http://schemas.microsoft.com/office/drawing/2014/chart" uri="{C3380CC4-5D6E-409C-BE32-E72D297353CC}">
+              <c16:uniqueId val="{00000003-A0F2-4D65-8ABD-9A7376394177}"/>
+            </c:ext>
+          </c:extLst>
+        </c:ser>
+        <c:ser>
+          <c:idx val="4"/>
+          <c:order val="4"/>
+          <c:tx>
+            <c:strRef>
+              <c:f>'Past Prediction'!$F$1</c:f>
+              <c:strCache>
+                <c:ptCount val="1"/>
+                <c:pt idx="0">
+                  <c:v>KM</c:v>
+                </c:pt>
+              </c:strCache>
+            </c:strRef>
+          </c:tx>
+          <c:spPr>
+            <a:ln w="28575" cap="rnd">
+              <a:solidFill>
+                <a:schemeClr val="accent5"/>
+              </a:solidFill>
+              <a:round/>
+            </a:ln>
+            <a:effectLst/>
+          </c:spPr>
+          <c:marker>
+            <c:symbol val="none"/>
+          </c:marker>
+          <c:cat>
+            <c:numRef>
+              <c:f>'Past Prediction'!$A$2:$A$12</c:f>
+              <c:numCache>
+                <c:formatCode>mmm\-yy</c:formatCode>
+                <c:ptCount val="11"/>
+                <c:pt idx="0">
+                  <c:v>43466</c:v>
+                </c:pt>
+                <c:pt idx="1">
+                  <c:v>43497</c:v>
+                </c:pt>
+                <c:pt idx="2">
+                  <c:v>43525</c:v>
+                </c:pt>
+                <c:pt idx="3">
+                  <c:v>43556</c:v>
+                </c:pt>
+                <c:pt idx="4">
+                  <c:v>43586</c:v>
+                </c:pt>
+                <c:pt idx="5">
+                  <c:v>43617</c:v>
+                </c:pt>
+                <c:pt idx="6">
+                  <c:v>43647</c:v>
+                </c:pt>
+                <c:pt idx="7">
+                  <c:v>43678</c:v>
+                </c:pt>
+                <c:pt idx="8">
+                  <c:v>43709</c:v>
+                </c:pt>
+                <c:pt idx="9">
+                  <c:v>43739</c:v>
+                </c:pt>
+                <c:pt idx="10">
+                  <c:v>43770</c:v>
+                </c:pt>
+              </c:numCache>
+            </c:numRef>
+          </c:cat>
+          <c:val>
+            <c:numRef>
+              <c:f>'Past Prediction'!$F$2:$F$26</c:f>
+              <c:numCache>
+                <c:formatCode>General</c:formatCode>
+                <c:ptCount val="25"/>
+                <c:pt idx="0">
+                  <c:v>10446</c:v>
+                </c:pt>
+                <c:pt idx="1">
+                  <c:v>16568</c:v>
+                </c:pt>
+                <c:pt idx="2">
+                  <c:v>16295</c:v>
+                </c:pt>
+                <c:pt idx="3">
+                  <c:v>9798</c:v>
+                </c:pt>
+                <c:pt idx="4">
+                  <c:v>13091</c:v>
+                </c:pt>
+                <c:pt idx="5">
+                  <c:v>15269</c:v>
+                </c:pt>
+                <c:pt idx="6">
+                  <c:v>16107</c:v>
+                </c:pt>
+                <c:pt idx="7">
+                  <c:v>15897</c:v>
+                </c:pt>
+                <c:pt idx="8">
+                  <c:v>12759</c:v>
+                </c:pt>
+                <c:pt idx="9">
+                  <c:v>18818</c:v>
+                </c:pt>
+                <c:pt idx="10">
+                  <c:v>11788</c:v>
+                </c:pt>
+                <c:pt idx="11">
+                  <c:v>156836</c:v>
+                </c:pt>
+                <c:pt idx="13">
+                  <c:v>0</c:v>
+                </c:pt>
+                <c:pt idx="14" formatCode="0%">
+                  <c:v>0.97208263539921835</c:v>
+                </c:pt>
+                <c:pt idx="15" formatCode="0%">
+                  <c:v>1.0057059609080976</c:v>
+                </c:pt>
+                <c:pt idx="16" formatCode="0%">
+                  <c:v>1.0989344483409764</c:v>
+                </c:pt>
+                <c:pt idx="17" formatCode="0%">
+                  <c:v>0.99826795720835459</c:v>
+                </c:pt>
+                <c:pt idx="18" formatCode="0%">
+                  <c:v>1.0633579725448785</c:v>
+                </c:pt>
+                <c:pt idx="19" formatCode="0%">
+                  <c:v>1.0215427845052518</c:v>
+                </c:pt>
+                <c:pt idx="20" formatCode="0%">
+                  <c:v>1.046588693957115</c:v>
+                </c:pt>
+                <c:pt idx="21" formatCode="0%">
+                  <c:v>1.0473711951508762</c:v>
+                </c:pt>
+                <c:pt idx="22" formatCode="0%">
+                  <c:v>1.0093347045328693</c:v>
+                </c:pt>
+                <c:pt idx="23" formatCode="0%">
+                  <c:v>1.0563008700533258</c:v>
+                </c:pt>
+                <c:pt idx="24" formatCode="0%">
+                  <c:v>0.9743759299057696</c:v>
+                </c:pt>
+              </c:numCache>
+            </c:numRef>
+          </c:val>
+          <c:smooth val="0"/>
+          <c:extLst>
+            <c:ext xmlns:c16="http://schemas.microsoft.com/office/drawing/2014/chart" uri="{C3380CC4-5D6E-409C-BE32-E72D297353CC}">
+              <c16:uniqueId val="{00000004-A0F2-4D65-8ABD-9A7376394177}"/>
+            </c:ext>
+          </c:extLst>
+        </c:ser>
+        <c:ser>
+          <c:idx val="5"/>
+          <c:order val="5"/>
+          <c:tx>
+            <c:strRef>
+              <c:f>'Past Prediction'!$G$1</c:f>
+              <c:strCache>
+                <c:ptCount val="1"/>
+                <c:pt idx="0">
+                  <c:v>COX</c:v>
+                </c:pt>
+              </c:strCache>
+            </c:strRef>
+          </c:tx>
+          <c:spPr>
+            <a:ln w="28575" cap="rnd">
+              <a:solidFill>
+                <a:schemeClr val="accent6"/>
+              </a:solidFill>
+              <a:round/>
+            </a:ln>
+            <a:effectLst/>
+          </c:spPr>
+          <c:marker>
+            <c:symbol val="none"/>
+          </c:marker>
+          <c:cat>
+            <c:numRef>
+              <c:f>'Past Prediction'!$A$2:$A$12</c:f>
+              <c:numCache>
+                <c:formatCode>mmm\-yy</c:formatCode>
+                <c:ptCount val="11"/>
+                <c:pt idx="0">
+                  <c:v>43466</c:v>
+                </c:pt>
+                <c:pt idx="1">
+                  <c:v>43497</c:v>
+                </c:pt>
+                <c:pt idx="2">
+                  <c:v>43525</c:v>
+                </c:pt>
+                <c:pt idx="3">
+                  <c:v>43556</c:v>
+                </c:pt>
+                <c:pt idx="4">
+                  <c:v>43586</c:v>
+                </c:pt>
+                <c:pt idx="5">
+                  <c:v>43617</c:v>
+                </c:pt>
+                <c:pt idx="6">
+                  <c:v>43647</c:v>
+                </c:pt>
+                <c:pt idx="7">
+                  <c:v>43678</c:v>
+                </c:pt>
+                <c:pt idx="8">
+                  <c:v>43709</c:v>
+                </c:pt>
+                <c:pt idx="9">
+                  <c:v>43739</c:v>
+                </c:pt>
+                <c:pt idx="10">
+                  <c:v>43770</c:v>
+                </c:pt>
+              </c:numCache>
+            </c:numRef>
+          </c:cat>
+          <c:val>
+            <c:numRef>
+              <c:f>'Past Prediction'!$G$2:$G$26</c:f>
+              <c:numCache>
+                <c:formatCode>General</c:formatCode>
+                <c:ptCount val="25"/>
+                <c:pt idx="0">
+                  <c:v>10941</c:v>
+                </c:pt>
+                <c:pt idx="1">
+                  <c:v>16621</c:v>
+                </c:pt>
+                <c:pt idx="2">
+                  <c:v>14724</c:v>
+                </c:pt>
+                <c:pt idx="3">
+                  <c:v>9824</c:v>
+                </c:pt>
+                <c:pt idx="4">
+                  <c:v>12272</c:v>
+                </c:pt>
+                <c:pt idx="5">
+                  <c:v>15188</c:v>
+                </c:pt>
+                <c:pt idx="6">
+                  <c:v>15606</c:v>
+                </c:pt>
+                <c:pt idx="7">
+                  <c:v>15338</c:v>
+                </c:pt>
+                <c:pt idx="8">
+                  <c:v>12547</c:v>
+                </c:pt>
+                <c:pt idx="9">
+                  <c:v>17664</c:v>
+                </c:pt>
+                <c:pt idx="10">
+                  <c:v>12240</c:v>
+                </c:pt>
+                <c:pt idx="11">
+                  <c:v>152965</c:v>
+                </c:pt>
+                <c:pt idx="13">
+                  <c:v>0</c:v>
+                </c:pt>
+                <c:pt idx="14" formatCode="0%">
+                  <c:v>1.018146286990508</c:v>
+                </c:pt>
+                <c:pt idx="15" formatCode="0%">
+                  <c:v>1.008923151632876</c:v>
+                </c:pt>
+                <c:pt idx="16" formatCode="0%">
+                  <c:v>0.99298624224440246</c:v>
+                </c:pt>
+                <c:pt idx="17" formatCode="0%">
+                  <c:v>1.000916963830871</c:v>
+                </c:pt>
+                <c:pt idx="18" formatCode="0%">
+                  <c:v>0.99683210137275602</c:v>
+                </c:pt>
+                <c:pt idx="19" formatCode="0%">
+                  <c:v>1.016123636850204</c:v>
+                </c:pt>
+                <c:pt idx="20" formatCode="0%">
+                  <c:v>1.0140350877192983</c:v>
+                </c:pt>
+                <c:pt idx="21" formatCode="0%">
+                  <c:v>1.0105415733298195</c:v>
+                </c:pt>
+                <c:pt idx="22" formatCode="0%">
+                  <c:v>0.99256387943991775</c:v>
+                </c:pt>
+                <c:pt idx="23" formatCode="0%">
+                  <c:v>0.9915239966320516</c:v>
+                </c:pt>
+                <c:pt idx="24" formatCode="0%">
+                  <c:v>1.01173747726897</c:v>
+                </c:pt>
+              </c:numCache>
+            </c:numRef>
+          </c:val>
+          <c:smooth val="0"/>
+          <c:extLst>
+            <c:ext xmlns:c16="http://schemas.microsoft.com/office/drawing/2014/chart" uri="{C3380CC4-5D6E-409C-BE32-E72D297353CC}">
+              <c16:uniqueId val="{00000005-A0F2-4D65-8ABD-9A7376394177}"/>
+            </c:ext>
+          </c:extLst>
+        </c:ser>
+        <c:ser>
+          <c:idx val="6"/>
+          <c:order val="6"/>
+          <c:tx>
+            <c:strRef>
+              <c:f>'Past Prediction'!$I$1</c:f>
+              <c:strCache>
+                <c:ptCount val="1"/>
+                <c:pt idx="0">
+                  <c:v>Actual</c:v>
+                </c:pt>
+              </c:strCache>
+            </c:strRef>
+          </c:tx>
+          <c:spPr>
+            <a:ln w="28575" cap="rnd">
+              <a:solidFill>
+                <a:schemeClr val="accent1">
+                  <a:lumMod val="60000"/>
+                </a:schemeClr>
+              </a:solidFill>
+              <a:round/>
+            </a:ln>
+            <a:effectLst/>
+          </c:spPr>
+          <c:marker>
+            <c:symbol val="none"/>
+          </c:marker>
+          <c:cat>
+            <c:numRef>
+              <c:f>'Past Prediction'!$A$2:$A$12</c:f>
+              <c:numCache>
+                <c:formatCode>mmm\-yy</c:formatCode>
+                <c:ptCount val="11"/>
+                <c:pt idx="0">
+                  <c:v>43466</c:v>
+                </c:pt>
+                <c:pt idx="1">
+                  <c:v>43497</c:v>
+                </c:pt>
+                <c:pt idx="2">
+                  <c:v>43525</c:v>
+                </c:pt>
+                <c:pt idx="3">
+                  <c:v>43556</c:v>
+                </c:pt>
+                <c:pt idx="4">
+                  <c:v>43586</c:v>
+                </c:pt>
+                <c:pt idx="5">
+                  <c:v>43617</c:v>
+                </c:pt>
+                <c:pt idx="6">
+                  <c:v>43647</c:v>
+                </c:pt>
+                <c:pt idx="7">
+                  <c:v>43678</c:v>
+                </c:pt>
+                <c:pt idx="8">
+                  <c:v>43709</c:v>
+                </c:pt>
+                <c:pt idx="9">
+                  <c:v>43739</c:v>
+                </c:pt>
+                <c:pt idx="10">
+                  <c:v>43770</c:v>
+                </c:pt>
+              </c:numCache>
+            </c:numRef>
+          </c:cat>
+          <c:val>
+            <c:numRef>
+              <c:f>'Past Prediction'!$I$2:$I$12</c:f>
+              <c:numCache>
+                <c:formatCode>General</c:formatCode>
+                <c:ptCount val="11"/>
+                <c:pt idx="0">
+                  <c:v>10746</c:v>
+                </c:pt>
+                <c:pt idx="1">
+                  <c:v>16474</c:v>
+                </c:pt>
+                <c:pt idx="2">
+                  <c:v>14828</c:v>
+                </c:pt>
+                <c:pt idx="3">
+                  <c:v>9815</c:v>
+                </c:pt>
+                <c:pt idx="4">
+                  <c:v>12311</c:v>
+                </c:pt>
+                <c:pt idx="5">
+                  <c:v>14947</c:v>
+                </c:pt>
+                <c:pt idx="6">
+                  <c:v>15390</c:v>
+                </c:pt>
+                <c:pt idx="7">
+                  <c:v>15178</c:v>
+                </c:pt>
+                <c:pt idx="8">
+                  <c:v>12641</c:v>
+                </c:pt>
+                <c:pt idx="9">
+                  <c:v>17815</c:v>
+                </c:pt>
+                <c:pt idx="10">
+                  <c:v>12098</c:v>
+                </c:pt>
+              </c:numCache>
+            </c:numRef>
+          </c:val>
+          <c:smooth val="0"/>
+          <c:extLst>
+            <c:ext xmlns:c16="http://schemas.microsoft.com/office/drawing/2014/chart" uri="{C3380CC4-5D6E-409C-BE32-E72D297353CC}">
+              <c16:uniqueId val="{00000006-A0F2-4D65-8ABD-9A7376394177}"/>
+            </c:ext>
+          </c:extLst>
+        </c:ser>
+        <c:dLbls>
+          <c:showLegendKey val="0"/>
+          <c:showVal val="0"/>
+          <c:showCatName val="0"/>
+          <c:showSerName val="0"/>
+          <c:showPercent val="0"/>
+          <c:showBubbleSize val="0"/>
+        </c:dLbls>
+        <c:smooth val="0"/>
+        <c:axId val="1153041311"/>
+        <c:axId val="1356745295"/>
+      </c:lineChart>
+      <c:dateAx>
+        <c:axId val="1153041311"/>
+        <c:scaling>
+          <c:orientation val="minMax"/>
+        </c:scaling>
+        <c:delete val="0"/>
+        <c:axPos val="b"/>
+        <c:numFmt formatCode="mmm\-yy" sourceLinked="1"/>
+        <c:majorTickMark val="out"/>
+        <c:minorTickMark val="none"/>
+        <c:tickLblPos val="nextTo"/>
+        <c:spPr>
+          <a:noFill/>
+          <a:ln w="9525" cap="flat" cmpd="sng" algn="ctr">
+            <a:solidFill>
+              <a:schemeClr val="tx1">
+                <a:lumMod val="15000"/>
+                <a:lumOff val="85000"/>
+              </a:schemeClr>
+            </a:solidFill>
+            <a:round/>
+          </a:ln>
+          <a:effectLst/>
+        </c:spPr>
+        <c:txPr>
+          <a:bodyPr rot="-60000000" spcFirstLastPara="1" vertOverflow="ellipsis" vert="horz" wrap="square" anchor="ctr" anchorCtr="1"/>
+          <a:lstStyle/>
+          <a:p>
+            <a:pPr>
+              <a:defRPr sz="900" b="0" i="0" u="none" strike="noStrike" kern="1200" baseline="0">
+                <a:solidFill>
+                  <a:schemeClr val="tx1">
+                    <a:lumMod val="65000"/>
+                    <a:lumOff val="35000"/>
+                  </a:schemeClr>
+                </a:solidFill>
+                <a:latin typeface="+mn-lt"/>
+                <a:ea typeface="+mn-ea"/>
+                <a:cs typeface="+mn-cs"/>
+              </a:defRPr>
+            </a:pPr>
+            <a:endParaRPr lang="en-US"/>
+          </a:p>
+        </c:txPr>
+        <c:crossAx val="1356745295"/>
+        <c:crosses val="autoZero"/>
+        <c:auto val="1"/>
+        <c:lblOffset val="100"/>
+        <c:baseTimeUnit val="months"/>
+      </c:dateAx>
+      <c:valAx>
+        <c:axId val="1356745295"/>
+        <c:scaling>
+          <c:orientation val="minMax"/>
+        </c:scaling>
+        <c:delete val="0"/>
+        <c:axPos val="l"/>
+        <c:majorGridlines>
+          <c:spPr>
+            <a:ln w="9525" cap="flat" cmpd="sng" algn="ctr">
+              <a:solidFill>
+                <a:schemeClr val="tx1">
+                  <a:lumMod val="15000"/>
+                  <a:lumOff val="85000"/>
+                </a:schemeClr>
+              </a:solidFill>
+              <a:round/>
+            </a:ln>
+            <a:effectLst/>
+          </c:spPr>
+        </c:majorGridlines>
+        <c:numFmt formatCode="General" sourceLinked="1"/>
+        <c:majorTickMark val="none"/>
+        <c:minorTickMark val="none"/>
+        <c:tickLblPos val="nextTo"/>
+        <c:spPr>
+          <a:noFill/>
+          <a:ln>
+            <a:noFill/>
+          </a:ln>
+          <a:effectLst/>
+        </c:spPr>
+        <c:txPr>
+          <a:bodyPr rot="-60000000" spcFirstLastPara="1" vertOverflow="ellipsis" vert="horz" wrap="square" anchor="ctr" anchorCtr="1"/>
+          <a:lstStyle/>
+          <a:p>
+            <a:pPr>
+              <a:defRPr sz="900" b="0" i="0" u="none" strike="noStrike" kern="1200" baseline="0">
+                <a:solidFill>
+                  <a:schemeClr val="tx1">
+                    <a:lumMod val="65000"/>
+                    <a:lumOff val="35000"/>
+                  </a:schemeClr>
+                </a:solidFill>
+                <a:latin typeface="+mn-lt"/>
+                <a:ea typeface="+mn-ea"/>
+                <a:cs typeface="+mn-cs"/>
+              </a:defRPr>
+            </a:pPr>
+            <a:endParaRPr lang="en-US"/>
+          </a:p>
+        </c:txPr>
+        <c:crossAx val="1153041311"/>
+        <c:crosses val="autoZero"/>
+        <c:crossBetween val="between"/>
+      </c:valAx>
+      <c:spPr>
+        <a:noFill/>
+        <a:ln>
+          <a:noFill/>
+        </a:ln>
+        <a:effectLst/>
+      </c:spPr>
+    </c:plotArea>
+    <c:legend>
+      <c:legendPos val="b"/>
+      <c:overlay val="0"/>
+      <c:spPr>
+        <a:noFill/>
+        <a:ln>
+          <a:noFill/>
+        </a:ln>
+        <a:effectLst/>
+      </c:spPr>
+      <c:txPr>
+        <a:bodyPr rot="0" spcFirstLastPara="1" vertOverflow="ellipsis" vert="horz" wrap="square" anchor="ctr" anchorCtr="1"/>
+        <a:lstStyle/>
+        <a:p>
+          <a:pPr>
+            <a:defRPr sz="900" b="0" i="0" u="none" strike="noStrike" kern="1200" baseline="0">
+              <a:solidFill>
+                <a:schemeClr val="tx1">
+                  <a:lumMod val="65000"/>
+                  <a:lumOff val="35000"/>
+                </a:schemeClr>
+              </a:solidFill>
+              <a:latin typeface="+mn-lt"/>
+              <a:ea typeface="+mn-ea"/>
+              <a:cs typeface="+mn-cs"/>
+            </a:defRPr>
+          </a:pPr>
+          <a:endParaRPr lang="en-US"/>
+        </a:p>
+      </c:txPr>
+    </c:legend>
+    <c:plotVisOnly val="1"/>
+    <c:dispBlanksAs val="gap"/>
+    <c:extLst>
+      <c:ext xmlns:c16r3="http://schemas.microsoft.com/office/drawing/2017/03/chart" uri="{56B9EC1D-385E-4148-901F-78D8002777C0}">
+        <c16r3:dataDisplayOptions16>
+          <c16r3:dispNaAsBlank val="1"/>
+        </c16r3:dataDisplayOptions16>
+      </c:ext>
+    </c:extLst>
+    <c:showDLblsOverMax val="0"/>
+  </c:chart>
+  <c:spPr>
+    <a:noFill/>
+    <a:ln>
+      <a:noFill/>
+    </a:ln>
+    <a:effectLst/>
+  </c:spPr>
+  <c:txPr>
+    <a:bodyPr/>
+    <a:lstStyle/>
+    <a:p>
+      <a:pPr>
+        <a:defRPr/>
+      </a:pPr>
+      <a:endParaRPr lang="en-US"/>
+    </a:p>
+  </c:txPr>
+  <c:externalData r:id="rId3">
+    <c:autoUpdate val="0"/>
+  </c:externalData>
+</c:chartSpace>
+</file>
+
+<file path=ppt/charts/colors1.xml><?xml version="1.0" encoding="utf-8"?>
+<cs:colorStyle xmlns:cs="http://schemas.microsoft.com/office/drawing/2012/chartStyle" xmlns:a="http://schemas.openxmlformats.org/drawingml/2006/main" meth="cycle" id="10">
+  <a:schemeClr val="accent1"/>
+  <a:schemeClr val="accent2"/>
+  <a:schemeClr val="accent3"/>
+  <a:schemeClr val="accent4"/>
+  <a:schemeClr val="accent5"/>
+  <a:schemeClr val="accent6"/>
+  <cs:variation/>
+  <cs:variation>
+    <a:lumMod val="60000"/>
+  </cs:variation>
+  <cs:variation>
+    <a:lumMod val="80000"/>
+    <a:lumOff val="20000"/>
+  </cs:variation>
+  <cs:variation>
+    <a:lumMod val="80000"/>
+  </cs:variation>
+  <cs:variation>
+    <a:lumMod val="60000"/>
+    <a:lumOff val="40000"/>
+  </cs:variation>
+  <cs:variation>
+    <a:lumMod val="50000"/>
+  </cs:variation>
+  <cs:variation>
+    <a:lumMod val="70000"/>
+    <a:lumOff val="30000"/>
+  </cs:variation>
+  <cs:variation>
+    <a:lumMod val="70000"/>
+  </cs:variation>
+  <cs:variation>
+    <a:lumMod val="50000"/>
+    <a:lumOff val="50000"/>
+  </cs:variation>
+</cs:colorStyle>
+</file>
+
+<file path=ppt/charts/style1.xml><?xml version="1.0" encoding="utf-8"?>
+<cs:chartStyle xmlns:cs="http://schemas.microsoft.com/office/drawing/2012/chartStyle" xmlns:a="http://schemas.openxmlformats.org/drawingml/2006/main" id="227">
+  <cs:axisTitle>
+    <cs:lnRef idx="0"/>
+    <cs:fillRef idx="0"/>
+    <cs:effectRef idx="0"/>
+    <cs:fontRef idx="minor">
+      <a:schemeClr val="tx1">
+        <a:lumMod val="65000"/>
+        <a:lumOff val="35000"/>
+      </a:schemeClr>
+    </cs:fontRef>
+    <cs:defRPr sz="1000" kern="1200"/>
+  </cs:axisTitle>
+  <cs:categoryAxis>
+    <cs:lnRef idx="0"/>
+    <cs:fillRef idx="0"/>
+    <cs:effectRef idx="0"/>
+    <cs:fontRef idx="minor">
+      <a:schemeClr val="tx1">
+        <a:lumMod val="65000"/>
+        <a:lumOff val="35000"/>
+      </a:schemeClr>
+    </cs:fontRef>
+    <cs:spPr>
+      <a:ln w="9525" cap="flat" cmpd="sng" algn="ctr">
+        <a:solidFill>
+          <a:schemeClr val="tx1">
+            <a:lumMod val="15000"/>
+            <a:lumOff val="85000"/>
+          </a:schemeClr>
+        </a:solidFill>
+        <a:round/>
+      </a:ln>
+    </cs:spPr>
+    <cs:defRPr sz="900" kern="1200"/>
+  </cs:categoryAxis>
+  <cs:chartArea mods="allowNoFillOverride allowNoLineOverride">
+    <cs:lnRef idx="0"/>
+    <cs:fillRef idx="0"/>
+    <cs:effectRef idx="0"/>
+    <cs:fontRef idx="minor">
+      <a:schemeClr val="tx1"/>
+    </cs:fontRef>
+    <cs:spPr>
+      <a:solidFill>
+        <a:schemeClr val="bg1"/>
+      </a:solidFill>
+      <a:ln w="9525" cap="flat" cmpd="sng" algn="ctr">
+        <a:solidFill>
+          <a:schemeClr val="tx1">
+            <a:lumMod val="15000"/>
+            <a:lumOff val="85000"/>
+          </a:schemeClr>
+        </a:solidFill>
+        <a:round/>
+      </a:ln>
+    </cs:spPr>
+    <cs:defRPr sz="1000" kern="1200"/>
+  </cs:chartArea>
+  <cs:dataLabel>
+    <cs:lnRef idx="0"/>
+    <cs:fillRef idx="0"/>
+    <cs:effectRef idx="0"/>
+    <cs:fontRef idx="minor">
+      <a:schemeClr val="tx1">
+        <a:lumMod val="75000"/>
+        <a:lumOff val="25000"/>
+      </a:schemeClr>
+    </cs:fontRef>
+    <cs:defRPr sz="900" kern="1200"/>
+  </cs:dataLabel>
+  <cs:dataLabelCallout>
+    <cs:lnRef idx="0"/>
+    <cs:fillRef idx="0"/>
+    <cs:effectRef idx="0"/>
+    <cs:fontRef idx="minor">
+      <a:schemeClr val="dk1">
+        <a:lumMod val="65000"/>
+        <a:lumOff val="35000"/>
+      </a:schemeClr>
+    </cs:fontRef>
+    <cs:spPr>
+      <a:solidFill>
+        <a:schemeClr val="lt1"/>
+      </a:solidFill>
+      <a:ln>
+        <a:solidFill>
+          <a:schemeClr val="dk1">
+            <a:lumMod val="25000"/>
+            <a:lumOff val="75000"/>
+          </a:schemeClr>
+        </a:solidFill>
+      </a:ln>
+    </cs:spPr>
+    <cs:defRPr sz="900" kern="1200"/>
+    <cs:bodyPr rot="0" spcFirstLastPara="1" vertOverflow="clip" horzOverflow="clip" vert="horz" wrap="square" lIns="36576" tIns="18288" rIns="36576" bIns="18288" anchor="ctr" anchorCtr="1">
+      <a:spAutoFit/>
+    </cs:bodyPr>
+  </cs:dataLabelCallout>
+  <cs:dataPoint>
+    <cs:lnRef idx="0"/>
+    <cs:fillRef idx="1">
+      <cs:styleClr val="auto"/>
+    </cs:fillRef>
+    <cs:effectRef idx="0"/>
+    <cs:fontRef idx="minor">
+      <a:schemeClr val="tx1"/>
+    </cs:fontRef>
+    <cs:spPr>
+      <a:solidFill>
+        <a:schemeClr val="phClr"/>
+      </a:solidFill>
+    </cs:spPr>
+  </cs:dataPoint>
+  <cs:dataPoint3D>
+    <cs:lnRef idx="0"/>
+    <cs:fillRef idx="1">
+      <cs:styleClr val="auto"/>
+    </cs:fillRef>
+    <cs:effectRef idx="0"/>
+    <cs:fontRef idx="minor">
+      <a:schemeClr val="tx1"/>
+    </cs:fontRef>
+    <cs:spPr>
+      <a:solidFill>
+        <a:schemeClr val="phClr"/>
+      </a:solidFill>
+    </cs:spPr>
+  </cs:dataPoint3D>
+  <cs:dataPointLine>
+    <cs:lnRef idx="0">
+      <cs:styleClr val="auto"/>
+    </cs:lnRef>
+    <cs:fillRef idx="1"/>
+    <cs:effectRef idx="0"/>
+    <cs:fontRef idx="minor">
+      <a:schemeClr val="tx1"/>
+    </cs:fontRef>
+    <cs:spPr>
+      <a:ln w="28575" cap="rnd">
+        <a:solidFill>
+          <a:schemeClr val="phClr"/>
+        </a:solidFill>
+        <a:round/>
+      </a:ln>
+    </cs:spPr>
+  </cs:dataPointLine>
+  <cs:dataPointMarker>
+    <cs:lnRef idx="0">
+      <cs:styleClr val="auto"/>
+    </cs:lnRef>
+    <cs:fillRef idx="1">
+      <cs:styleClr val="auto"/>
+    </cs:fillRef>
+    <cs:effectRef idx="0"/>
+    <cs:fontRef idx="minor">
+      <a:schemeClr val="tx1"/>
+    </cs:fontRef>
+    <cs:spPr>
+      <a:solidFill>
+        <a:schemeClr val="phClr"/>
+      </a:solidFill>
+      <a:ln w="9525">
+        <a:solidFill>
+          <a:schemeClr val="phClr"/>
+        </a:solidFill>
+      </a:ln>
+    </cs:spPr>
+  </cs:dataPointMarker>
+  <cs:dataPointMarkerLayout symbol="circle" size="5"/>
+  <cs:dataPointWireframe>
+    <cs:lnRef idx="0">
+      <cs:styleClr val="auto"/>
+    </cs:lnRef>
+    <cs:fillRef idx="1"/>
+    <cs:effectRef idx="0"/>
+    <cs:fontRef idx="minor">
+      <a:schemeClr val="tx1"/>
+    </cs:fontRef>
+    <cs:spPr>
+      <a:ln w="9525" cap="rnd">
+        <a:solidFill>
+          <a:schemeClr val="phClr"/>
+        </a:solidFill>
+        <a:round/>
+      </a:ln>
+    </cs:spPr>
+  </cs:dataPointWireframe>
+  <cs:dataTable>
+    <cs:lnRef idx="0"/>
+    <cs:fillRef idx="0"/>
+    <cs:effectRef idx="0"/>
+    <cs:fontRef idx="minor">
+      <a:schemeClr val="tx1">
+        <a:lumMod val="65000"/>
+        <a:lumOff val="35000"/>
+      </a:schemeClr>
+    </cs:fontRef>
+    <cs:spPr>
+      <a:noFill/>
+      <a:ln w="9525" cap="flat" cmpd="sng" algn="ctr">
+        <a:solidFill>
+          <a:schemeClr val="tx1">
+            <a:lumMod val="15000"/>
+            <a:lumOff val="85000"/>
+          </a:schemeClr>
+        </a:solidFill>
+        <a:round/>
+      </a:ln>
+    </cs:spPr>
+    <cs:defRPr sz="900" kern="1200"/>
+  </cs:dataTable>
+  <cs:downBar>
+    <cs:lnRef idx="0"/>
+    <cs:fillRef idx="0"/>
+    <cs:effectRef idx="0"/>
+    <cs:fontRef idx="minor">
+      <a:schemeClr val="dk1"/>
+    </cs:fontRef>
+    <cs:spPr>
+      <a:solidFill>
+        <a:schemeClr val="dk1">
+          <a:lumMod val="65000"/>
+          <a:lumOff val="35000"/>
+        </a:schemeClr>
+      </a:solidFill>
+      <a:ln w="9525">
+        <a:solidFill>
+          <a:schemeClr val="tx1">
+            <a:lumMod val="65000"/>
+            <a:lumOff val="35000"/>
+          </a:schemeClr>
+        </a:solidFill>
+      </a:ln>
+    </cs:spPr>
+  </cs:downBar>
+  <cs:dropLine>
+    <cs:lnRef idx="0"/>
+    <cs:fillRef idx="0"/>
+    <cs:effectRef idx="0"/>
+    <cs:fontRef idx="minor">
+      <a:schemeClr val="tx1"/>
+    </cs:fontRef>
+    <cs:spPr>
+      <a:ln w="9525" cap="flat" cmpd="sng" algn="ctr">
+        <a:solidFill>
+          <a:schemeClr val="tx1">
+            <a:lumMod val="35000"/>
+            <a:lumOff val="65000"/>
+          </a:schemeClr>
+        </a:solidFill>
+        <a:round/>
+      </a:ln>
+    </cs:spPr>
+  </cs:dropLine>
+  <cs:errorBar>
+    <cs:lnRef idx="0"/>
+    <cs:fillRef idx="0"/>
+    <cs:effectRef idx="0"/>
+    <cs:fontRef idx="minor">
+      <a:schemeClr val="tx1"/>
+    </cs:fontRef>
+    <cs:spPr>
+      <a:ln w="9525" cap="flat" cmpd="sng" algn="ctr">
+        <a:solidFill>
+          <a:schemeClr val="tx1">
+            <a:lumMod val="65000"/>
+            <a:lumOff val="35000"/>
+          </a:schemeClr>
+        </a:solidFill>
+        <a:round/>
+      </a:ln>
+    </cs:spPr>
+  </cs:errorBar>
+  <cs:floor>
+    <cs:lnRef idx="0"/>
+    <cs:fillRef idx="0"/>
+    <cs:effectRef idx="0"/>
+    <cs:fontRef idx="minor">
+      <a:schemeClr val="tx1"/>
+    </cs:fontRef>
+    <cs:spPr>
+      <a:noFill/>
+      <a:ln>
+        <a:noFill/>
+      </a:ln>
+    </cs:spPr>
+  </cs:floor>
+  <cs:gridlineMajor>
+    <cs:lnRef idx="0"/>
+    <cs:fillRef idx="0"/>
+    <cs:effectRef idx="0"/>
+    <cs:fontRef idx="minor">
+      <a:schemeClr val="tx1"/>
+    </cs:fontRef>
+    <cs:spPr>
+      <a:ln w="9525" cap="flat" cmpd="sng" algn="ctr">
+        <a:solidFill>
+          <a:schemeClr val="tx1">
+            <a:lumMod val="15000"/>
+            <a:lumOff val="85000"/>
+          </a:schemeClr>
+        </a:solidFill>
+        <a:round/>
+      </a:ln>
+    </cs:spPr>
+  </cs:gridlineMajor>
+  <cs:gridlineMinor>
+    <cs:lnRef idx="0"/>
+    <cs:fillRef idx="0"/>
+    <cs:effectRef idx="0"/>
+    <cs:fontRef idx="minor">
+      <a:schemeClr val="tx1"/>
+    </cs:fontRef>
+    <cs:spPr>
+      <a:ln w="9525" cap="flat" cmpd="sng" algn="ctr">
+        <a:solidFill>
+          <a:schemeClr val="tx1">
+            <a:lumMod val="5000"/>
+            <a:lumOff val="95000"/>
+          </a:schemeClr>
+        </a:solidFill>
+        <a:round/>
+      </a:ln>
+    </cs:spPr>
+  </cs:gridlineMinor>
+  <cs:hiLoLine>
+    <cs:lnRef idx="0"/>
+    <cs:fillRef idx="0"/>
+    <cs:effectRef idx="0"/>
+    <cs:fontRef idx="minor">
+      <a:schemeClr val="tx1"/>
+    </cs:fontRef>
+    <cs:spPr>
+      <a:ln w="9525" cap="flat" cmpd="sng" algn="ctr">
+        <a:solidFill>
+          <a:schemeClr val="tx1">
+            <a:lumMod val="75000"/>
+            <a:lumOff val="25000"/>
+          </a:schemeClr>
+        </a:solidFill>
+        <a:round/>
+      </a:ln>
+    </cs:spPr>
+  </cs:hiLoLine>
+  <cs:leaderLine>
+    <cs:lnRef idx="0"/>
+    <cs:fillRef idx="0"/>
+    <cs:effectRef idx="0"/>
+    <cs:fontRef idx="minor">
+      <a:schemeClr val="tx1"/>
+    </cs:fontRef>
+    <cs:spPr>
+      <a:ln w="9525" cap="flat" cmpd="sng" algn="ctr">
+        <a:solidFill>
+          <a:schemeClr val="tx1">
+            <a:lumMod val="35000"/>
+            <a:lumOff val="65000"/>
+          </a:schemeClr>
+        </a:solidFill>
+        <a:round/>
+      </a:ln>
+    </cs:spPr>
+  </cs:leaderLine>
+  <cs:legend>
+    <cs:lnRef idx="0"/>
+    <cs:fillRef idx="0"/>
+    <cs:effectRef idx="0"/>
+    <cs:fontRef idx="minor">
+      <a:schemeClr val="tx1">
+        <a:lumMod val="65000"/>
+        <a:lumOff val="35000"/>
+      </a:schemeClr>
+    </cs:fontRef>
+    <cs:defRPr sz="900" kern="1200"/>
+  </cs:legend>
+  <cs:plotArea mods="allowNoFillOverride allowNoLineOverride">
+    <cs:lnRef idx="0"/>
+    <cs:fillRef idx="0"/>
+    <cs:effectRef idx="0"/>
+    <cs:fontRef idx="minor">
+      <a:schemeClr val="tx1"/>
+    </cs:fontRef>
+  </cs:plotArea>
+  <cs:plotArea3D mods="allowNoFillOverride allowNoLineOverride">
+    <cs:lnRef idx="0"/>
+    <cs:fillRef idx="0"/>
+    <cs:effectRef idx="0"/>
+    <cs:fontRef idx="minor">
+      <a:schemeClr val="tx1"/>
+    </cs:fontRef>
+  </cs:plotArea3D>
+  <cs:seriesAxis>
+    <cs:lnRef idx="0"/>
+    <cs:fillRef idx="0"/>
+    <cs:effectRef idx="0"/>
+    <cs:fontRef idx="minor">
+      <a:schemeClr val="tx1">
+        <a:lumMod val="65000"/>
+        <a:lumOff val="35000"/>
+      </a:schemeClr>
+    </cs:fontRef>
+    <cs:defRPr sz="900" kern="1200"/>
+  </cs:seriesAxis>
+  <cs:seriesLine>
+    <cs:lnRef idx="0"/>
+    <cs:fillRef idx="0"/>
+    <cs:effectRef idx="0"/>
+    <cs:fontRef idx="minor">
+      <a:schemeClr val="tx1"/>
+    </cs:fontRef>
+    <cs:spPr>
+      <a:ln w="9525" cap="flat" cmpd="sng" algn="ctr">
+        <a:solidFill>
+          <a:schemeClr val="tx1">
+            <a:lumMod val="35000"/>
+            <a:lumOff val="65000"/>
+          </a:schemeClr>
+        </a:solidFill>
+        <a:round/>
+      </a:ln>
+    </cs:spPr>
+  </cs:seriesLine>
+  <cs:title>
+    <cs:lnRef idx="0"/>
+    <cs:fillRef idx="0"/>
+    <cs:effectRef idx="0"/>
+    <cs:fontRef idx="minor">
+      <a:schemeClr val="tx1">
+        <a:lumMod val="65000"/>
+        <a:lumOff val="35000"/>
+      </a:schemeClr>
+    </cs:fontRef>
+    <cs:defRPr sz="1400" b="0" kern="1200" spc="0" baseline="0"/>
+  </cs:title>
+  <cs:trendline>
+    <cs:lnRef idx="0">
+      <cs:styleClr val="auto"/>
+    </cs:lnRef>
+    <cs:fillRef idx="0"/>
+    <cs:effectRef idx="0"/>
+    <cs:fontRef idx="minor">
+      <a:schemeClr val="tx1"/>
+    </cs:fontRef>
+    <cs:spPr>
+      <a:ln w="19050" cap="rnd">
+        <a:solidFill>
+          <a:schemeClr val="phClr"/>
+        </a:solidFill>
+        <a:prstDash val="sysDot"/>
+      </a:ln>
+    </cs:spPr>
+  </cs:trendline>
+  <cs:trendlineLabel>
+    <cs:lnRef idx="0"/>
+    <cs:fillRef idx="0"/>
+    <cs:effectRef idx="0"/>
+    <cs:fontRef idx="minor">
+      <a:schemeClr val="tx1">
+        <a:lumMod val="65000"/>
+        <a:lumOff val="35000"/>
+      </a:schemeClr>
+    </cs:fontRef>
+    <cs:defRPr sz="900" kern="1200"/>
+  </cs:trendlineLabel>
+  <cs:upBar>
+    <cs:lnRef idx="0"/>
+    <cs:fillRef idx="0"/>
+    <cs:effectRef idx="0"/>
+    <cs:fontRef idx="minor">
+      <a:schemeClr val="dk1"/>
+    </cs:fontRef>
+    <cs:spPr>
+      <a:solidFill>
+        <a:schemeClr val="lt1"/>
+      </a:solidFill>
+      <a:ln w="9525">
+        <a:solidFill>
+          <a:schemeClr val="tx1">
+            <a:lumMod val="15000"/>
+            <a:lumOff val="85000"/>
+          </a:schemeClr>
+        </a:solidFill>
+      </a:ln>
+    </cs:spPr>
+  </cs:upBar>
+  <cs:valueAxis>
+    <cs:lnRef idx="0"/>
+    <cs:fillRef idx="0"/>
+    <cs:effectRef idx="0"/>
+    <cs:fontRef idx="minor">
+      <a:schemeClr val="tx1">
+        <a:lumMod val="65000"/>
+        <a:lumOff val="35000"/>
+      </a:schemeClr>
+    </cs:fontRef>
+    <cs:defRPr sz="900" kern="1200"/>
+  </cs:valueAxis>
+  <cs:wall>
+    <cs:lnRef idx="0"/>
+    <cs:fillRef idx="0"/>
+    <cs:effectRef idx="0"/>
+    <cs:fontRef idx="minor">
+      <a:schemeClr val="tx1"/>
+    </cs:fontRef>
+    <cs:spPr>
+      <a:noFill/>
+      <a:ln>
+        <a:noFill/>
+      </a:ln>
+    </cs:spPr>
+  </cs:wall>
+</cs:chartStyle>
 </file>
 
 <file path=ppt/slideLayouts/slideLayout1.xml><?xml version="1.0" encoding="utf-8"?>
@@ -842,7 +2666,7 @@
             <a:fld id="{B61BEF0D-F0BB-DE4B-95CE-6DB70DBA9567}" type="datetimeFigureOut">
               <a:rPr lang="en-US" dirty="0"/>
               <a:pPr/>
-              <a:t>12/2/2019</a:t>
+              <a:t>12/6/2019</a:t>
             </a:fld>
             <a:endParaRPr lang="en-US" dirty="0"/>
           </a:p>
@@ -1090,7 +2914,7 @@
             <a:fld id="{B61BEF0D-F0BB-DE4B-95CE-6DB70DBA9567}" type="datetimeFigureOut">
               <a:rPr lang="en-US" dirty="0"/>
               <a:pPr/>
-              <a:t>12/2/2019</a:t>
+              <a:t>12/6/2019</a:t>
             </a:fld>
             <a:endParaRPr lang="en-US" dirty="0"/>
           </a:p>
@@ -1401,7 +3225,7 @@
             <a:fld id="{B61BEF0D-F0BB-DE4B-95CE-6DB70DBA9567}" type="datetimeFigureOut">
               <a:rPr lang="en-US" dirty="0"/>
               <a:pPr/>
-              <a:t>12/2/2019</a:t>
+              <a:t>12/6/2019</a:t>
             </a:fld>
             <a:endParaRPr lang="en-US" dirty="0"/>
           </a:p>
@@ -1739,7 +3563,7 @@
             <a:fld id="{B61BEF0D-F0BB-DE4B-95CE-6DB70DBA9567}" type="datetimeFigureOut">
               <a:rPr lang="en-US" dirty="0"/>
               <a:pPr/>
-              <a:t>12/2/2019</a:t>
+              <a:t>12/6/2019</a:t>
             </a:fld>
             <a:endParaRPr lang="en-US" dirty="0"/>
           </a:p>
@@ -2050,7 +3874,7 @@
             <a:fld id="{B61BEF0D-F0BB-DE4B-95CE-6DB70DBA9567}" type="datetimeFigureOut">
               <a:rPr lang="en-US" dirty="0"/>
               <a:pPr/>
-              <a:t>12/2/2019</a:t>
+              <a:t>12/6/2019</a:t>
             </a:fld>
             <a:endParaRPr lang="en-US" dirty="0"/>
           </a:p>
@@ -2440,7 +4264,7 @@
             <a:fld id="{B61BEF0D-F0BB-DE4B-95CE-6DB70DBA9567}" type="datetimeFigureOut">
               <a:rPr lang="en-US" dirty="0"/>
               <a:pPr/>
-              <a:t>12/2/2019</a:t>
+              <a:t>12/6/2019</a:t>
             </a:fld>
             <a:endParaRPr lang="en-US" dirty="0"/>
           </a:p>
@@ -2606,7 +4430,7 @@
           <a:p>
             <a:fld id="{55C6B4A9-1611-4792-9094-5F34BCA07E0B}" type="datetimeFigureOut">
               <a:rPr lang="en-US" dirty="0"/>
-              <a:t>12/2/2019</a:t>
+              <a:t>12/6/2019</a:t>
             </a:fld>
             <a:endParaRPr lang="en-US" dirty="0"/>
           </a:p>
@@ -2782,7 +4606,7 @@
             <a:fld id="{B61BEF0D-F0BB-DE4B-95CE-6DB70DBA9567}" type="datetimeFigureOut">
               <a:rPr lang="en-US" dirty="0"/>
               <a:pPr/>
-              <a:t>12/2/2019</a:t>
+              <a:t>12/6/2019</a:t>
             </a:fld>
             <a:endParaRPr lang="en-US" dirty="0"/>
           </a:p>
@@ -2955,7 +4779,7 @@
             <a:fld id="{B61BEF0D-F0BB-DE4B-95CE-6DB70DBA9567}" type="datetimeFigureOut">
               <a:rPr lang="en-US" dirty="0"/>
               <a:pPr/>
-              <a:t>12/2/2019</a:t>
+              <a:t>12/6/2019</a:t>
             </a:fld>
             <a:endParaRPr lang="en-US" dirty="0"/>
           </a:p>
@@ -3199,7 +5023,7 @@
             <a:fld id="{B61BEF0D-F0BB-DE4B-95CE-6DB70DBA9567}" type="datetimeFigureOut">
               <a:rPr lang="en-US" dirty="0"/>
               <a:pPr/>
-              <a:t>12/2/2019</a:t>
+              <a:t>12/6/2019</a:t>
             </a:fld>
             <a:endParaRPr lang="en-US" dirty="0"/>
           </a:p>
@@ -3427,7 +5251,7 @@
           <a:p>
             <a:fld id="{EB712588-04B1-427B-82EE-E8DB90309F08}" type="datetimeFigureOut">
               <a:rPr lang="en-US" dirty="0"/>
-              <a:t>12/2/2019</a:t>
+              <a:t>12/6/2019</a:t>
             </a:fld>
             <a:endParaRPr lang="en-US" dirty="0"/>
           </a:p>
@@ -3797,7 +5621,7 @@
             <a:fld id="{B61BEF0D-F0BB-DE4B-95CE-6DB70DBA9567}" type="datetimeFigureOut">
               <a:rPr lang="en-US" dirty="0"/>
               <a:pPr/>
-              <a:t>12/2/2019</a:t>
+              <a:t>12/6/2019</a:t>
             </a:fld>
             <a:endParaRPr lang="en-US" dirty="0"/>
           </a:p>
@@ -3917,7 +5741,7 @@
             <a:fld id="{B61BEF0D-F0BB-DE4B-95CE-6DB70DBA9567}" type="datetimeFigureOut">
               <a:rPr lang="en-US" dirty="0"/>
               <a:pPr/>
-              <a:t>12/2/2019</a:t>
+              <a:t>12/6/2019</a:t>
             </a:fld>
             <a:endParaRPr lang="en-US" dirty="0"/>
           </a:p>
@@ -4009,7 +5833,7 @@
             <a:fld id="{B61BEF0D-F0BB-DE4B-95CE-6DB70DBA9567}" type="datetimeFigureOut">
               <a:rPr lang="en-US" dirty="0"/>
               <a:pPr/>
-              <a:t>12/2/2019</a:t>
+              <a:t>12/6/2019</a:t>
             </a:fld>
             <a:endParaRPr lang="en-US" dirty="0"/>
           </a:p>
@@ -4260,7 +6084,7 @@
           <a:p>
             <a:fld id="{42A54C80-263E-416B-A8E0-580EDEADCBDC}" type="datetimeFigureOut">
               <a:rPr lang="en-US" dirty="0"/>
-              <a:t>12/2/2019</a:t>
+              <a:t>12/6/2019</a:t>
             </a:fld>
             <a:endParaRPr lang="en-US" dirty="0"/>
           </a:p>
@@ -4519,7 +6343,7 @@
             <a:fld id="{B61BEF0D-F0BB-DE4B-95CE-6DB70DBA9567}" type="datetimeFigureOut">
               <a:rPr lang="en-US" dirty="0"/>
               <a:pPr/>
-              <a:t>12/2/2019</a:t>
+              <a:t>12/6/2019</a:t>
             </a:fld>
             <a:endParaRPr lang="en-US" dirty="0"/>
           </a:p>
@@ -5259,7 +7083,7 @@
             <a:fld id="{B61BEF0D-F0BB-DE4B-95CE-6DB70DBA9567}" type="datetimeFigureOut">
               <a:rPr lang="en-US" dirty="0"/>
               <a:pPr/>
-              <a:t>12/2/2019</a:t>
+              <a:t>12/6/2019</a:t>
             </a:fld>
             <a:endParaRPr lang="en-US" dirty="0"/>
           </a:p>
@@ -5849,6 +7673,131 @@
 </p:sld>
 </file>
 
+<file path=ppt/slides/slide10.xml><?xml version="1.0" encoding="utf-8"?>
+<p:sld xmlns:a="http://schemas.openxmlformats.org/drawingml/2006/main" xmlns:r="http://schemas.openxmlformats.org/officeDocument/2006/relationships" xmlns:p="http://schemas.openxmlformats.org/presentationml/2006/main">
+  <p:cSld>
+    <p:spTree>
+      <p:nvGrpSpPr>
+        <p:cNvPr id="1" name=""/>
+        <p:cNvGrpSpPr/>
+        <p:nvPr/>
+      </p:nvGrpSpPr>
+      <p:grpSpPr>
+        <a:xfrm>
+          <a:off x="0" y="0"/>
+          <a:ext cx="0" cy="0"/>
+          <a:chOff x="0" y="0"/>
+          <a:chExt cx="0" cy="0"/>
+        </a:xfrm>
+      </p:grpSpPr>
+      <p:sp>
+        <p:nvSpPr>
+          <p:cNvPr id="2" name="Title 1">
+            <a:extLst>
+              <a:ext uri="{FF2B5EF4-FFF2-40B4-BE49-F238E27FC236}">
+                <a16:creationId xmlns:a16="http://schemas.microsoft.com/office/drawing/2014/main" id="{9C0B3D20-B37B-4280-A0F9-F1CDBAA15F93}"/>
+              </a:ext>
+            </a:extLst>
+          </p:cNvPr>
+          <p:cNvSpPr>
+            <a:spLocks noGrp="1"/>
+          </p:cNvSpPr>
+          <p:nvPr>
+            <p:ph type="title"/>
+          </p:nvPr>
+        </p:nvSpPr>
+        <p:spPr>
+          <a:xfrm>
+            <a:off x="677334" y="609600"/>
+            <a:ext cx="8596668" cy="742122"/>
+          </a:xfrm>
+        </p:spPr>
+        <p:txBody>
+          <a:bodyPr/>
+          <a:lstStyle/>
+          <a:p>
+            <a:r>
+              <a:rPr lang="en-US" dirty="0"/>
+              <a:t>We made it to the end</a:t>
+            </a:r>
+          </a:p>
+        </p:txBody>
+      </p:sp>
+      <p:sp>
+        <p:nvSpPr>
+          <p:cNvPr id="3" name="Content Placeholder 2">
+            <a:extLst>
+              <a:ext uri="{FF2B5EF4-FFF2-40B4-BE49-F238E27FC236}">
+                <a16:creationId xmlns:a16="http://schemas.microsoft.com/office/drawing/2014/main" id="{FE836A09-9E6C-4CFD-8D89-2C4C4849DBBD}"/>
+              </a:ext>
+            </a:extLst>
+          </p:cNvPr>
+          <p:cNvSpPr>
+            <a:spLocks noGrp="1"/>
+          </p:cNvSpPr>
+          <p:nvPr>
+            <p:ph idx="1"/>
+          </p:nvPr>
+        </p:nvSpPr>
+        <p:spPr>
+          <a:xfrm>
+            <a:off x="677334" y="1488613"/>
+            <a:ext cx="8596668" cy="3880773"/>
+          </a:xfrm>
+        </p:spPr>
+        <p:txBody>
+          <a:bodyPr/>
+          <a:lstStyle/>
+          <a:p>
+            <a:r>
+              <a:rPr lang="en-US" dirty="0"/>
+              <a:t>We get our Saturdays back!</a:t>
+            </a:r>
+          </a:p>
+          <a:p>
+            <a:r>
+              <a:rPr lang="en-US" dirty="0"/>
+              <a:t>I’m happy and I’m proud of you</a:t>
+            </a:r>
+          </a:p>
+          <a:p>
+            <a:r>
+              <a:rPr lang="en-US" dirty="0"/>
+              <a:t>#</a:t>
+            </a:r>
+            <a:r>
+              <a:rPr lang="en-US" dirty="0" err="1"/>
+              <a:t>teamdagger</a:t>
+            </a:r>
+            <a:endParaRPr lang="en-US" dirty="0"/>
+          </a:p>
+          <a:p>
+            <a:endParaRPr lang="en-US" dirty="0"/>
+          </a:p>
+          <a:p>
+            <a:endParaRPr lang="en-US" dirty="0"/>
+          </a:p>
+          <a:p>
+            <a:endParaRPr lang="en-US" dirty="0"/>
+          </a:p>
+          <a:p>
+            <a:endParaRPr lang="en-US" dirty="0"/>
+          </a:p>
+        </p:txBody>
+      </p:sp>
+    </p:spTree>
+    <p:extLst>
+      <p:ext uri="{BB962C8B-B14F-4D97-AF65-F5344CB8AC3E}">
+        <p14:creationId xmlns:p14="http://schemas.microsoft.com/office/powerpoint/2010/main" val="2783730830"/>
+      </p:ext>
+    </p:extLst>
+  </p:cSld>
+  <p:clrMapOvr>
+    <a:masterClrMapping/>
+  </p:clrMapOvr>
+</p:sld>
+</file>
+
 <file path=ppt/slides/slide2.xml><?xml version="1.0" encoding="utf-8"?>
 <p:sld xmlns:a="http://schemas.openxmlformats.org/drawingml/2006/main" xmlns:r="http://schemas.openxmlformats.org/officeDocument/2006/relationships" xmlns:p="http://schemas.openxmlformats.org/presentationml/2006/main">
   <p:cSld>
@@ -6029,7 +7978,12 @@
             <p:ph idx="1"/>
           </p:nvPr>
         </p:nvSpPr>
-        <p:spPr/>
+        <p:spPr>
+          <a:xfrm>
+            <a:off x="677334" y="1488613"/>
+            <a:ext cx="8596668" cy="3880773"/>
+          </a:xfrm>
+        </p:spPr>
         <p:txBody>
           <a:bodyPr/>
           <a:lstStyle/>
@@ -6136,14 +8090,19 @@
             <p:ph idx="1"/>
           </p:nvPr>
         </p:nvSpPr>
-        <p:spPr/>
+        <p:spPr>
+          <a:xfrm>
+            <a:off x="677334" y="1488613"/>
+            <a:ext cx="8596668" cy="3880773"/>
+          </a:xfrm>
+        </p:spPr>
         <p:txBody>
           <a:bodyPr/>
           <a:lstStyle/>
           <a:p>
             <a:r>
               <a:rPr lang="en-US" dirty="0"/>
-              <a:t>Too many records to process all at once on my laptop and the data is sensitive, so I couldn’t just throw it onto a AWS without clearing it through my internal IT security.</a:t>
+              <a:t>Too many records to process all at once on my laptop and the data is sensitive, so I couldn’t just throw it onto AWS/Spark without clearing it through my internal IT security.</a:t>
             </a:r>
           </a:p>
           <a:p>
@@ -6155,11 +8114,8 @@
           <a:p>
             <a:r>
               <a:rPr lang="en-US" dirty="0"/>
-              <a:t>Batches of 10k records and ran them through several machine learning algorithms to determine which features were important</a:t>
+              <a:t>Batches of 10k records and ran them through several machine learning algorithms to determine which features were important. Took 8 runs to get a good convergence.</a:t>
             </a:r>
-          </a:p>
-          <a:p>
-            <a:endParaRPr lang="en-US" dirty="0"/>
           </a:p>
           <a:p>
             <a:endParaRPr lang="en-US" dirty="0"/>
@@ -6212,7 +8168,12 @@
             <p:ph type="title"/>
           </p:nvPr>
         </p:nvSpPr>
-        <p:spPr/>
+        <p:spPr>
+          <a:xfrm>
+            <a:off x="677334" y="609600"/>
+            <a:ext cx="8596668" cy="742122"/>
+          </a:xfrm>
+        </p:spPr>
         <p:txBody>
           <a:bodyPr/>
           <a:lstStyle/>
@@ -6240,7 +8201,12 @@
             <p:ph idx="1"/>
           </p:nvPr>
         </p:nvSpPr>
-        <p:spPr/>
+        <p:spPr>
+          <a:xfrm>
+            <a:off x="677334" y="1488613"/>
+            <a:ext cx="8596668" cy="3880773"/>
+          </a:xfrm>
+        </p:spPr>
         <p:txBody>
           <a:bodyPr/>
           <a:lstStyle/>
@@ -6285,8 +8251,11 @@
           <a:p>
             <a:r>
               <a:rPr lang="en-US" dirty="0"/>
-              <a:t>Failure Month (Some weather conditions that affect failures, so some months will see higher rates based on avg weather. But weather is hard to predict long term so good for short term, bad for long term)</a:t>
+              <a:t>Failure Month/Seasonality (Emergent and it fascinates me)</a:t>
             </a:r>
+          </a:p>
+          <a:p>
+            <a:endParaRPr lang="en-US" dirty="0"/>
           </a:p>
           <a:p>
             <a:endParaRPr lang="en-US" dirty="0"/>
@@ -6339,14 +8308,19 @@
             <p:ph type="title"/>
           </p:nvPr>
         </p:nvSpPr>
-        <p:spPr/>
+        <p:spPr>
+          <a:xfrm>
+            <a:off x="677334" y="609600"/>
+            <a:ext cx="8596668" cy="879013"/>
+          </a:xfrm>
+        </p:spPr>
         <p:txBody>
           <a:bodyPr/>
           <a:lstStyle/>
           <a:p>
             <a:r>
               <a:rPr lang="en-US" dirty="0"/>
-              <a:t>Other Models</a:t>
+              <a:t>Models and Outcomes</a:t>
             </a:r>
           </a:p>
         </p:txBody>
@@ -6367,41 +8341,53 @@
             <p:ph idx="1"/>
           </p:nvPr>
         </p:nvSpPr>
-        <p:spPr/>
+        <p:spPr>
+          <a:xfrm>
+            <a:off x="677334" y="1488613"/>
+            <a:ext cx="8596668" cy="3880773"/>
+          </a:xfrm>
+        </p:spPr>
         <p:txBody>
           <a:bodyPr/>
           <a:lstStyle/>
           <a:p>
             <a:r>
               <a:rPr lang="en-US" dirty="0"/>
-              <a:t>The stats around lifecycles have some fairly standard survival/hazard mathematics used in both medicine and engineering.</a:t>
+              <a:t>Decision tree</a:t>
             </a:r>
           </a:p>
           <a:p>
             <a:r>
               <a:rPr lang="en-US" dirty="0"/>
-              <a:t>There’s a PhD candidate at UCLA (Jared Kurtzman) and as part of his thesis he made a python package called </a:t>
+              <a:t>A Neural network and a couple of deep learning models</a:t>
             </a:r>
-            <a:r>
-              <a:rPr lang="en-US" dirty="0" err="1"/>
-              <a:t>deepsurv</a:t>
-            </a:r>
+          </a:p>
+          <a:p>
             <a:r>
               <a:rPr lang="en-US" dirty="0"/>
-              <a:t> that uses the survival model statistics in a deep learning environment.</a:t>
+              <a:t>Also put together a couple of traditional survival/hazard stats models</a:t>
             </a:r>
           </a:p>
           <a:p>
             <a:r>
               <a:rPr lang="en-US" dirty="0"/>
-              <a:t>The big difference is that once a certain probability of failure is reached the model just labels a point as a failure w/o additional processing.</a:t>
+              <a:t>Results varied, some of which is probably the way the data was put in the model</a:t>
             </a:r>
           </a:p>
           <a:p>
             <a:r>
               <a:rPr lang="en-US" dirty="0"/>
-              <a:t>To really test things we built the final model on data ending in Dec 2018 to compare to actual results in 2019</a:t>
+              <a:t>They all caught the monthly flow though…</a:t>
             </a:r>
+          </a:p>
+          <a:p>
+            <a:pPr marL="0" indent="0">
+              <a:buNone/>
+            </a:pPr>
+            <a:endParaRPr lang="en-US" dirty="0"/>
+          </a:p>
+          <a:p>
+            <a:endParaRPr lang="en-US" dirty="0"/>
           </a:p>
           <a:p>
             <a:endParaRPr lang="en-US" dirty="0"/>
@@ -6414,6 +8400,36 @@
           </a:p>
         </p:txBody>
       </p:sp>
+      <p:graphicFrame>
+        <p:nvGraphicFramePr>
+          <p:cNvPr id="4" name="Chart 3">
+            <a:extLst>
+              <a:ext uri="{FF2B5EF4-FFF2-40B4-BE49-F238E27FC236}">
+                <a16:creationId xmlns:a16="http://schemas.microsoft.com/office/drawing/2014/main" id="{3503B3EA-0FF1-4C30-9B25-0B67B49BECE8}"/>
+              </a:ext>
+            </a:extLst>
+          </p:cNvPr>
+          <p:cNvGraphicFramePr>
+            <a:graphicFrameLocks/>
+          </p:cNvGraphicFramePr>
+          <p:nvPr>
+            <p:extLst>
+              <p:ext uri="{D42A27DB-BD31-4B8C-83A1-F6EECF244321}">
+                <p14:modId xmlns:p14="http://schemas.microsoft.com/office/powerpoint/2010/main" val="2772656507"/>
+              </p:ext>
+            </p:extLst>
+          </p:nvPr>
+        </p:nvGraphicFramePr>
+        <p:xfrm>
+          <a:off x="1877834" y="4071068"/>
+          <a:ext cx="4572000" cy="2446807"/>
+        </p:xfrm>
+        <a:graphic>
+          <a:graphicData uri="http://schemas.openxmlformats.org/drawingml/2006/chart">
+            <c:chart xmlns:c="http://schemas.openxmlformats.org/drawingml/2006/chart" xmlns:r="http://schemas.openxmlformats.org/officeDocument/2006/relationships" r:id="rId2"/>
+          </a:graphicData>
+        </a:graphic>
+      </p:graphicFrame>
     </p:spTree>
     <p:extLst>
       <p:ext uri="{BB962C8B-B14F-4D97-AF65-F5344CB8AC3E}">
@@ -6467,6 +8483,132 @@
           <a:p>
             <a:r>
               <a:rPr lang="en-US" dirty="0"/>
+              <a:t>Other Models</a:t>
+            </a:r>
+          </a:p>
+        </p:txBody>
+      </p:sp>
+      <p:sp>
+        <p:nvSpPr>
+          <p:cNvPr id="3" name="Content Placeholder 2">
+            <a:extLst>
+              <a:ext uri="{FF2B5EF4-FFF2-40B4-BE49-F238E27FC236}">
+                <a16:creationId xmlns:a16="http://schemas.microsoft.com/office/drawing/2014/main" id="{FE836A09-9E6C-4CFD-8D89-2C4C4849DBBD}"/>
+              </a:ext>
+            </a:extLst>
+          </p:cNvPr>
+          <p:cNvSpPr>
+            <a:spLocks noGrp="1"/>
+          </p:cNvSpPr>
+          <p:nvPr>
+            <p:ph idx="1"/>
+          </p:nvPr>
+        </p:nvSpPr>
+        <p:spPr>
+          <a:xfrm>
+            <a:off x="677334" y="1488613"/>
+            <a:ext cx="8596668" cy="3880773"/>
+          </a:xfrm>
+        </p:spPr>
+        <p:txBody>
+          <a:bodyPr/>
+          <a:lstStyle/>
+          <a:p>
+            <a:r>
+              <a:rPr lang="en-US" dirty="0"/>
+              <a:t>The stats around lifecycles have some fairly standard survival/hazard mathematics used in both medicine and engineering.</a:t>
+            </a:r>
+          </a:p>
+          <a:p>
+            <a:r>
+              <a:rPr lang="en-US" dirty="0"/>
+              <a:t>There’s a PhD candidate at UCLA (Jared Kurtzman) and as part of his thesis he made a python package called </a:t>
+            </a:r>
+            <a:r>
+              <a:rPr lang="en-US" dirty="0" err="1"/>
+              <a:t>deepsurv</a:t>
+            </a:r>
+            <a:r>
+              <a:rPr lang="en-US" dirty="0"/>
+              <a:t> that uses the survival model statistics in a deep learning environment.</a:t>
+            </a:r>
+          </a:p>
+          <a:p>
+            <a:r>
+              <a:rPr lang="en-US" dirty="0"/>
+              <a:t>The big difference is that once a certain probability of failure is reached the model just labels a point as a failure w/o additional processing.</a:t>
+            </a:r>
+          </a:p>
+          <a:p>
+            <a:r>
+              <a:rPr lang="en-US" dirty="0"/>
+              <a:t>To really test things we built the final model on data ending in Dec 2018 to compare to actual results in 2019</a:t>
+            </a:r>
+          </a:p>
+          <a:p>
+            <a:endParaRPr lang="en-US" dirty="0"/>
+          </a:p>
+          <a:p>
+            <a:endParaRPr lang="en-US" dirty="0"/>
+          </a:p>
+          <a:p>
+            <a:endParaRPr lang="en-US" dirty="0"/>
+          </a:p>
+        </p:txBody>
+      </p:sp>
+    </p:spTree>
+    <p:extLst>
+      <p:ext uri="{BB962C8B-B14F-4D97-AF65-F5344CB8AC3E}">
+        <p14:creationId xmlns:p14="http://schemas.microsoft.com/office/powerpoint/2010/main" val="3236281381"/>
+      </p:ext>
+    </p:extLst>
+  </p:cSld>
+  <p:clrMapOvr>
+    <a:masterClrMapping/>
+  </p:clrMapOvr>
+</p:sld>
+</file>
+
+<file path=ppt/slides/slide8.xml><?xml version="1.0" encoding="utf-8"?>
+<p:sld xmlns:a="http://schemas.openxmlformats.org/drawingml/2006/main" xmlns:r="http://schemas.openxmlformats.org/officeDocument/2006/relationships" xmlns:p="http://schemas.openxmlformats.org/presentationml/2006/main">
+  <p:cSld>
+    <p:spTree>
+      <p:nvGrpSpPr>
+        <p:cNvPr id="1" name=""/>
+        <p:cNvGrpSpPr/>
+        <p:nvPr/>
+      </p:nvGrpSpPr>
+      <p:grpSpPr>
+        <a:xfrm>
+          <a:off x="0" y="0"/>
+          <a:ext cx="0" cy="0"/>
+          <a:chOff x="0" y="0"/>
+          <a:chExt cx="0" cy="0"/>
+        </a:xfrm>
+      </p:grpSpPr>
+      <p:sp>
+        <p:nvSpPr>
+          <p:cNvPr id="2" name="Title 1">
+            <a:extLst>
+              <a:ext uri="{FF2B5EF4-FFF2-40B4-BE49-F238E27FC236}">
+                <a16:creationId xmlns:a16="http://schemas.microsoft.com/office/drawing/2014/main" id="{9C0B3D20-B37B-4280-A0F9-F1CDBAA15F93}"/>
+              </a:ext>
+            </a:extLst>
+          </p:cNvPr>
+          <p:cNvSpPr>
+            <a:spLocks noGrp="1"/>
+          </p:cNvSpPr>
+          <p:nvPr>
+            <p:ph type="title"/>
+          </p:nvPr>
+        </p:nvSpPr>
+        <p:spPr/>
+        <p:txBody>
+          <a:bodyPr/>
+          <a:lstStyle/>
+          <a:p>
+            <a:r>
+              <a:rPr lang="en-US" dirty="0"/>
               <a:t>Table of Results</a:t>
             </a:r>
           </a:p>
@@ -6505,10 +8647,10 @@
       </p:sp>
       <p:graphicFrame>
         <p:nvGraphicFramePr>
-          <p:cNvPr id="4" name="Table 3">
+          <p:cNvPr id="5" name="Table 4">
             <a:extLst>
               <a:ext uri="{FF2B5EF4-FFF2-40B4-BE49-F238E27FC236}">
-                <a16:creationId xmlns:a16="http://schemas.microsoft.com/office/drawing/2014/main" id="{15476C2B-A5BC-455B-96E3-9C245B1A634B}"/>
+                <a16:creationId xmlns:a16="http://schemas.microsoft.com/office/drawing/2014/main" id="{936FFE80-1738-48D9-90D8-A9EDC2619CF9}"/>
               </a:ext>
             </a:extLst>
           </p:cNvPr>
@@ -6518,14 +8660,14 @@
           <p:nvPr>
             <p:extLst>
               <p:ext uri="{D42A27DB-BD31-4B8C-83A1-F6EECF244321}">
-                <p14:modId xmlns:p14="http://schemas.microsoft.com/office/powerpoint/2010/main" val="2142882131"/>
+                <p14:modId xmlns:p14="http://schemas.microsoft.com/office/powerpoint/2010/main" val="3401991700"/>
               </p:ext>
             </p:extLst>
           </p:nvPr>
         </p:nvGraphicFramePr>
         <p:xfrm>
-          <a:off x="1009815" y="1288112"/>
-          <a:ext cx="6718855" cy="5131836"/>
+          <a:off x="677334" y="1359672"/>
+          <a:ext cx="7210358" cy="5131836"/>
         </p:xfrm>
         <a:graphic>
           <a:graphicData uri="http://schemas.openxmlformats.org/drawingml/2006/table">
@@ -6534,71 +8676,71 @@
                 <a:tableStyleId>{5C22544A-7EE6-4342-B048-85BDC9FD1C3A}</a:tableStyleId>
               </a:tblPr>
               <a:tblGrid>
-                <a:gridCol w="983165">
+                <a:gridCol w="1032295">
                   <a:extLst>
                     <a:ext uri="{9D8B030D-6E8A-4147-A177-3AD203B41FA5}">
-                      <a16:colId xmlns:a16="http://schemas.microsoft.com/office/drawing/2014/main" val="1678665025"/>
+                      <a16:colId xmlns:a16="http://schemas.microsoft.com/office/drawing/2014/main" val="3694308203"/>
                     </a:ext>
                   </a:extLst>
                 </a:gridCol>
-                <a:gridCol w="651257">
+                <a:gridCol w="880892">
                   <a:extLst>
                     <a:ext uri="{9D8B030D-6E8A-4147-A177-3AD203B41FA5}">
-                      <a16:colId xmlns:a16="http://schemas.microsoft.com/office/drawing/2014/main" val="2587034444"/>
+                      <a16:colId xmlns:a16="http://schemas.microsoft.com/office/drawing/2014/main" val="5785292"/>
                     </a:ext>
                   </a:extLst>
                 </a:gridCol>
-                <a:gridCol w="651257">
+                <a:gridCol w="880892">
                   <a:extLst>
                     <a:ext uri="{9D8B030D-6E8A-4147-A177-3AD203B41FA5}">
-                      <a16:colId xmlns:a16="http://schemas.microsoft.com/office/drawing/2014/main" val="1414990608"/>
+                      <a16:colId xmlns:a16="http://schemas.microsoft.com/office/drawing/2014/main" val="842307026"/>
                     </a:ext>
                   </a:extLst>
                 </a:gridCol>
-                <a:gridCol w="651257">
+                <a:gridCol w="880892">
                   <a:extLst>
                     <a:ext uri="{9D8B030D-6E8A-4147-A177-3AD203B41FA5}">
-                      <a16:colId xmlns:a16="http://schemas.microsoft.com/office/drawing/2014/main" val="4242215921"/>
+                      <a16:colId xmlns:a16="http://schemas.microsoft.com/office/drawing/2014/main" val="3667798502"/>
                     </a:ext>
                   </a:extLst>
                 </a:gridCol>
-                <a:gridCol w="651257">
+                <a:gridCol w="880892">
                   <a:extLst>
                     <a:ext uri="{9D8B030D-6E8A-4147-A177-3AD203B41FA5}">
-                      <a16:colId xmlns:a16="http://schemas.microsoft.com/office/drawing/2014/main" val="456887149"/>
+                      <a16:colId xmlns:a16="http://schemas.microsoft.com/office/drawing/2014/main" val="4056624485"/>
                     </a:ext>
                   </a:extLst>
                 </a:gridCol>
-                <a:gridCol w="651257">
+                <a:gridCol w="544592">
                   <a:extLst>
                     <a:ext uri="{9D8B030D-6E8A-4147-A177-3AD203B41FA5}">
-                      <a16:colId xmlns:a16="http://schemas.microsoft.com/office/drawing/2014/main" val="801657597"/>
+                      <a16:colId xmlns:a16="http://schemas.microsoft.com/office/drawing/2014/main" val="3026798764"/>
                     </a:ext>
                   </a:extLst>
                 </a:gridCol>
-                <a:gridCol w="651257">
+                <a:gridCol w="544592">
                   <a:extLst>
                     <a:ext uri="{9D8B030D-6E8A-4147-A177-3AD203B41FA5}">
-                      <a16:colId xmlns:a16="http://schemas.microsoft.com/office/drawing/2014/main" val="551059995"/>
+                      <a16:colId xmlns:a16="http://schemas.microsoft.com/office/drawing/2014/main" val="1789129128"/>
                     </a:ext>
                   </a:extLst>
                 </a:gridCol>
-                <a:gridCol w="818470">
+                <a:gridCol w="684419">
                   <a:extLst>
                     <a:ext uri="{9D8B030D-6E8A-4147-A177-3AD203B41FA5}">
-                      <a16:colId xmlns:a16="http://schemas.microsoft.com/office/drawing/2014/main" val="1719201019"/>
+                      <a16:colId xmlns:a16="http://schemas.microsoft.com/office/drawing/2014/main" val="2908549724"/>
                     </a:ext>
                   </a:extLst>
                 </a:gridCol>
-                <a:gridCol w="1009678">
+                <a:gridCol w="880892">
                   <a:extLst>
                     <a:ext uri="{9D8B030D-6E8A-4147-A177-3AD203B41FA5}">
-                      <a16:colId xmlns:a16="http://schemas.microsoft.com/office/drawing/2014/main" val="1861112968"/>
+                      <a16:colId xmlns:a16="http://schemas.microsoft.com/office/drawing/2014/main" val="1353895347"/>
                     </a:ext>
                   </a:extLst>
                 </a:gridCol>
               </a:tblGrid>
-              <a:tr h="185945">
+              <a:tr h="168414">
                 <a:tc>
                   <a:txBody>
                     <a:bodyPr/>
@@ -6632,6 +8774,29 @@
                         <a:rPr lang="en-US" sz="1200" u="none" strike="noStrike">
                           <a:effectLst/>
                         </a:rPr>
+                        <a:t>DT</a:t>
+                      </a:r>
+                      <a:endParaRPr lang="en-US" sz="1200" b="0" i="0" u="none" strike="noStrike">
+                        <a:solidFill>
+                          <a:srgbClr val="000000"/>
+                        </a:solidFill>
+                        <a:effectLst/>
+                        <a:latin typeface="Calibri" panose="020F0502020204030204" pitchFamily="34" charset="0"/>
+                      </a:endParaRPr>
+                    </a:p>
+                  </a:txBody>
+                  <a:tcPr marL="7188" marR="7188" marT="7188" marB="0" anchor="b"/>
+                </a:tc>
+                <a:tc>
+                  <a:txBody>
+                    <a:bodyPr/>
+                    <a:lstStyle/>
+                    <a:p>
+                      <a:pPr algn="l" fontAlgn="b"/>
+                      <a:r>
+                        <a:rPr lang="en-US" sz="1200" u="none" strike="noStrike">
+                          <a:effectLst/>
+                        </a:rPr>
                         <a:t>NN</a:t>
                       </a:r>
                       <a:endParaRPr lang="en-US" sz="1200" b="0" i="0" u="none" strike="noStrike">
@@ -6675,10 +8840,33 @@
                     <a:p>
                       <a:pPr algn="l" fontAlgn="b"/>
                       <a:r>
+                        <a:rPr lang="en-US" sz="1200" u="none" strike="noStrike">
+                          <a:effectLst/>
+                        </a:rPr>
+                        <a:t>DL2</a:t>
+                      </a:r>
+                      <a:endParaRPr lang="en-US" sz="1200" b="0" i="0" u="none" strike="noStrike">
+                        <a:solidFill>
+                          <a:srgbClr val="000000"/>
+                        </a:solidFill>
+                        <a:effectLst/>
+                        <a:latin typeface="Calibri" panose="020F0502020204030204" pitchFamily="34" charset="0"/>
+                      </a:endParaRPr>
+                    </a:p>
+                  </a:txBody>
+                  <a:tcPr marL="7188" marR="7188" marT="7188" marB="0" anchor="b"/>
+                </a:tc>
+                <a:tc>
+                  <a:txBody>
+                    <a:bodyPr/>
+                    <a:lstStyle/>
+                    <a:p>
+                      <a:pPr algn="l" fontAlgn="b"/>
+                      <a:r>
                         <a:rPr lang="en-US" sz="1200" u="none" strike="noStrike" dirty="0">
                           <a:effectLst/>
                         </a:rPr>
-                        <a:t>DL2</a:t>
+                        <a:t>KM</a:t>
                       </a:r>
                       <a:endParaRPr lang="en-US" sz="1200" b="0" i="0" u="none" strike="noStrike" dirty="0">
                         <a:solidFill>
@@ -6698,12 +8886,12 @@
                     <a:p>
                       <a:pPr algn="l" fontAlgn="b"/>
                       <a:r>
-                        <a:rPr lang="en-US" sz="1200" u="none" strike="noStrike" dirty="0">
-                          <a:effectLst/>
-                        </a:rPr>
-                        <a:t>DL3</a:t>
-                      </a:r>
-                      <a:endParaRPr lang="en-US" sz="1200" b="0" i="0" u="none" strike="noStrike" dirty="0">
+                        <a:rPr lang="en-US" sz="1200" u="none" strike="noStrike">
+                          <a:effectLst/>
+                        </a:rPr>
+                        <a:t>COX</a:t>
+                      </a:r>
+                      <a:endParaRPr lang="en-US" sz="1200" b="0" i="0" u="none" strike="noStrike">
                         <a:solidFill>
                           <a:srgbClr val="000000"/>
                         </a:solidFill>
@@ -6724,7 +8912,7 @@
                         <a:rPr lang="en-US" sz="1200" u="none" strike="noStrike">
                           <a:effectLst/>
                         </a:rPr>
-                        <a:t>KM</a:t>
+                        <a:t>deepsurv</a:t>
                       </a:r>
                       <a:endParaRPr lang="en-US" sz="1200" b="0" i="0" u="none" strike="noStrike">
                         <a:solidFill>
@@ -6747,55 +8935,9 @@
                         <a:rPr lang="en-US" sz="1200" u="none" strike="noStrike">
                           <a:effectLst/>
                         </a:rPr>
-                        <a:t>COX</a:t>
-                      </a:r>
-                      <a:endParaRPr lang="en-US" sz="1200" b="0" i="0" u="none" strike="noStrike">
-                        <a:solidFill>
-                          <a:srgbClr val="000000"/>
-                        </a:solidFill>
-                        <a:effectLst/>
-                        <a:latin typeface="Calibri" panose="020F0502020204030204" pitchFamily="34" charset="0"/>
-                      </a:endParaRPr>
-                    </a:p>
-                  </a:txBody>
-                  <a:tcPr marL="7188" marR="7188" marT="7188" marB="0" anchor="b"/>
-                </a:tc>
-                <a:tc>
-                  <a:txBody>
-                    <a:bodyPr/>
-                    <a:lstStyle/>
-                    <a:p>
-                      <a:pPr algn="l" fontAlgn="b"/>
-                      <a:r>
-                        <a:rPr lang="en-US" sz="1200" u="none" strike="noStrike">
-                          <a:effectLst/>
-                        </a:rPr>
-                        <a:t>deepsurv</a:t>
-                      </a:r>
-                      <a:endParaRPr lang="en-US" sz="1200" b="0" i="0" u="none" strike="noStrike">
-                        <a:solidFill>
-                          <a:srgbClr val="000000"/>
-                        </a:solidFill>
-                        <a:effectLst/>
-                        <a:latin typeface="Calibri" panose="020F0502020204030204" pitchFamily="34" charset="0"/>
-                      </a:endParaRPr>
-                    </a:p>
-                  </a:txBody>
-                  <a:tcPr marL="7188" marR="7188" marT="7188" marB="0" anchor="b"/>
-                </a:tc>
-                <a:tc>
-                  <a:txBody>
-                    <a:bodyPr/>
-                    <a:lstStyle/>
-                    <a:p>
-                      <a:pPr algn="l" fontAlgn="b"/>
-                      <a:r>
-                        <a:rPr lang="en-US" sz="1200" u="none" strike="noStrike" dirty="0">
-                          <a:effectLst/>
-                        </a:rPr>
                         <a:t>Actual</a:t>
                       </a:r>
-                      <a:endParaRPr lang="en-US" sz="1200" b="0" i="0" u="none" strike="noStrike" dirty="0">
+                      <a:endParaRPr lang="en-US" sz="1200" b="0" i="0" u="none" strike="noStrike">
                         <a:solidFill>
                           <a:srgbClr val="000000"/>
                         </a:solidFill>
@@ -6808,11 +8950,11 @@
                 </a:tc>
                 <a:extLst>
                   <a:ext uri="{0D108BD9-81ED-4DB2-BD59-A6C34878D82A}">
-                    <a16:rowId xmlns:a16="http://schemas.microsoft.com/office/drawing/2014/main" val="4086913844"/>
+                    <a16:rowId xmlns:a16="http://schemas.microsoft.com/office/drawing/2014/main" val="591309665"/>
                   </a:ext>
                 </a:extLst>
               </a:tr>
-              <a:tr h="185945">
+              <a:tr h="168414">
                 <a:tc>
                   <a:txBody>
                     <a:bodyPr/>
@@ -6843,79 +8985,79 @@
                     <a:p>
                       <a:pPr algn="r" fontAlgn="b"/>
                       <a:r>
-                        <a:rPr lang="en-US" sz="1200" u="none" strike="noStrike" dirty="0">
-                          <a:effectLst/>
-                        </a:rPr>
-                        <a:t>11268</a:t>
-                      </a:r>
-                      <a:endParaRPr lang="en-US" sz="1200" b="0" i="0" u="none" strike="noStrike" dirty="0">
-                        <a:solidFill>
-                          <a:srgbClr val="000000"/>
-                        </a:solidFill>
-                        <a:effectLst/>
-                        <a:latin typeface="Calibri" panose="020F0502020204030204" pitchFamily="34" charset="0"/>
-                      </a:endParaRPr>
-                    </a:p>
-                  </a:txBody>
-                  <a:tcPr marL="7188" marR="7188" marT="7188" marB="0" anchor="b"/>
-                </a:tc>
-                <a:tc>
-                  <a:txBody>
-                    <a:bodyPr/>
-                    <a:lstStyle/>
-                    <a:p>
-                      <a:pPr algn="r" fontAlgn="b"/>
-                      <a:r>
-                        <a:rPr lang="en-US" sz="1200" u="none" strike="noStrike">
-                          <a:effectLst/>
-                        </a:rPr>
-                        <a:t>9942</a:t>
-                      </a:r>
-                      <a:endParaRPr lang="en-US" sz="1200" b="0" i="0" u="none" strike="noStrike">
-                        <a:solidFill>
-                          <a:srgbClr val="000000"/>
-                        </a:solidFill>
-                        <a:effectLst/>
-                        <a:latin typeface="Calibri" panose="020F0502020204030204" pitchFamily="34" charset="0"/>
-                      </a:endParaRPr>
-                    </a:p>
-                  </a:txBody>
-                  <a:tcPr marL="7188" marR="7188" marT="7188" marB="0" anchor="b"/>
-                </a:tc>
-                <a:tc>
-                  <a:txBody>
-                    <a:bodyPr/>
-                    <a:lstStyle/>
-                    <a:p>
-                      <a:pPr algn="r" fontAlgn="b"/>
-                      <a:r>
-                        <a:rPr lang="en-US" sz="1200" u="none" strike="noStrike">
-                          <a:effectLst/>
-                        </a:rPr>
-                        <a:t>12191</a:t>
-                      </a:r>
-                      <a:endParaRPr lang="en-US" sz="1200" b="0" i="0" u="none" strike="noStrike">
-                        <a:solidFill>
-                          <a:srgbClr val="000000"/>
-                        </a:solidFill>
-                        <a:effectLst/>
-                        <a:latin typeface="Calibri" panose="020F0502020204030204" pitchFamily="34" charset="0"/>
-                      </a:endParaRPr>
-                    </a:p>
-                  </a:txBody>
-                  <a:tcPr marL="7188" marR="7188" marT="7188" marB="0" anchor="b"/>
-                </a:tc>
-                <a:tc>
-                  <a:txBody>
-                    <a:bodyPr/>
-                    <a:lstStyle/>
-                    <a:p>
-                      <a:pPr algn="r" fontAlgn="b"/>
-                      <a:r>
-                        <a:rPr lang="en-US" sz="1200" u="none" strike="noStrike">
-                          <a:effectLst/>
-                        </a:rPr>
-                        <a:t>10962</a:t>
+                        <a:rPr lang="en-US" sz="1200" u="none" strike="noStrike">
+                          <a:effectLst/>
+                        </a:rPr>
+                        <a:t>8451</a:t>
+                      </a:r>
+                      <a:endParaRPr lang="en-US" sz="1200" b="0" i="0" u="none" strike="noStrike">
+                        <a:solidFill>
+                          <a:srgbClr val="000000"/>
+                        </a:solidFill>
+                        <a:effectLst/>
+                        <a:latin typeface="Calibri" panose="020F0502020204030204" pitchFamily="34" charset="0"/>
+                      </a:endParaRPr>
+                    </a:p>
+                  </a:txBody>
+                  <a:tcPr marL="7188" marR="7188" marT="7188" marB="0" anchor="b"/>
+                </a:tc>
+                <a:tc>
+                  <a:txBody>
+                    <a:bodyPr/>
+                    <a:lstStyle/>
+                    <a:p>
+                      <a:pPr algn="r" fontAlgn="b"/>
+                      <a:r>
+                        <a:rPr lang="en-US" sz="1200" u="none" strike="noStrike">
+                          <a:effectLst/>
+                        </a:rPr>
+                        <a:t>5544</a:t>
+                      </a:r>
+                      <a:endParaRPr lang="en-US" sz="1200" b="0" i="0" u="none" strike="noStrike">
+                        <a:solidFill>
+                          <a:srgbClr val="000000"/>
+                        </a:solidFill>
+                        <a:effectLst/>
+                        <a:latin typeface="Calibri" panose="020F0502020204030204" pitchFamily="34" charset="0"/>
+                      </a:endParaRPr>
+                    </a:p>
+                  </a:txBody>
+                  <a:tcPr marL="7188" marR="7188" marT="7188" marB="0" anchor="b"/>
+                </a:tc>
+                <a:tc>
+                  <a:txBody>
+                    <a:bodyPr/>
+                    <a:lstStyle/>
+                    <a:p>
+                      <a:pPr algn="r" fontAlgn="b"/>
+                      <a:r>
+                        <a:rPr lang="en-US" sz="1200" u="none" strike="noStrike">
+                          <a:effectLst/>
+                        </a:rPr>
+                        <a:t>12801</a:t>
+                      </a:r>
+                      <a:endParaRPr lang="en-US" sz="1200" b="0" i="0" u="none" strike="noStrike">
+                        <a:solidFill>
+                          <a:srgbClr val="000000"/>
+                        </a:solidFill>
+                        <a:effectLst/>
+                        <a:latin typeface="Calibri" panose="020F0502020204030204" pitchFamily="34" charset="0"/>
+                      </a:endParaRPr>
+                    </a:p>
+                  </a:txBody>
+                  <a:tcPr marL="7188" marR="7188" marT="7188" marB="0" anchor="b"/>
+                </a:tc>
+                <a:tc>
+                  <a:txBody>
+                    <a:bodyPr/>
+                    <a:lstStyle/>
+                    <a:p>
+                      <a:pPr algn="r" fontAlgn="b"/>
+                      <a:r>
+                        <a:rPr lang="en-US" sz="1200" u="none" strike="noStrike">
+                          <a:effectLst/>
+                        </a:rPr>
+                        <a:t>11510</a:t>
                       </a:r>
                       <a:endParaRPr lang="en-US" sz="1200" b="0" i="0" u="none" strike="noStrike">
                         <a:solidFill>
@@ -7022,11 +9164,34 @@
                 </a:tc>
                 <a:extLst>
                   <a:ext uri="{0D108BD9-81ED-4DB2-BD59-A6C34878D82A}">
-                    <a16:rowId xmlns:a16="http://schemas.microsoft.com/office/drawing/2014/main" val="1292434374"/>
+                    <a16:rowId xmlns:a16="http://schemas.microsoft.com/office/drawing/2014/main" val="4220213829"/>
                   </a:ext>
                 </a:extLst>
               </a:tr>
-              <a:tr h="185945">
+              <a:tr h="168414">
+                <a:tc>
+                  <a:txBody>
+                    <a:bodyPr/>
+                    <a:lstStyle/>
+                    <a:p>
+                      <a:pPr algn="r" fontAlgn="b"/>
+                      <a:r>
+                        <a:rPr lang="en-US" sz="1200" u="none" strike="noStrike">
+                          <a:effectLst/>
+                        </a:rPr>
+                        <a:t>Feb-19</a:t>
+                      </a:r>
+                      <a:endParaRPr lang="en-US" sz="1200" b="0" i="0" u="none" strike="noStrike">
+                        <a:solidFill>
+                          <a:srgbClr val="000000"/>
+                        </a:solidFill>
+                        <a:effectLst/>
+                        <a:latin typeface="Calibri" panose="020F0502020204030204" pitchFamily="34" charset="0"/>
+                      </a:endParaRPr>
+                    </a:p>
+                  </a:txBody>
+                  <a:tcPr marL="7188" marR="7188" marT="7188" marB="0" anchor="b"/>
+                </a:tc>
                 <a:tc>
                   <a:txBody>
                     <a:bodyPr/>
@@ -7037,7 +9202,7 @@
                         <a:rPr lang="en-US" sz="1200" u="none" strike="noStrike" dirty="0">
                           <a:effectLst/>
                         </a:rPr>
-                        <a:t>Feb-19</a:t>
+                        <a:t>13062</a:t>
                       </a:r>
                       <a:endParaRPr lang="en-US" sz="1200" b="0" i="0" u="none" strike="noStrike" dirty="0">
                         <a:solidFill>
@@ -7057,79 +9222,56 @@
                     <a:p>
                       <a:pPr algn="r" fontAlgn="b"/>
                       <a:r>
-                        <a:rPr lang="en-US" sz="1200" u="none" strike="noStrike" dirty="0">
-                          <a:effectLst/>
-                        </a:rPr>
-                        <a:t>17416</a:t>
-                      </a:r>
-                      <a:endParaRPr lang="en-US" sz="1200" b="0" i="0" u="none" strike="noStrike" dirty="0">
-                        <a:solidFill>
-                          <a:srgbClr val="000000"/>
-                        </a:solidFill>
-                        <a:effectLst/>
-                        <a:latin typeface="Calibri" panose="020F0502020204030204" pitchFamily="34" charset="0"/>
-                      </a:endParaRPr>
-                    </a:p>
-                  </a:txBody>
-                  <a:tcPr marL="7188" marR="7188" marT="7188" marB="0" anchor="b"/>
-                </a:tc>
-                <a:tc>
-                  <a:txBody>
-                    <a:bodyPr/>
-                    <a:lstStyle/>
-                    <a:p>
-                      <a:pPr algn="r" fontAlgn="b"/>
-                      <a:r>
-                        <a:rPr lang="en-US" sz="1200" u="none" strike="noStrike">
-                          <a:effectLst/>
-                        </a:rPr>
-                        <a:t>15184</a:t>
-                      </a:r>
-                      <a:endParaRPr lang="en-US" sz="1200" b="0" i="0" u="none" strike="noStrike">
-                        <a:solidFill>
-                          <a:srgbClr val="000000"/>
-                        </a:solidFill>
-                        <a:effectLst/>
-                        <a:latin typeface="Calibri" panose="020F0502020204030204" pitchFamily="34" charset="0"/>
-                      </a:endParaRPr>
-                    </a:p>
-                  </a:txBody>
-                  <a:tcPr marL="7188" marR="7188" marT="7188" marB="0" anchor="b"/>
-                </a:tc>
-                <a:tc>
-                  <a:txBody>
-                    <a:bodyPr/>
-                    <a:lstStyle/>
-                    <a:p>
-                      <a:pPr algn="r" fontAlgn="b"/>
-                      <a:r>
-                        <a:rPr lang="en-US" sz="1200" u="none" strike="noStrike">
-                          <a:effectLst/>
-                        </a:rPr>
-                        <a:t>18976</a:t>
-                      </a:r>
-                      <a:endParaRPr lang="en-US" sz="1200" b="0" i="0" u="none" strike="noStrike">
-                        <a:solidFill>
-                          <a:srgbClr val="000000"/>
-                        </a:solidFill>
-                        <a:effectLst/>
-                        <a:latin typeface="Calibri" panose="020F0502020204030204" pitchFamily="34" charset="0"/>
-                      </a:endParaRPr>
-                    </a:p>
-                  </a:txBody>
-                  <a:tcPr marL="7188" marR="7188" marT="7188" marB="0" anchor="b"/>
-                </a:tc>
-                <a:tc>
-                  <a:txBody>
-                    <a:bodyPr/>
-                    <a:lstStyle/>
-                    <a:p>
-                      <a:pPr algn="r" fontAlgn="b"/>
-                      <a:r>
-                        <a:rPr lang="en-US" sz="1200" u="none" strike="noStrike">
-                          <a:effectLst/>
-                        </a:rPr>
-                        <a:t>16176</a:t>
+                        <a:rPr lang="en-US" sz="1200" u="none" strike="noStrike">
+                          <a:effectLst/>
+                        </a:rPr>
+                        <a:t>8570</a:t>
+                      </a:r>
+                      <a:endParaRPr lang="en-US" sz="1200" b="0" i="0" u="none" strike="noStrike">
+                        <a:solidFill>
+                          <a:srgbClr val="000000"/>
+                        </a:solidFill>
+                        <a:effectLst/>
+                        <a:latin typeface="Calibri" panose="020F0502020204030204" pitchFamily="34" charset="0"/>
+                      </a:endParaRPr>
+                    </a:p>
+                  </a:txBody>
+                  <a:tcPr marL="7188" marR="7188" marT="7188" marB="0" anchor="b"/>
+                </a:tc>
+                <a:tc>
+                  <a:txBody>
+                    <a:bodyPr/>
+                    <a:lstStyle/>
+                    <a:p>
+                      <a:pPr algn="r" fontAlgn="b"/>
+                      <a:r>
+                        <a:rPr lang="en-US" sz="1200" u="none" strike="noStrike">
+                          <a:effectLst/>
+                        </a:rPr>
+                        <a:t>19925</a:t>
+                      </a:r>
+                      <a:endParaRPr lang="en-US" sz="1200" b="0" i="0" u="none" strike="noStrike">
+                        <a:solidFill>
+                          <a:srgbClr val="000000"/>
+                        </a:solidFill>
+                        <a:effectLst/>
+                        <a:latin typeface="Calibri" panose="020F0502020204030204" pitchFamily="34" charset="0"/>
+                      </a:endParaRPr>
+                    </a:p>
+                  </a:txBody>
+                  <a:tcPr marL="7188" marR="7188" marT="7188" marB="0" anchor="b"/>
+                </a:tc>
+                <a:tc>
+                  <a:txBody>
+                    <a:bodyPr/>
+                    <a:lstStyle/>
+                    <a:p>
+                      <a:pPr algn="r" fontAlgn="b"/>
+                      <a:r>
+                        <a:rPr lang="en-US" sz="1200" u="none" strike="noStrike">
+                          <a:effectLst/>
+                        </a:rPr>
+                        <a:t>16985</a:t>
                       </a:r>
                       <a:endParaRPr lang="en-US" sz="1200" b="0" i="0" u="none" strike="noStrike">
                         <a:solidFill>
@@ -7236,11 +9378,11 @@
                 </a:tc>
                 <a:extLst>
                   <a:ext uri="{0D108BD9-81ED-4DB2-BD59-A6C34878D82A}">
-                    <a16:rowId xmlns:a16="http://schemas.microsoft.com/office/drawing/2014/main" val="523838634"/>
+                    <a16:rowId xmlns:a16="http://schemas.microsoft.com/office/drawing/2014/main" val="447564117"/>
                   </a:ext>
                 </a:extLst>
               </a:tr>
-              <a:tr h="185945">
+              <a:tr h="168414">
                 <a:tc>
                   <a:txBody>
                     <a:bodyPr/>
@@ -7274,7 +9416,7 @@
                         <a:rPr lang="en-US" sz="1200" u="none" strike="noStrike" dirty="0">
                           <a:effectLst/>
                         </a:rPr>
-                        <a:t>16012</a:t>
+                        <a:t>12009</a:t>
                       </a:r>
                       <a:endParaRPr lang="en-US" sz="1200" b="0" i="0" u="none" strike="noStrike" dirty="0">
                         <a:solidFill>
@@ -7297,53 +9439,53 @@
                         <a:rPr lang="en-US" sz="1200" u="none" strike="noStrike">
                           <a:effectLst/>
                         </a:rPr>
-                        <a:t>14940</a:t>
-                      </a:r>
-                      <a:endParaRPr lang="en-US" sz="1200" b="0" i="0" u="none" strike="noStrike">
-                        <a:solidFill>
-                          <a:srgbClr val="000000"/>
-                        </a:solidFill>
-                        <a:effectLst/>
-                        <a:latin typeface="Calibri" panose="020F0502020204030204" pitchFamily="34" charset="0"/>
-                      </a:endParaRPr>
-                    </a:p>
-                  </a:txBody>
-                  <a:tcPr marL="7188" marR="7188" marT="7188" marB="0" anchor="b"/>
-                </a:tc>
-                <a:tc>
-                  <a:txBody>
-                    <a:bodyPr/>
-                    <a:lstStyle/>
-                    <a:p>
-                      <a:pPr algn="r" fontAlgn="b"/>
-                      <a:r>
-                        <a:rPr lang="en-US" sz="1200" u="none" strike="noStrike">
-                          <a:effectLst/>
-                        </a:rPr>
-                        <a:t>15365</a:t>
-                      </a:r>
-                      <a:endParaRPr lang="en-US" sz="1200" b="0" i="0" u="none" strike="noStrike">
-                        <a:solidFill>
-                          <a:srgbClr val="000000"/>
-                        </a:solidFill>
-                        <a:effectLst/>
-                        <a:latin typeface="Calibri" panose="020F0502020204030204" pitchFamily="34" charset="0"/>
-                      </a:endParaRPr>
-                    </a:p>
-                  </a:txBody>
-                  <a:tcPr marL="7188" marR="7188" marT="7188" marB="0" anchor="b"/>
-                </a:tc>
-                <a:tc>
-                  <a:txBody>
-                    <a:bodyPr/>
-                    <a:lstStyle/>
-                    <a:p>
-                      <a:pPr algn="r" fontAlgn="b"/>
-                      <a:r>
-                        <a:rPr lang="en-US" sz="1200" u="none" strike="noStrike">
-                          <a:effectLst/>
-                        </a:rPr>
-                        <a:t>14455</a:t>
+                        <a:t>7879</a:t>
+                      </a:r>
+                      <a:endParaRPr lang="en-US" sz="1200" b="0" i="0" u="none" strike="noStrike">
+                        <a:solidFill>
+                          <a:srgbClr val="000000"/>
+                        </a:solidFill>
+                        <a:effectLst/>
+                        <a:latin typeface="Calibri" panose="020F0502020204030204" pitchFamily="34" charset="0"/>
+                      </a:endParaRPr>
+                    </a:p>
+                  </a:txBody>
+                  <a:tcPr marL="7188" marR="7188" marT="7188" marB="0" anchor="b"/>
+                </a:tc>
+                <a:tc>
+                  <a:txBody>
+                    <a:bodyPr/>
+                    <a:lstStyle/>
+                    <a:p>
+                      <a:pPr algn="r" fontAlgn="b"/>
+                      <a:r>
+                        <a:rPr lang="en-US" sz="1200" u="none" strike="noStrike">
+                          <a:effectLst/>
+                        </a:rPr>
+                        <a:t>16133</a:t>
+                      </a:r>
+                      <a:endParaRPr lang="en-US" sz="1200" b="0" i="0" u="none" strike="noStrike">
+                        <a:solidFill>
+                          <a:srgbClr val="000000"/>
+                        </a:solidFill>
+                        <a:effectLst/>
+                        <a:latin typeface="Calibri" panose="020F0502020204030204" pitchFamily="34" charset="0"/>
+                      </a:endParaRPr>
+                    </a:p>
+                  </a:txBody>
+                  <a:tcPr marL="7188" marR="7188" marT="7188" marB="0" anchor="b"/>
+                </a:tc>
+                <a:tc>
+                  <a:txBody>
+                    <a:bodyPr/>
+                    <a:lstStyle/>
+                    <a:p>
+                      <a:pPr algn="r" fontAlgn="b"/>
+                      <a:r>
+                        <a:rPr lang="en-US" sz="1200" u="none" strike="noStrike">
+                          <a:effectLst/>
+                        </a:rPr>
+                        <a:t>15178</a:t>
                       </a:r>
                       <a:endParaRPr lang="en-US" sz="1200" b="0" i="0" u="none" strike="noStrike">
                         <a:solidFill>
@@ -7450,11 +9592,11 @@
                 </a:tc>
                 <a:extLst>
                   <a:ext uri="{0D108BD9-81ED-4DB2-BD59-A6C34878D82A}">
-                    <a16:rowId xmlns:a16="http://schemas.microsoft.com/office/drawing/2014/main" val="3786262780"/>
+                    <a16:rowId xmlns:a16="http://schemas.microsoft.com/office/drawing/2014/main" val="441352933"/>
                   </a:ext>
                 </a:extLst>
               </a:tr>
-              <a:tr h="185945">
+              <a:tr h="168414">
                 <a:tc>
                   <a:txBody>
                     <a:bodyPr/>
@@ -7485,79 +9627,79 @@
                     <a:p>
                       <a:pPr algn="r" fontAlgn="b"/>
                       <a:r>
-                        <a:rPr lang="en-US" sz="1200" u="none" strike="noStrike" dirty="0">
-                          <a:effectLst/>
-                        </a:rPr>
-                        <a:t>10128</a:t>
-                      </a:r>
-                      <a:endParaRPr lang="en-US" sz="1200" b="0" i="0" u="none" strike="noStrike" dirty="0">
-                        <a:solidFill>
-                          <a:srgbClr val="000000"/>
-                        </a:solidFill>
-                        <a:effectLst/>
-                        <a:latin typeface="Calibri" panose="020F0502020204030204" pitchFamily="34" charset="0"/>
-                      </a:endParaRPr>
-                    </a:p>
-                  </a:txBody>
-                  <a:tcPr marL="7188" marR="7188" marT="7188" marB="0" anchor="b"/>
-                </a:tc>
-                <a:tc>
-                  <a:txBody>
-                    <a:bodyPr/>
-                    <a:lstStyle/>
-                    <a:p>
-                      <a:pPr algn="r" fontAlgn="b"/>
-                      <a:r>
-                        <a:rPr lang="en-US" sz="1200" u="none" strike="noStrike">
-                          <a:effectLst/>
-                        </a:rPr>
-                        <a:t>9595</a:t>
-                      </a:r>
-                      <a:endParaRPr lang="en-US" sz="1200" b="0" i="0" u="none" strike="noStrike">
-                        <a:solidFill>
-                          <a:srgbClr val="000000"/>
-                        </a:solidFill>
-                        <a:effectLst/>
-                        <a:latin typeface="Calibri" panose="020F0502020204030204" pitchFamily="34" charset="0"/>
-                      </a:endParaRPr>
-                    </a:p>
-                  </a:txBody>
-                  <a:tcPr marL="7188" marR="7188" marT="7188" marB="0" anchor="b"/>
-                </a:tc>
-                <a:tc>
-                  <a:txBody>
-                    <a:bodyPr/>
-                    <a:lstStyle/>
-                    <a:p>
-                      <a:pPr algn="r" fontAlgn="b"/>
-                      <a:r>
-                        <a:rPr lang="en-US" sz="1200" u="none" strike="noStrike">
-                          <a:effectLst/>
-                        </a:rPr>
-                        <a:t>9827</a:t>
-                      </a:r>
-                      <a:endParaRPr lang="en-US" sz="1200" b="0" i="0" u="none" strike="noStrike">
-                        <a:solidFill>
-                          <a:srgbClr val="000000"/>
-                        </a:solidFill>
-                        <a:effectLst/>
-                        <a:latin typeface="Calibri" panose="020F0502020204030204" pitchFamily="34" charset="0"/>
-                      </a:endParaRPr>
-                    </a:p>
-                  </a:txBody>
-                  <a:tcPr marL="7188" marR="7188" marT="7188" marB="0" anchor="b"/>
-                </a:tc>
-                <a:tc>
-                  <a:txBody>
-                    <a:bodyPr/>
-                    <a:lstStyle/>
-                    <a:p>
-                      <a:pPr algn="r" fontAlgn="b"/>
-                      <a:r>
-                        <a:rPr lang="en-US" sz="1200" u="none" strike="noStrike">
-                          <a:effectLst/>
-                        </a:rPr>
-                        <a:t>9638</a:t>
+                        <a:rPr lang="en-US" sz="1200" u="none" strike="noStrike">
+                          <a:effectLst/>
+                        </a:rPr>
+                        <a:t>7596</a:t>
+                      </a:r>
+                      <a:endParaRPr lang="en-US" sz="1200" b="0" i="0" u="none" strike="noStrike">
+                        <a:solidFill>
+                          <a:srgbClr val="000000"/>
+                        </a:solidFill>
+                        <a:effectLst/>
+                        <a:latin typeface="Calibri" panose="020F0502020204030204" pitchFamily="34" charset="0"/>
+                      </a:endParaRPr>
+                    </a:p>
+                  </a:txBody>
+                  <a:tcPr marL="7188" marR="7188" marT="7188" marB="0" anchor="b"/>
+                </a:tc>
+                <a:tc>
+                  <a:txBody>
+                    <a:bodyPr/>
+                    <a:lstStyle/>
+                    <a:p>
+                      <a:pPr algn="r" fontAlgn="b"/>
+                      <a:r>
+                        <a:rPr lang="en-US" sz="1200" u="none" strike="noStrike">
+                          <a:effectLst/>
+                        </a:rPr>
+                        <a:t>4984</a:t>
+                      </a:r>
+                      <a:endParaRPr lang="en-US" sz="1200" b="0" i="0" u="none" strike="noStrike">
+                        <a:solidFill>
+                          <a:srgbClr val="000000"/>
+                        </a:solidFill>
+                        <a:effectLst/>
+                        <a:latin typeface="Calibri" panose="020F0502020204030204" pitchFamily="34" charset="0"/>
+                      </a:endParaRPr>
+                    </a:p>
+                  </a:txBody>
+                  <a:tcPr marL="7188" marR="7188" marT="7188" marB="0" anchor="b"/>
+                </a:tc>
+                <a:tc>
+                  <a:txBody>
+                    <a:bodyPr/>
+                    <a:lstStyle/>
+                    <a:p>
+                      <a:pPr algn="r" fontAlgn="b"/>
+                      <a:r>
+                        <a:rPr lang="en-US" sz="1200" u="none" strike="noStrike">
+                          <a:effectLst/>
+                        </a:rPr>
+                        <a:t>10318</a:t>
+                      </a:r>
+                      <a:endParaRPr lang="en-US" sz="1200" b="0" i="0" u="none" strike="noStrike">
+                        <a:solidFill>
+                          <a:srgbClr val="000000"/>
+                        </a:solidFill>
+                        <a:effectLst/>
+                        <a:latin typeface="Calibri" panose="020F0502020204030204" pitchFamily="34" charset="0"/>
+                      </a:endParaRPr>
+                    </a:p>
+                  </a:txBody>
+                  <a:tcPr marL="7188" marR="7188" marT="7188" marB="0" anchor="b"/>
+                </a:tc>
+                <a:tc>
+                  <a:txBody>
+                    <a:bodyPr/>
+                    <a:lstStyle/>
+                    <a:p>
+                      <a:pPr algn="r" fontAlgn="b"/>
+                      <a:r>
+                        <a:rPr lang="en-US" sz="1200" u="none" strike="noStrike">
+                          <a:effectLst/>
+                        </a:rPr>
+                        <a:t>10120</a:t>
                       </a:r>
                       <a:endParaRPr lang="en-US" sz="1200" b="0" i="0" u="none" strike="noStrike">
                         <a:solidFill>
@@ -7664,11 +9806,11 @@
                 </a:tc>
                 <a:extLst>
                   <a:ext uri="{0D108BD9-81ED-4DB2-BD59-A6C34878D82A}">
-                    <a16:rowId xmlns:a16="http://schemas.microsoft.com/office/drawing/2014/main" val="925245439"/>
+                    <a16:rowId xmlns:a16="http://schemas.microsoft.com/office/drawing/2014/main" val="2773539586"/>
                   </a:ext>
                 </a:extLst>
               </a:tr>
-              <a:tr h="185945">
+              <a:tr h="168414">
                 <a:tc>
                   <a:txBody>
                     <a:bodyPr/>
@@ -7699,104 +9841,104 @@
                     <a:p>
                       <a:pPr algn="r" fontAlgn="b"/>
                       <a:r>
-                        <a:rPr lang="en-US" sz="1200" u="none" strike="noStrike" dirty="0">
-                          <a:effectLst/>
-                        </a:rPr>
-                        <a:t>13591</a:t>
-                      </a:r>
-                      <a:endParaRPr lang="en-US" sz="1200" b="0" i="0" u="none" strike="noStrike" dirty="0">
-                        <a:solidFill>
-                          <a:srgbClr val="000000"/>
-                        </a:solidFill>
-                        <a:effectLst/>
-                        <a:latin typeface="Calibri" panose="020F0502020204030204" pitchFamily="34" charset="0"/>
-                      </a:endParaRPr>
-                    </a:p>
-                  </a:txBody>
-                  <a:tcPr marL="7188" marR="7188" marT="7188" marB="0" anchor="b"/>
-                </a:tc>
-                <a:tc>
-                  <a:txBody>
-                    <a:bodyPr/>
-                    <a:lstStyle/>
-                    <a:p>
-                      <a:pPr algn="r" fontAlgn="b"/>
-                      <a:r>
-                        <a:rPr lang="en-US" sz="1200" u="none" strike="noStrike" dirty="0">
-                          <a:effectLst/>
-                        </a:rPr>
-                        <a:t>12023</a:t>
-                      </a:r>
-                      <a:endParaRPr lang="en-US" sz="1200" b="0" i="0" u="none" strike="noStrike" dirty="0">
-                        <a:solidFill>
-                          <a:srgbClr val="000000"/>
-                        </a:solidFill>
-                        <a:effectLst/>
-                        <a:latin typeface="Calibri" panose="020F0502020204030204" pitchFamily="34" charset="0"/>
-                      </a:endParaRPr>
-                    </a:p>
-                  </a:txBody>
-                  <a:tcPr marL="7188" marR="7188" marT="7188" marB="0" anchor="b"/>
-                </a:tc>
-                <a:tc>
-                  <a:txBody>
-                    <a:bodyPr/>
-                    <a:lstStyle/>
-                    <a:p>
-                      <a:pPr algn="r" fontAlgn="b"/>
-                      <a:r>
-                        <a:rPr lang="en-US" sz="1200" u="none" strike="noStrike">
-                          <a:effectLst/>
-                        </a:rPr>
-                        <a:t>14056</a:t>
-                      </a:r>
-                      <a:endParaRPr lang="en-US" sz="1200" b="0" i="0" u="none" strike="noStrike">
-                        <a:solidFill>
-                          <a:srgbClr val="000000"/>
-                        </a:solidFill>
-                        <a:effectLst/>
-                        <a:latin typeface="Calibri" panose="020F0502020204030204" pitchFamily="34" charset="0"/>
-                      </a:endParaRPr>
-                    </a:p>
-                  </a:txBody>
-                  <a:tcPr marL="7188" marR="7188" marT="7188" marB="0" anchor="b"/>
-                </a:tc>
-                <a:tc>
-                  <a:txBody>
-                    <a:bodyPr/>
-                    <a:lstStyle/>
-                    <a:p>
-                      <a:pPr algn="r" fontAlgn="b"/>
-                      <a:r>
-                        <a:rPr lang="en-US" sz="1200" u="none" strike="noStrike">
-                          <a:effectLst/>
-                        </a:rPr>
-                        <a:t>13185</a:t>
-                      </a:r>
-                      <a:endParaRPr lang="en-US" sz="1200" b="0" i="0" u="none" strike="noStrike">
-                        <a:solidFill>
-                          <a:srgbClr val="000000"/>
-                        </a:solidFill>
-                        <a:effectLst/>
-                        <a:latin typeface="Calibri" panose="020F0502020204030204" pitchFamily="34" charset="0"/>
-                      </a:endParaRPr>
-                    </a:p>
-                  </a:txBody>
-                  <a:tcPr marL="7188" marR="7188" marT="7188" marB="0" anchor="b"/>
-                </a:tc>
-                <a:tc>
-                  <a:txBody>
-                    <a:bodyPr/>
-                    <a:lstStyle/>
-                    <a:p>
-                      <a:pPr algn="r" fontAlgn="b"/>
-                      <a:r>
-                        <a:rPr lang="en-US" sz="1200" u="none" strike="noStrike" dirty="0">
+                        <a:rPr lang="en-US" sz="1200" u="none" strike="noStrike">
+                          <a:effectLst/>
+                        </a:rPr>
+                        <a:t>10193</a:t>
+                      </a:r>
+                      <a:endParaRPr lang="en-US" sz="1200" b="0" i="0" u="none" strike="noStrike">
+                        <a:solidFill>
+                          <a:srgbClr val="000000"/>
+                        </a:solidFill>
+                        <a:effectLst/>
+                        <a:latin typeface="Calibri" panose="020F0502020204030204" pitchFamily="34" charset="0"/>
+                      </a:endParaRPr>
+                    </a:p>
+                  </a:txBody>
+                  <a:tcPr marL="7188" marR="7188" marT="7188" marB="0" anchor="b"/>
+                </a:tc>
+                <a:tc>
+                  <a:txBody>
+                    <a:bodyPr/>
+                    <a:lstStyle/>
+                    <a:p>
+                      <a:pPr algn="r" fontAlgn="b"/>
+                      <a:r>
+                        <a:rPr lang="en-US" sz="1200" u="none" strike="noStrike">
+                          <a:effectLst/>
+                        </a:rPr>
+                        <a:t>6687</a:t>
+                      </a:r>
+                      <a:endParaRPr lang="en-US" sz="1200" b="0" i="0" u="none" strike="noStrike">
+                        <a:solidFill>
+                          <a:srgbClr val="000000"/>
+                        </a:solidFill>
+                        <a:effectLst/>
+                        <a:latin typeface="Calibri" panose="020F0502020204030204" pitchFamily="34" charset="0"/>
+                      </a:endParaRPr>
+                    </a:p>
+                  </a:txBody>
+                  <a:tcPr marL="7188" marR="7188" marT="7188" marB="0" anchor="b"/>
+                </a:tc>
+                <a:tc>
+                  <a:txBody>
+                    <a:bodyPr/>
+                    <a:lstStyle/>
+                    <a:p>
+                      <a:pPr algn="r" fontAlgn="b"/>
+                      <a:r>
+                        <a:rPr lang="en-US" sz="1200" u="none" strike="noStrike">
+                          <a:effectLst/>
+                        </a:rPr>
+                        <a:t>14759</a:t>
+                      </a:r>
+                      <a:endParaRPr lang="en-US" sz="1200" b="0" i="0" u="none" strike="noStrike">
+                        <a:solidFill>
+                          <a:srgbClr val="000000"/>
+                        </a:solidFill>
+                        <a:effectLst/>
+                        <a:latin typeface="Calibri" panose="020F0502020204030204" pitchFamily="34" charset="0"/>
+                      </a:endParaRPr>
+                    </a:p>
+                  </a:txBody>
+                  <a:tcPr marL="7188" marR="7188" marT="7188" marB="0" anchor="b"/>
+                </a:tc>
+                <a:tc>
+                  <a:txBody>
+                    <a:bodyPr/>
+                    <a:lstStyle/>
+                    <a:p>
+                      <a:pPr algn="r" fontAlgn="b"/>
+                      <a:r>
+                        <a:rPr lang="en-US" sz="1200" u="none" strike="noStrike">
+                          <a:effectLst/>
+                        </a:rPr>
+                        <a:t>13844</a:t>
+                      </a:r>
+                      <a:endParaRPr lang="en-US" sz="1200" b="0" i="0" u="none" strike="noStrike">
+                        <a:solidFill>
+                          <a:srgbClr val="000000"/>
+                        </a:solidFill>
+                        <a:effectLst/>
+                        <a:latin typeface="Calibri" panose="020F0502020204030204" pitchFamily="34" charset="0"/>
+                      </a:endParaRPr>
+                    </a:p>
+                  </a:txBody>
+                  <a:tcPr marL="7188" marR="7188" marT="7188" marB="0" anchor="b"/>
+                </a:tc>
+                <a:tc>
+                  <a:txBody>
+                    <a:bodyPr/>
+                    <a:lstStyle/>
+                    <a:p>
+                      <a:pPr algn="r" fontAlgn="b"/>
+                      <a:r>
+                        <a:rPr lang="en-US" sz="1200" u="none" strike="noStrike">
                           <a:effectLst/>
                         </a:rPr>
                         <a:t>13091</a:t>
                       </a:r>
-                      <a:endParaRPr lang="en-US" sz="1200" b="0" i="0" u="none" strike="noStrike" dirty="0">
+                      <a:endParaRPr lang="en-US" sz="1200" b="0" i="0" u="none" strike="noStrike">
                         <a:solidFill>
                           <a:srgbClr val="000000"/>
                         </a:solidFill>
@@ -7878,11 +10020,11 @@
                 </a:tc>
                 <a:extLst>
                   <a:ext uri="{0D108BD9-81ED-4DB2-BD59-A6C34878D82A}">
-                    <a16:rowId xmlns:a16="http://schemas.microsoft.com/office/drawing/2014/main" val="3888011759"/>
+                    <a16:rowId xmlns:a16="http://schemas.microsoft.com/office/drawing/2014/main" val="604588473"/>
                   </a:ext>
                 </a:extLst>
               </a:tr>
-              <a:tr h="185945">
+              <a:tr h="168414">
                 <a:tc>
                   <a:txBody>
                     <a:bodyPr/>
@@ -7913,10 +10055,33 @@
                     <a:p>
                       <a:pPr algn="r" fontAlgn="b"/>
                       <a:r>
+                        <a:rPr lang="en-US" sz="1200" u="none" strike="noStrike">
+                          <a:effectLst/>
+                        </a:rPr>
+                        <a:t>12725</a:t>
+                      </a:r>
+                      <a:endParaRPr lang="en-US" sz="1200" b="0" i="0" u="none" strike="noStrike">
+                        <a:solidFill>
+                          <a:srgbClr val="000000"/>
+                        </a:solidFill>
+                        <a:effectLst/>
+                        <a:latin typeface="Calibri" panose="020F0502020204030204" pitchFamily="34" charset="0"/>
+                      </a:endParaRPr>
+                    </a:p>
+                  </a:txBody>
+                  <a:tcPr marL="7188" marR="7188" marT="7188" marB="0" anchor="b"/>
+                </a:tc>
+                <a:tc>
+                  <a:txBody>
+                    <a:bodyPr/>
+                    <a:lstStyle/>
+                    <a:p>
+                      <a:pPr algn="r" fontAlgn="b"/>
+                      <a:r>
                         <a:rPr lang="en-US" sz="1200" u="none" strike="noStrike" dirty="0">
                           <a:effectLst/>
                         </a:rPr>
-                        <a:t>16966</a:t>
+                        <a:t>8349</a:t>
                       </a:r>
                       <a:endParaRPr lang="en-US" sz="1200" b="0" i="0" u="none" strike="noStrike" dirty="0">
                         <a:solidFill>
@@ -7936,56 +10101,33 @@
                     <a:p>
                       <a:pPr algn="r" fontAlgn="b"/>
                       <a:r>
-                        <a:rPr lang="en-US" sz="1200" u="none" strike="noStrike">
-                          <a:effectLst/>
-                        </a:rPr>
-                        <a:t>13591</a:t>
-                      </a:r>
-                      <a:endParaRPr lang="en-US" sz="1200" b="0" i="0" u="none" strike="noStrike">
-                        <a:solidFill>
-                          <a:srgbClr val="000000"/>
-                        </a:solidFill>
-                        <a:effectLst/>
-                        <a:latin typeface="Calibri" panose="020F0502020204030204" pitchFamily="34" charset="0"/>
-                      </a:endParaRPr>
-                    </a:p>
-                  </a:txBody>
-                  <a:tcPr marL="7188" marR="7188" marT="7188" marB="0" anchor="b"/>
-                </a:tc>
-                <a:tc>
-                  <a:txBody>
-                    <a:bodyPr/>
-                    <a:lstStyle/>
-                    <a:p>
-                      <a:pPr algn="r" fontAlgn="b"/>
-                      <a:r>
-                        <a:rPr lang="en-US" sz="1200" u="none" strike="noStrike">
-                          <a:effectLst/>
-                        </a:rPr>
-                        <a:t>15726</a:t>
-                      </a:r>
-                      <a:endParaRPr lang="en-US" sz="1200" b="0" i="0" u="none" strike="noStrike">
-                        <a:solidFill>
-                          <a:srgbClr val="000000"/>
-                        </a:solidFill>
-                        <a:effectLst/>
-                        <a:latin typeface="Calibri" panose="020F0502020204030204" pitchFamily="34" charset="0"/>
-                      </a:endParaRPr>
-                    </a:p>
-                  </a:txBody>
-                  <a:tcPr marL="7188" marR="7188" marT="7188" marB="0" anchor="b"/>
-                </a:tc>
-                <a:tc>
-                  <a:txBody>
-                    <a:bodyPr/>
-                    <a:lstStyle/>
-                    <a:p>
-                      <a:pPr algn="r" fontAlgn="b"/>
-                      <a:r>
-                        <a:rPr lang="en-US" sz="1200" u="none" strike="noStrike">
-                          <a:effectLst/>
-                        </a:rPr>
-                        <a:t>15040</a:t>
+                        <a:rPr lang="en-US" sz="1200" u="none" strike="noStrike" dirty="0">
+                          <a:effectLst/>
+                        </a:rPr>
+                        <a:t>16512</a:t>
+                      </a:r>
+                      <a:endParaRPr lang="en-US" sz="1200" b="0" i="0" u="none" strike="noStrike" dirty="0">
+                        <a:solidFill>
+                          <a:srgbClr val="000000"/>
+                        </a:solidFill>
+                        <a:effectLst/>
+                        <a:latin typeface="Calibri" panose="020F0502020204030204" pitchFamily="34" charset="0"/>
+                      </a:endParaRPr>
+                    </a:p>
+                  </a:txBody>
+                  <a:tcPr marL="7188" marR="7188" marT="7188" marB="0" anchor="b"/>
+                </a:tc>
+                <a:tc>
+                  <a:txBody>
+                    <a:bodyPr/>
+                    <a:lstStyle/>
+                    <a:p>
+                      <a:pPr algn="r" fontAlgn="b"/>
+                      <a:r>
+                        <a:rPr lang="en-US" sz="1200" u="none" strike="noStrike">
+                          <a:effectLst/>
+                        </a:rPr>
+                        <a:t>15792</a:t>
                       </a:r>
                       <a:endParaRPr lang="en-US" sz="1200" b="0" i="0" u="none" strike="noStrike">
                         <a:solidFill>
@@ -8092,11 +10234,11 @@
                 </a:tc>
                 <a:extLst>
                   <a:ext uri="{0D108BD9-81ED-4DB2-BD59-A6C34878D82A}">
-                    <a16:rowId xmlns:a16="http://schemas.microsoft.com/office/drawing/2014/main" val="787068369"/>
+                    <a16:rowId xmlns:a16="http://schemas.microsoft.com/office/drawing/2014/main" val="2509779529"/>
                   </a:ext>
                 </a:extLst>
               </a:tr>
-              <a:tr h="185945">
+              <a:tr h="168414">
                 <a:tc>
                   <a:txBody>
                     <a:bodyPr/>
@@ -8130,76 +10272,76 @@
                         <a:rPr lang="en-US" sz="1200" u="none" strike="noStrike">
                           <a:effectLst/>
                         </a:rPr>
-                        <a:t>15855</a:t>
-                      </a:r>
-                      <a:endParaRPr lang="en-US" sz="1200" b="0" i="0" u="none" strike="noStrike">
-                        <a:solidFill>
-                          <a:srgbClr val="000000"/>
-                        </a:solidFill>
-                        <a:effectLst/>
-                        <a:latin typeface="Calibri" panose="020F0502020204030204" pitchFamily="34" charset="0"/>
-                      </a:endParaRPr>
-                    </a:p>
-                  </a:txBody>
-                  <a:tcPr marL="7188" marR="7188" marT="7188" marB="0" anchor="b"/>
-                </a:tc>
-                <a:tc>
-                  <a:txBody>
-                    <a:bodyPr/>
-                    <a:lstStyle/>
-                    <a:p>
-                      <a:pPr algn="r" fontAlgn="b"/>
-                      <a:r>
-                        <a:rPr lang="en-US" sz="1200" u="none" strike="noStrike">
-                          <a:effectLst/>
-                        </a:rPr>
-                        <a:t>15862</a:t>
-                      </a:r>
-                      <a:endParaRPr lang="en-US" sz="1200" b="0" i="0" u="none" strike="noStrike">
-                        <a:solidFill>
-                          <a:srgbClr val="000000"/>
-                        </a:solidFill>
-                        <a:effectLst/>
-                        <a:latin typeface="Calibri" panose="020F0502020204030204" pitchFamily="34" charset="0"/>
-                      </a:endParaRPr>
-                    </a:p>
-                  </a:txBody>
-                  <a:tcPr marL="7188" marR="7188" marT="7188" marB="0" anchor="b"/>
-                </a:tc>
-                <a:tc>
-                  <a:txBody>
-                    <a:bodyPr/>
-                    <a:lstStyle/>
-                    <a:p>
-                      <a:pPr algn="r" fontAlgn="b"/>
-                      <a:r>
-                        <a:rPr lang="en-US" sz="1200" u="none" strike="noStrike">
-                          <a:effectLst/>
-                        </a:rPr>
-                        <a:t>16698</a:t>
-                      </a:r>
-                      <a:endParaRPr lang="en-US" sz="1200" b="0" i="0" u="none" strike="noStrike">
-                        <a:solidFill>
-                          <a:srgbClr val="000000"/>
-                        </a:solidFill>
-                        <a:effectLst/>
-                        <a:latin typeface="Calibri" panose="020F0502020204030204" pitchFamily="34" charset="0"/>
-                      </a:endParaRPr>
-                    </a:p>
-                  </a:txBody>
-                  <a:tcPr marL="7188" marR="7188" marT="7188" marB="0" anchor="b"/>
-                </a:tc>
-                <a:tc>
-                  <a:txBody>
-                    <a:bodyPr/>
-                    <a:lstStyle/>
-                    <a:p>
-                      <a:pPr algn="r" fontAlgn="b"/>
-                      <a:r>
-                        <a:rPr lang="en-US" sz="1200" u="none" strike="noStrike">
-                          <a:effectLst/>
-                        </a:rPr>
-                        <a:t>14574</a:t>
+                        <a:t>11891</a:t>
+                      </a:r>
+                      <a:endParaRPr lang="en-US" sz="1200" b="0" i="0" u="none" strike="noStrike">
+                        <a:solidFill>
+                          <a:srgbClr val="000000"/>
+                        </a:solidFill>
+                        <a:effectLst/>
+                        <a:latin typeface="Calibri" panose="020F0502020204030204" pitchFamily="34" charset="0"/>
+                      </a:endParaRPr>
+                    </a:p>
+                  </a:txBody>
+                  <a:tcPr marL="7188" marR="7188" marT="7188" marB="0" anchor="b"/>
+                </a:tc>
+                <a:tc>
+                  <a:txBody>
+                    <a:bodyPr/>
+                    <a:lstStyle/>
+                    <a:p>
+                      <a:pPr algn="r" fontAlgn="b"/>
+                      <a:r>
+                        <a:rPr lang="en-US" sz="1200" u="none" strike="noStrike">
+                          <a:effectLst/>
+                        </a:rPr>
+                        <a:t>7802</a:t>
+                      </a:r>
+                      <a:endParaRPr lang="en-US" sz="1200" b="0" i="0" u="none" strike="noStrike">
+                        <a:solidFill>
+                          <a:srgbClr val="000000"/>
+                        </a:solidFill>
+                        <a:effectLst/>
+                        <a:latin typeface="Calibri" panose="020F0502020204030204" pitchFamily="34" charset="0"/>
+                      </a:endParaRPr>
+                    </a:p>
+                  </a:txBody>
+                  <a:tcPr marL="7188" marR="7188" marT="7188" marB="0" anchor="b"/>
+                </a:tc>
+                <a:tc>
+                  <a:txBody>
+                    <a:bodyPr/>
+                    <a:lstStyle/>
+                    <a:p>
+                      <a:pPr algn="r" fontAlgn="b"/>
+                      <a:r>
+                        <a:rPr lang="en-US" sz="1200" u="none" strike="noStrike">
+                          <a:effectLst/>
+                        </a:rPr>
+                        <a:t>17533</a:t>
+                      </a:r>
+                      <a:endParaRPr lang="en-US" sz="1200" b="0" i="0" u="none" strike="noStrike">
+                        <a:solidFill>
+                          <a:srgbClr val="000000"/>
+                        </a:solidFill>
+                        <a:effectLst/>
+                        <a:latin typeface="Calibri" panose="020F0502020204030204" pitchFamily="34" charset="0"/>
+                      </a:endParaRPr>
+                    </a:p>
+                  </a:txBody>
+                  <a:tcPr marL="7188" marR="7188" marT="7188" marB="0" anchor="b"/>
+                </a:tc>
+                <a:tc>
+                  <a:txBody>
+                    <a:bodyPr/>
+                    <a:lstStyle/>
+                    <a:p>
+                      <a:pPr algn="r" fontAlgn="b"/>
+                      <a:r>
+                        <a:rPr lang="en-US" sz="1200" u="none" strike="noStrike">
+                          <a:effectLst/>
+                        </a:rPr>
+                        <a:t>15303</a:t>
                       </a:r>
                       <a:endParaRPr lang="en-US" sz="1200" b="0" i="0" u="none" strike="noStrike">
                         <a:solidFill>
@@ -8265,12 +10407,12 @@
                     <a:p>
                       <a:pPr algn="r" fontAlgn="b"/>
                       <a:r>
-                        <a:rPr lang="en-US" sz="1200" u="none" strike="noStrike">
+                        <a:rPr lang="en-US" sz="1200" u="none" strike="noStrike" dirty="0">
                           <a:effectLst/>
                         </a:rPr>
                         <a:t>15411</a:t>
                       </a:r>
-                      <a:endParaRPr lang="en-US" sz="1200" b="0" i="0" u="none" strike="noStrike">
+                      <a:endParaRPr lang="en-US" sz="1200" b="0" i="0" u="none" strike="noStrike" dirty="0">
                         <a:solidFill>
                           <a:srgbClr val="000000"/>
                         </a:solidFill>
@@ -8306,11 +10448,11 @@
                 </a:tc>
                 <a:extLst>
                   <a:ext uri="{0D108BD9-81ED-4DB2-BD59-A6C34878D82A}">
-                    <a16:rowId xmlns:a16="http://schemas.microsoft.com/office/drawing/2014/main" val="397770014"/>
+                    <a16:rowId xmlns:a16="http://schemas.microsoft.com/office/drawing/2014/main" val="2813546411"/>
                   </a:ext>
                 </a:extLst>
               </a:tr>
-              <a:tr h="185945">
+              <a:tr h="168414">
                 <a:tc>
                   <a:txBody>
                     <a:bodyPr/>
@@ -8344,76 +10486,76 @@
                         <a:rPr lang="en-US" sz="1200" u="none" strike="noStrike">
                           <a:effectLst/>
                         </a:rPr>
-                        <a:t>17332</a:t>
-                      </a:r>
-                      <a:endParaRPr lang="en-US" sz="1200" b="0" i="0" u="none" strike="noStrike">
-                        <a:solidFill>
-                          <a:srgbClr val="000000"/>
-                        </a:solidFill>
-                        <a:effectLst/>
-                        <a:latin typeface="Calibri" panose="020F0502020204030204" pitchFamily="34" charset="0"/>
-                      </a:endParaRPr>
-                    </a:p>
-                  </a:txBody>
-                  <a:tcPr marL="7188" marR="7188" marT="7188" marB="0" anchor="b"/>
-                </a:tc>
-                <a:tc>
-                  <a:txBody>
-                    <a:bodyPr/>
-                    <a:lstStyle/>
-                    <a:p>
-                      <a:pPr algn="r" fontAlgn="b"/>
-                      <a:r>
-                        <a:rPr lang="en-US" sz="1200" u="none" strike="noStrike">
-                          <a:effectLst/>
-                        </a:rPr>
-                        <a:t>15096</a:t>
-                      </a:r>
-                      <a:endParaRPr lang="en-US" sz="1200" b="0" i="0" u="none" strike="noStrike">
-                        <a:solidFill>
-                          <a:srgbClr val="000000"/>
-                        </a:solidFill>
-                        <a:effectLst/>
-                        <a:latin typeface="Calibri" panose="020F0502020204030204" pitchFamily="34" charset="0"/>
-                      </a:endParaRPr>
-                    </a:p>
-                  </a:txBody>
-                  <a:tcPr marL="7188" marR="7188" marT="7188" marB="0" anchor="b"/>
-                </a:tc>
-                <a:tc>
-                  <a:txBody>
-                    <a:bodyPr/>
-                    <a:lstStyle/>
-                    <a:p>
-                      <a:pPr algn="r" fontAlgn="b"/>
-                      <a:r>
-                        <a:rPr lang="en-US" sz="1200" u="none" strike="noStrike">
-                          <a:effectLst/>
-                        </a:rPr>
-                        <a:t>16071</a:t>
-                      </a:r>
-                      <a:endParaRPr lang="en-US" sz="1200" b="0" i="0" u="none" strike="noStrike">
-                        <a:solidFill>
-                          <a:srgbClr val="000000"/>
-                        </a:solidFill>
-                        <a:effectLst/>
-                        <a:latin typeface="Calibri" panose="020F0502020204030204" pitchFamily="34" charset="0"/>
-                      </a:endParaRPr>
-                    </a:p>
-                  </a:txBody>
-                  <a:tcPr marL="7188" marR="7188" marT="7188" marB="0" anchor="b"/>
-                </a:tc>
-                <a:tc>
-                  <a:txBody>
-                    <a:bodyPr/>
-                    <a:lstStyle/>
-                    <a:p>
-                      <a:pPr algn="r" fontAlgn="b"/>
-                      <a:r>
-                        <a:rPr lang="en-US" sz="1200" u="none" strike="noStrike">
-                          <a:effectLst/>
-                        </a:rPr>
-                        <a:t>15292</a:t>
+                        <a:t>12999</a:t>
+                      </a:r>
+                      <a:endParaRPr lang="en-US" sz="1200" b="0" i="0" u="none" strike="noStrike">
+                        <a:solidFill>
+                          <a:srgbClr val="000000"/>
+                        </a:solidFill>
+                        <a:effectLst/>
+                        <a:latin typeface="Calibri" panose="020F0502020204030204" pitchFamily="34" charset="0"/>
+                      </a:endParaRPr>
+                    </a:p>
+                  </a:txBody>
+                  <a:tcPr marL="7188" marR="7188" marT="7188" marB="0" anchor="b"/>
+                </a:tc>
+                <a:tc>
+                  <a:txBody>
+                    <a:bodyPr/>
+                    <a:lstStyle/>
+                    <a:p>
+                      <a:pPr algn="r" fontAlgn="b"/>
+                      <a:r>
+                        <a:rPr lang="en-US" sz="1200" u="none" strike="noStrike">
+                          <a:effectLst/>
+                        </a:rPr>
+                        <a:t>8528</a:t>
+                      </a:r>
+                      <a:endParaRPr lang="en-US" sz="1200" b="0" i="0" u="none" strike="noStrike">
+                        <a:solidFill>
+                          <a:srgbClr val="000000"/>
+                        </a:solidFill>
+                        <a:effectLst/>
+                        <a:latin typeface="Calibri" panose="020F0502020204030204" pitchFamily="34" charset="0"/>
+                      </a:endParaRPr>
+                    </a:p>
+                  </a:txBody>
+                  <a:tcPr marL="7188" marR="7188" marT="7188" marB="0" anchor="b"/>
+                </a:tc>
+                <a:tc>
+                  <a:txBody>
+                    <a:bodyPr/>
+                    <a:lstStyle/>
+                    <a:p>
+                      <a:pPr algn="r" fontAlgn="b"/>
+                      <a:r>
+                        <a:rPr lang="en-US" sz="1200" u="none" strike="noStrike" dirty="0">
+                          <a:effectLst/>
+                        </a:rPr>
+                        <a:t>16875</a:t>
+                      </a:r>
+                      <a:endParaRPr lang="en-US" sz="1200" b="0" i="0" u="none" strike="noStrike" dirty="0">
+                        <a:solidFill>
+                          <a:srgbClr val="000000"/>
+                        </a:solidFill>
+                        <a:effectLst/>
+                        <a:latin typeface="Calibri" panose="020F0502020204030204" pitchFamily="34" charset="0"/>
+                      </a:endParaRPr>
+                    </a:p>
+                  </a:txBody>
+                  <a:tcPr marL="7188" marR="7188" marT="7188" marB="0" anchor="b"/>
+                </a:tc>
+                <a:tc>
+                  <a:txBody>
+                    <a:bodyPr/>
+                    <a:lstStyle/>
+                    <a:p>
+                      <a:pPr algn="r" fontAlgn="b"/>
+                      <a:r>
+                        <a:rPr lang="en-US" sz="1200" u="none" strike="noStrike">
+                          <a:effectLst/>
+                        </a:rPr>
+                        <a:t>16057</a:t>
                       </a:r>
                       <a:endParaRPr lang="en-US" sz="1200" b="0" i="0" u="none" strike="noStrike">
                         <a:solidFill>
@@ -8520,11 +10662,11 @@
                 </a:tc>
                 <a:extLst>
                   <a:ext uri="{0D108BD9-81ED-4DB2-BD59-A6C34878D82A}">
-                    <a16:rowId xmlns:a16="http://schemas.microsoft.com/office/drawing/2014/main" val="1893779266"/>
+                    <a16:rowId xmlns:a16="http://schemas.microsoft.com/office/drawing/2014/main" val="1742847307"/>
                   </a:ext>
                 </a:extLst>
               </a:tr>
-              <a:tr h="185945">
+              <a:tr h="168414">
                 <a:tc>
                   <a:txBody>
                     <a:bodyPr/>
@@ -8558,7 +10700,30 @@
                         <a:rPr lang="en-US" sz="1200" u="none" strike="noStrike">
                           <a:effectLst/>
                         </a:rPr>
-                        <a:t>12725</a:t>
+                        <a:t>9544</a:t>
+                      </a:r>
+                      <a:endParaRPr lang="en-US" sz="1200" b="0" i="0" u="none" strike="noStrike">
+                        <a:solidFill>
+                          <a:srgbClr val="000000"/>
+                        </a:solidFill>
+                        <a:effectLst/>
+                        <a:latin typeface="Calibri" panose="020F0502020204030204" pitchFamily="34" charset="0"/>
+                      </a:endParaRPr>
+                    </a:p>
+                  </a:txBody>
+                  <a:tcPr marL="7188" marR="7188" marT="7188" marB="0" anchor="b"/>
+                </a:tc>
+                <a:tc>
+                  <a:txBody>
+                    <a:bodyPr/>
+                    <a:lstStyle/>
+                    <a:p>
+                      <a:pPr algn="r" fontAlgn="b"/>
+                      <a:r>
+                        <a:rPr lang="en-US" sz="1200" u="none" strike="noStrike">
+                          <a:effectLst/>
+                        </a:rPr>
+                        <a:t>6262</a:t>
                       </a:r>
                       <a:endParaRPr lang="en-US" sz="1200" b="0" i="0" u="none" strike="noStrike">
                         <a:solidFill>
@@ -8581,7 +10746,7 @@
                         <a:rPr lang="en-US" sz="1200" u="none" strike="noStrike" dirty="0">
                           <a:effectLst/>
                         </a:rPr>
-                        <a:t>12050</a:t>
+                        <a:t>13866</a:t>
                       </a:r>
                       <a:endParaRPr lang="en-US" sz="1200" b="0" i="0" u="none" strike="noStrike" dirty="0">
                         <a:solidFill>
@@ -8604,30 +10769,7 @@
                         <a:rPr lang="en-US" sz="1200" u="none" strike="noStrike">
                           <a:effectLst/>
                         </a:rPr>
-                        <a:t>13206</a:t>
-                      </a:r>
-                      <a:endParaRPr lang="en-US" sz="1200" b="0" i="0" u="none" strike="noStrike">
-                        <a:solidFill>
-                          <a:srgbClr val="000000"/>
-                        </a:solidFill>
-                        <a:effectLst/>
-                        <a:latin typeface="Calibri" panose="020F0502020204030204" pitchFamily="34" charset="0"/>
-                      </a:endParaRPr>
-                    </a:p>
-                  </a:txBody>
-                  <a:tcPr marL="7188" marR="7188" marT="7188" marB="0" anchor="b"/>
-                </a:tc>
-                <a:tc>
-                  <a:txBody>
-                    <a:bodyPr/>
-                    <a:lstStyle/>
-                    <a:p>
-                      <a:pPr algn="r" fontAlgn="b"/>
-                      <a:r>
-                        <a:rPr lang="en-US" sz="1200" u="none" strike="noStrike">
-                          <a:effectLst/>
-                        </a:rPr>
-                        <a:t>13408</a:t>
+                        <a:t>14078</a:t>
                       </a:r>
                       <a:endParaRPr lang="en-US" sz="1200" b="0" i="0" u="none" strike="noStrike">
                         <a:solidFill>
@@ -8734,11 +10876,11 @@
                 </a:tc>
                 <a:extLst>
                   <a:ext uri="{0D108BD9-81ED-4DB2-BD59-A6C34878D82A}">
-                    <a16:rowId xmlns:a16="http://schemas.microsoft.com/office/drawing/2014/main" val="1362576215"/>
+                    <a16:rowId xmlns:a16="http://schemas.microsoft.com/office/drawing/2014/main" val="4078351082"/>
                   </a:ext>
                 </a:extLst>
               </a:tr>
-              <a:tr h="185945">
+              <a:tr h="168414">
                 <a:tc>
                   <a:txBody>
                     <a:bodyPr/>
@@ -8772,30 +10914,53 @@
                         <a:rPr lang="en-US" sz="1200" u="none" strike="noStrike">
                           <a:effectLst/>
                         </a:rPr>
-                        <a:t>19402</a:t>
-                      </a:r>
-                      <a:endParaRPr lang="en-US" sz="1200" b="0" i="0" u="none" strike="noStrike">
-                        <a:solidFill>
-                          <a:srgbClr val="000000"/>
-                        </a:solidFill>
-                        <a:effectLst/>
-                        <a:latin typeface="Calibri" panose="020F0502020204030204" pitchFamily="34" charset="0"/>
-                      </a:endParaRPr>
-                    </a:p>
-                  </a:txBody>
-                  <a:tcPr marL="7188" marR="7188" marT="7188" marB="0" anchor="b"/>
-                </a:tc>
-                <a:tc>
-                  <a:txBody>
-                    <a:bodyPr/>
-                    <a:lstStyle/>
-                    <a:p>
-                      <a:pPr algn="r" fontAlgn="b"/>
-                      <a:r>
-                        <a:rPr lang="en-US" sz="1200" u="none" strike="noStrike">
-                          <a:effectLst/>
-                        </a:rPr>
-                        <a:t>17137</a:t>
+                        <a:t>14552</a:t>
+                      </a:r>
+                      <a:endParaRPr lang="en-US" sz="1200" b="0" i="0" u="none" strike="noStrike">
+                        <a:solidFill>
+                          <a:srgbClr val="000000"/>
+                        </a:solidFill>
+                        <a:effectLst/>
+                        <a:latin typeface="Calibri" panose="020F0502020204030204" pitchFamily="34" charset="0"/>
+                      </a:endParaRPr>
+                    </a:p>
+                  </a:txBody>
+                  <a:tcPr marL="7188" marR="7188" marT="7188" marB="0" anchor="b"/>
+                </a:tc>
+                <a:tc>
+                  <a:txBody>
+                    <a:bodyPr/>
+                    <a:lstStyle/>
+                    <a:p>
+                      <a:pPr algn="r" fontAlgn="b"/>
+                      <a:r>
+                        <a:rPr lang="en-US" sz="1200" u="none" strike="noStrike">
+                          <a:effectLst/>
+                        </a:rPr>
+                        <a:t>9547</a:t>
+                      </a:r>
+                      <a:endParaRPr lang="en-US" sz="1200" b="0" i="0" u="none" strike="noStrike">
+                        <a:solidFill>
+                          <a:srgbClr val="000000"/>
+                        </a:solidFill>
+                        <a:effectLst/>
+                        <a:latin typeface="Calibri" panose="020F0502020204030204" pitchFamily="34" charset="0"/>
+                      </a:endParaRPr>
+                    </a:p>
+                  </a:txBody>
+                  <a:tcPr marL="7188" marR="7188" marT="7188" marB="0" anchor="b"/>
+                </a:tc>
+                <a:tc>
+                  <a:txBody>
+                    <a:bodyPr/>
+                    <a:lstStyle/>
+                    <a:p>
+                      <a:pPr algn="r" fontAlgn="b"/>
+                      <a:r>
+                        <a:rPr lang="en-US" sz="1200" u="none" strike="noStrike">
+                          <a:effectLst/>
+                        </a:rPr>
+                        <a:t>18953</a:t>
                       </a:r>
                       <a:endParaRPr lang="en-US" sz="1200" b="0" i="0" u="none" strike="noStrike">
                         <a:solidFill>
@@ -8818,32 +10983,9 @@
                         <a:rPr lang="en-US" sz="1200" u="none" strike="noStrike" dirty="0">
                           <a:effectLst/>
                         </a:rPr>
-                        <a:t>18050</a:t>
+                        <a:t>17475</a:t>
                       </a:r>
                       <a:endParaRPr lang="en-US" sz="1200" b="0" i="0" u="none" strike="noStrike" dirty="0">
-                        <a:solidFill>
-                          <a:srgbClr val="000000"/>
-                        </a:solidFill>
-                        <a:effectLst/>
-                        <a:latin typeface="Calibri" panose="020F0502020204030204" pitchFamily="34" charset="0"/>
-                      </a:endParaRPr>
-                    </a:p>
-                  </a:txBody>
-                  <a:tcPr marL="7188" marR="7188" marT="7188" marB="0" anchor="b"/>
-                </a:tc>
-                <a:tc>
-                  <a:txBody>
-                    <a:bodyPr/>
-                    <a:lstStyle/>
-                    <a:p>
-                      <a:pPr algn="r" fontAlgn="b"/>
-                      <a:r>
-                        <a:rPr lang="en-US" sz="1200" u="none" strike="noStrike">
-                          <a:effectLst/>
-                        </a:rPr>
-                        <a:t>16643</a:t>
-                      </a:r>
-                      <a:endParaRPr lang="en-US" sz="1200" b="0" i="0" u="none" strike="noStrike">
                         <a:solidFill>
                           <a:srgbClr val="000000"/>
                         </a:solidFill>
@@ -8948,11 +11090,11 @@
                 </a:tc>
                 <a:extLst>
                   <a:ext uri="{0D108BD9-81ED-4DB2-BD59-A6C34878D82A}">
-                    <a16:rowId xmlns:a16="http://schemas.microsoft.com/office/drawing/2014/main" val="2458496008"/>
+                    <a16:rowId xmlns:a16="http://schemas.microsoft.com/office/drawing/2014/main" val="1826249756"/>
                   </a:ext>
                 </a:extLst>
               </a:tr>
-              <a:tr h="185945">
+              <a:tr h="168414">
                 <a:tc>
                   <a:txBody>
                     <a:bodyPr/>
@@ -8986,101 +11128,101 @@
                         <a:rPr lang="en-US" sz="1200" u="none" strike="noStrike">
                           <a:effectLst/>
                         </a:rPr>
-                        <a:t>13307</a:t>
-                      </a:r>
-                      <a:endParaRPr lang="en-US" sz="1200" b="0" i="0" u="none" strike="noStrike">
-                        <a:solidFill>
-                          <a:srgbClr val="000000"/>
-                        </a:solidFill>
-                        <a:effectLst/>
-                        <a:latin typeface="Calibri" panose="020F0502020204030204" pitchFamily="34" charset="0"/>
-                      </a:endParaRPr>
-                    </a:p>
-                  </a:txBody>
-                  <a:tcPr marL="7188" marR="7188" marT="7188" marB="0" anchor="b"/>
-                </a:tc>
-                <a:tc>
-                  <a:txBody>
-                    <a:bodyPr/>
-                    <a:lstStyle/>
-                    <a:p>
-                      <a:pPr algn="r" fontAlgn="b"/>
-                      <a:r>
-                        <a:rPr lang="en-US" sz="1200" u="none" strike="noStrike">
-                          <a:effectLst/>
-                        </a:rPr>
-                        <a:t>11746</a:t>
-                      </a:r>
-                      <a:endParaRPr lang="en-US" sz="1200" b="0" i="0" u="none" strike="noStrike">
-                        <a:solidFill>
-                          <a:srgbClr val="000000"/>
-                        </a:solidFill>
-                        <a:effectLst/>
-                        <a:latin typeface="Calibri" panose="020F0502020204030204" pitchFamily="34" charset="0"/>
-                      </a:endParaRPr>
-                    </a:p>
-                  </a:txBody>
-                  <a:tcPr marL="7188" marR="7188" marT="7188" marB="0" anchor="b"/>
-                </a:tc>
-                <a:tc>
-                  <a:txBody>
-                    <a:bodyPr/>
-                    <a:lstStyle/>
-                    <a:p>
-                      <a:pPr algn="r" fontAlgn="b"/>
-                      <a:r>
-                        <a:rPr lang="en-US" sz="1200" u="none" strike="noStrike">
-                          <a:effectLst/>
-                        </a:rPr>
-                        <a:t>12957</a:t>
-                      </a:r>
-                      <a:endParaRPr lang="en-US" sz="1200" b="0" i="0" u="none" strike="noStrike">
-                        <a:solidFill>
-                          <a:srgbClr val="000000"/>
-                        </a:solidFill>
-                        <a:effectLst/>
-                        <a:latin typeface="Calibri" panose="020F0502020204030204" pitchFamily="34" charset="0"/>
-                      </a:endParaRPr>
-                    </a:p>
-                  </a:txBody>
-                  <a:tcPr marL="7188" marR="7188" marT="7188" marB="0" anchor="b"/>
-                </a:tc>
-                <a:tc>
-                  <a:txBody>
-                    <a:bodyPr/>
-                    <a:lstStyle/>
-                    <a:p>
-                      <a:pPr algn="r" fontAlgn="b"/>
-                      <a:r>
-                        <a:rPr lang="en-US" sz="1200" u="none" strike="noStrike">
-                          <a:effectLst/>
-                        </a:rPr>
-                        <a:t>11446</a:t>
-                      </a:r>
-                      <a:endParaRPr lang="en-US" sz="1200" b="0" i="0" u="none" strike="noStrike">
-                        <a:solidFill>
-                          <a:srgbClr val="000000"/>
-                        </a:solidFill>
-                        <a:effectLst/>
-                        <a:latin typeface="Calibri" panose="020F0502020204030204" pitchFamily="34" charset="0"/>
-                      </a:endParaRPr>
-                    </a:p>
-                  </a:txBody>
-                  <a:tcPr marL="7188" marR="7188" marT="7188" marB="0" anchor="b"/>
-                </a:tc>
-                <a:tc>
-                  <a:txBody>
-                    <a:bodyPr/>
-                    <a:lstStyle/>
-                    <a:p>
-                      <a:pPr algn="r" fontAlgn="b"/>
-                      <a:r>
-                        <a:rPr lang="en-US" sz="1200" u="none" strike="noStrike">
+                        <a:t>9980</a:t>
+                      </a:r>
+                      <a:endParaRPr lang="en-US" sz="1200" b="0" i="0" u="none" strike="noStrike">
+                        <a:solidFill>
+                          <a:srgbClr val="000000"/>
+                        </a:solidFill>
+                        <a:effectLst/>
+                        <a:latin typeface="Calibri" panose="020F0502020204030204" pitchFamily="34" charset="0"/>
+                      </a:endParaRPr>
+                    </a:p>
+                  </a:txBody>
+                  <a:tcPr marL="7188" marR="7188" marT="7188" marB="0" anchor="b"/>
+                </a:tc>
+                <a:tc>
+                  <a:txBody>
+                    <a:bodyPr/>
+                    <a:lstStyle/>
+                    <a:p>
+                      <a:pPr algn="r" fontAlgn="b"/>
+                      <a:r>
+                        <a:rPr lang="en-US" sz="1200" u="none" strike="noStrike">
+                          <a:effectLst/>
+                        </a:rPr>
+                        <a:t>6548</a:t>
+                      </a:r>
+                      <a:endParaRPr lang="en-US" sz="1200" b="0" i="0" u="none" strike="noStrike">
+                        <a:solidFill>
+                          <a:srgbClr val="000000"/>
+                        </a:solidFill>
+                        <a:effectLst/>
+                        <a:latin typeface="Calibri" panose="020F0502020204030204" pitchFamily="34" charset="0"/>
+                      </a:endParaRPr>
+                    </a:p>
+                  </a:txBody>
+                  <a:tcPr marL="7188" marR="7188" marT="7188" marB="0" anchor="b"/>
+                </a:tc>
+                <a:tc>
+                  <a:txBody>
+                    <a:bodyPr/>
+                    <a:lstStyle/>
+                    <a:p>
+                      <a:pPr algn="r" fontAlgn="b"/>
+                      <a:r>
+                        <a:rPr lang="en-US" sz="1200" u="none" strike="noStrike">
+                          <a:effectLst/>
+                        </a:rPr>
+                        <a:t>13605</a:t>
+                      </a:r>
+                      <a:endParaRPr lang="en-US" sz="1200" b="0" i="0" u="none" strike="noStrike">
+                        <a:solidFill>
+                          <a:srgbClr val="000000"/>
+                        </a:solidFill>
+                        <a:effectLst/>
+                        <a:latin typeface="Calibri" panose="020F0502020204030204" pitchFamily="34" charset="0"/>
+                      </a:endParaRPr>
+                    </a:p>
+                  </a:txBody>
+                  <a:tcPr marL="7188" marR="7188" marT="7188" marB="0" anchor="b"/>
+                </a:tc>
+                <a:tc>
+                  <a:txBody>
+                    <a:bodyPr/>
+                    <a:lstStyle/>
+                    <a:p>
+                      <a:pPr algn="r" fontAlgn="b"/>
+                      <a:r>
+                        <a:rPr lang="en-US" sz="1200" u="none" strike="noStrike" dirty="0">
+                          <a:effectLst/>
+                        </a:rPr>
+                        <a:t>12018</a:t>
+                      </a:r>
+                      <a:endParaRPr lang="en-US" sz="1200" b="0" i="0" u="none" strike="noStrike" dirty="0">
+                        <a:solidFill>
+                          <a:srgbClr val="000000"/>
+                        </a:solidFill>
+                        <a:effectLst/>
+                        <a:latin typeface="Calibri" panose="020F0502020204030204" pitchFamily="34" charset="0"/>
+                      </a:endParaRPr>
+                    </a:p>
+                  </a:txBody>
+                  <a:tcPr marL="7188" marR="7188" marT="7188" marB="0" anchor="b"/>
+                </a:tc>
+                <a:tc>
+                  <a:txBody>
+                    <a:bodyPr/>
+                    <a:lstStyle/>
+                    <a:p>
+                      <a:pPr algn="r" fontAlgn="b"/>
+                      <a:r>
+                        <a:rPr lang="en-US" sz="1200" u="none" strike="noStrike" dirty="0">
                           <a:effectLst/>
                         </a:rPr>
                         <a:t>11788</a:t>
                       </a:r>
-                      <a:endParaRPr lang="en-US" sz="1200" b="0" i="0" u="none" strike="noStrike">
+                      <a:endParaRPr lang="en-US" sz="1200" b="0" i="0" u="none" strike="noStrike" dirty="0">
                         <a:solidFill>
                           <a:srgbClr val="000000"/>
                         </a:solidFill>
@@ -9162,11 +11304,11 @@
                 </a:tc>
                 <a:extLst>
                   <a:ext uri="{0D108BD9-81ED-4DB2-BD59-A6C34878D82A}">
-                    <a16:rowId xmlns:a16="http://schemas.microsoft.com/office/drawing/2014/main" val="2259633486"/>
+                    <a16:rowId xmlns:a16="http://schemas.microsoft.com/office/drawing/2014/main" val="1063721525"/>
                   </a:ext>
                 </a:extLst>
               </a:tr>
-              <a:tr h="185945">
+              <a:tr h="168414">
                 <a:tc>
                   <a:txBody>
                     <a:bodyPr/>
@@ -9200,101 +11342,101 @@
                         <a:rPr lang="en-US" sz="1200" u="none" strike="noStrike">
                           <a:effectLst/>
                         </a:rPr>
-                        <a:t>164002</a:t>
-                      </a:r>
-                      <a:endParaRPr lang="en-US" sz="1200" b="0" i="0" u="none" strike="noStrike">
-                        <a:solidFill>
-                          <a:srgbClr val="000000"/>
-                        </a:solidFill>
-                        <a:effectLst/>
-                        <a:latin typeface="Calibri" panose="020F0502020204030204" pitchFamily="34" charset="0"/>
-                      </a:endParaRPr>
-                    </a:p>
-                  </a:txBody>
-                  <a:tcPr marL="7188" marR="7188" marT="7188" marB="0" anchor="b"/>
-                </a:tc>
-                <a:tc>
-                  <a:txBody>
-                    <a:bodyPr/>
-                    <a:lstStyle/>
-                    <a:p>
-                      <a:pPr algn="r" fontAlgn="b"/>
-                      <a:r>
-                        <a:rPr lang="en-US" sz="1200" u="none" strike="noStrike">
-                          <a:effectLst/>
-                        </a:rPr>
-                        <a:t>147166</a:t>
-                      </a:r>
-                      <a:endParaRPr lang="en-US" sz="1200" b="0" i="0" u="none" strike="noStrike">
-                        <a:solidFill>
-                          <a:srgbClr val="000000"/>
-                        </a:solidFill>
-                        <a:effectLst/>
-                        <a:latin typeface="Calibri" panose="020F0502020204030204" pitchFamily="34" charset="0"/>
-                      </a:endParaRPr>
-                    </a:p>
-                  </a:txBody>
-                  <a:tcPr marL="7188" marR="7188" marT="7188" marB="0" anchor="b"/>
-                </a:tc>
-                <a:tc>
-                  <a:txBody>
-                    <a:bodyPr/>
-                    <a:lstStyle/>
-                    <a:p>
-                      <a:pPr algn="r" fontAlgn="b"/>
-                      <a:r>
-                        <a:rPr lang="en-US" sz="1200" u="none" strike="noStrike">
-                          <a:effectLst/>
-                        </a:rPr>
-                        <a:t>163123</a:t>
-                      </a:r>
-                      <a:endParaRPr lang="en-US" sz="1200" b="0" i="0" u="none" strike="noStrike">
-                        <a:solidFill>
-                          <a:srgbClr val="000000"/>
-                        </a:solidFill>
-                        <a:effectLst/>
-                        <a:latin typeface="Calibri" panose="020F0502020204030204" pitchFamily="34" charset="0"/>
-                      </a:endParaRPr>
-                    </a:p>
-                  </a:txBody>
-                  <a:tcPr marL="7188" marR="7188" marT="7188" marB="0" anchor="b"/>
-                </a:tc>
-                <a:tc>
-                  <a:txBody>
-                    <a:bodyPr/>
-                    <a:lstStyle/>
-                    <a:p>
-                      <a:pPr algn="r" fontAlgn="b"/>
-                      <a:r>
-                        <a:rPr lang="en-US" sz="1200" u="none" strike="noStrike">
-                          <a:effectLst/>
-                        </a:rPr>
-                        <a:t>150819</a:t>
-                      </a:r>
-                      <a:endParaRPr lang="en-US" sz="1200" b="0" i="0" u="none" strike="noStrike">
-                        <a:solidFill>
-                          <a:srgbClr val="000000"/>
-                        </a:solidFill>
-                        <a:effectLst/>
-                        <a:latin typeface="Calibri" panose="020F0502020204030204" pitchFamily="34" charset="0"/>
-                      </a:endParaRPr>
-                    </a:p>
-                  </a:txBody>
-                  <a:tcPr marL="7188" marR="7188" marT="7188" marB="0" anchor="b"/>
-                </a:tc>
-                <a:tc>
-                  <a:txBody>
-                    <a:bodyPr/>
-                    <a:lstStyle/>
-                    <a:p>
-                      <a:pPr algn="r" fontAlgn="b"/>
-                      <a:r>
-                        <a:rPr lang="en-US" sz="1200" u="none" strike="noStrike">
+                        <a:t>123002</a:t>
+                      </a:r>
+                      <a:endParaRPr lang="en-US" sz="1200" b="0" i="0" u="none" strike="noStrike">
+                        <a:solidFill>
+                          <a:srgbClr val="000000"/>
+                        </a:solidFill>
+                        <a:effectLst/>
+                        <a:latin typeface="Calibri" panose="020F0502020204030204" pitchFamily="34" charset="0"/>
+                      </a:endParaRPr>
+                    </a:p>
+                  </a:txBody>
+                  <a:tcPr marL="7188" marR="7188" marT="7188" marB="0" anchor="b"/>
+                </a:tc>
+                <a:tc>
+                  <a:txBody>
+                    <a:bodyPr/>
+                    <a:lstStyle/>
+                    <a:p>
+                      <a:pPr algn="r" fontAlgn="b"/>
+                      <a:r>
+                        <a:rPr lang="en-US" sz="1200" u="none" strike="noStrike">
+                          <a:effectLst/>
+                        </a:rPr>
+                        <a:t>80700</a:t>
+                      </a:r>
+                      <a:endParaRPr lang="en-US" sz="1200" b="0" i="0" u="none" strike="noStrike">
+                        <a:solidFill>
+                          <a:srgbClr val="000000"/>
+                        </a:solidFill>
+                        <a:effectLst/>
+                        <a:latin typeface="Calibri" panose="020F0502020204030204" pitchFamily="34" charset="0"/>
+                      </a:endParaRPr>
+                    </a:p>
+                  </a:txBody>
+                  <a:tcPr marL="7188" marR="7188" marT="7188" marB="0" anchor="b"/>
+                </a:tc>
+                <a:tc>
+                  <a:txBody>
+                    <a:bodyPr/>
+                    <a:lstStyle/>
+                    <a:p>
+                      <a:pPr algn="r" fontAlgn="b"/>
+                      <a:r>
+                        <a:rPr lang="en-US" sz="1200" u="none" strike="noStrike">
+                          <a:effectLst/>
+                        </a:rPr>
+                        <a:t>171280</a:t>
+                      </a:r>
+                      <a:endParaRPr lang="en-US" sz="1200" b="0" i="0" u="none" strike="noStrike">
+                        <a:solidFill>
+                          <a:srgbClr val="000000"/>
+                        </a:solidFill>
+                        <a:effectLst/>
+                        <a:latin typeface="Calibri" panose="020F0502020204030204" pitchFamily="34" charset="0"/>
+                      </a:endParaRPr>
+                    </a:p>
+                  </a:txBody>
+                  <a:tcPr marL="7188" marR="7188" marT="7188" marB="0" anchor="b"/>
+                </a:tc>
+                <a:tc>
+                  <a:txBody>
+                    <a:bodyPr/>
+                    <a:lstStyle/>
+                    <a:p>
+                      <a:pPr algn="r" fontAlgn="b"/>
+                      <a:r>
+                        <a:rPr lang="en-US" sz="1200" u="none" strike="noStrike">
+                          <a:effectLst/>
+                        </a:rPr>
+                        <a:t>158360</a:t>
+                      </a:r>
+                      <a:endParaRPr lang="en-US" sz="1200" b="0" i="0" u="none" strike="noStrike">
+                        <a:solidFill>
+                          <a:srgbClr val="000000"/>
+                        </a:solidFill>
+                        <a:effectLst/>
+                        <a:latin typeface="Calibri" panose="020F0502020204030204" pitchFamily="34" charset="0"/>
+                      </a:endParaRPr>
+                    </a:p>
+                  </a:txBody>
+                  <a:tcPr marL="7188" marR="7188" marT="7188" marB="0" anchor="b"/>
+                </a:tc>
+                <a:tc>
+                  <a:txBody>
+                    <a:bodyPr/>
+                    <a:lstStyle/>
+                    <a:p>
+                      <a:pPr algn="r" fontAlgn="b"/>
+                      <a:r>
+                        <a:rPr lang="en-US" sz="1200" u="none" strike="noStrike" dirty="0">
                           <a:effectLst/>
                         </a:rPr>
                         <a:t>156836</a:t>
                       </a:r>
-                      <a:endParaRPr lang="en-US" sz="1200" b="0" i="0" u="none" strike="noStrike">
+                      <a:endParaRPr lang="en-US" sz="1200" b="0" i="0" u="none" strike="noStrike" dirty="0">
                         <a:solidFill>
                           <a:srgbClr val="000000"/>
                         </a:solidFill>
@@ -9335,12 +11477,12 @@
                     <a:p>
                       <a:pPr algn="r" fontAlgn="b"/>
                       <a:r>
-                        <a:rPr lang="en-US" sz="1200" u="none" strike="noStrike">
+                        <a:rPr lang="en-US" sz="1200" u="none" strike="noStrike" dirty="0">
                           <a:effectLst/>
                         </a:rPr>
                         <a:t>152539</a:t>
                       </a:r>
-                      <a:endParaRPr lang="en-US" sz="1200" b="0" i="0" u="none" strike="noStrike">
+                      <a:endParaRPr lang="en-US" sz="1200" b="0" i="0" u="none" strike="noStrike" dirty="0">
                         <a:solidFill>
                           <a:srgbClr val="000000"/>
                         </a:solidFill>
@@ -9376,11 +11518,28 @@
                 </a:tc>
                 <a:extLst>
                   <a:ext uri="{0D108BD9-81ED-4DB2-BD59-A6C34878D82A}">
-                    <a16:rowId xmlns:a16="http://schemas.microsoft.com/office/drawing/2014/main" val="3635201822"/>
+                    <a16:rowId xmlns:a16="http://schemas.microsoft.com/office/drawing/2014/main" val="1703269096"/>
                   </a:ext>
                 </a:extLst>
               </a:tr>
-              <a:tr h="185945">
+              <a:tr h="168414">
+                <a:tc>
+                  <a:txBody>
+                    <a:bodyPr/>
+                    <a:lstStyle/>
+                    <a:p>
+                      <a:pPr algn="l" fontAlgn="b"/>
+                      <a:endParaRPr lang="en-US" sz="1200" b="0" i="0" u="none" strike="noStrike">
+                        <a:solidFill>
+                          <a:srgbClr val="000000"/>
+                        </a:solidFill>
+                        <a:effectLst/>
+                        <a:latin typeface="Calibri" panose="020F0502020204030204" pitchFamily="34" charset="0"/>
+                      </a:endParaRPr>
+                    </a:p>
+                  </a:txBody>
+                  <a:tcPr marL="7188" marR="7188" marT="7188" marB="0" anchor="b"/>
+                </a:tc>
                 <a:tc>
                   <a:txBody>
                     <a:bodyPr/>
@@ -9517,30 +11676,13 @@
                   </a:txBody>
                   <a:tcPr marL="7188" marR="7188" marT="7188" marB="0" anchor="b"/>
                 </a:tc>
-                <a:tc>
-                  <a:txBody>
-                    <a:bodyPr/>
-                    <a:lstStyle/>
-                    <a:p>
-                      <a:pPr algn="l" fontAlgn="b"/>
-                      <a:endParaRPr lang="en-US" sz="1200" b="0" i="0" u="none" strike="noStrike">
-                        <a:solidFill>
-                          <a:srgbClr val="000000"/>
-                        </a:solidFill>
-                        <a:effectLst/>
-                        <a:latin typeface="Calibri" panose="020F0502020204030204" pitchFamily="34" charset="0"/>
-                      </a:endParaRPr>
-                    </a:p>
-                  </a:txBody>
-                  <a:tcPr marL="7188" marR="7188" marT="7188" marB="0" anchor="b"/>
-                </a:tc>
                 <a:extLst>
                   <a:ext uri="{0D108BD9-81ED-4DB2-BD59-A6C34878D82A}">
-                    <a16:rowId xmlns:a16="http://schemas.microsoft.com/office/drawing/2014/main" val="1781439236"/>
+                    <a16:rowId xmlns:a16="http://schemas.microsoft.com/office/drawing/2014/main" val="1257020571"/>
                   </a:ext>
                 </a:extLst>
               </a:tr>
-              <a:tr h="185945">
+              <a:tr h="168414">
                 <a:tc>
                   <a:txBody>
                     <a:bodyPr/>
@@ -9686,12 +11828,12 @@
                     <a:p>
                       <a:pPr algn="l" fontAlgn="b"/>
                       <a:r>
-                        <a:rPr lang="en-US" sz="1200" u="none" strike="noStrike">
+                        <a:rPr lang="en-US" sz="1200" u="none" strike="noStrike" dirty="0">
                           <a:effectLst/>
                         </a:rPr>
                         <a:t>COX</a:t>
                       </a:r>
-                      <a:endParaRPr lang="en-US" sz="1200" b="0" i="0" u="none" strike="noStrike">
+                      <a:endParaRPr lang="en-US" sz="1200" b="0" i="0" u="none" strike="noStrike" dirty="0">
                         <a:solidFill>
                           <a:srgbClr val="000000"/>
                         </a:solidFill>
@@ -9750,11 +11892,11 @@
                 </a:tc>
                 <a:extLst>
                   <a:ext uri="{0D108BD9-81ED-4DB2-BD59-A6C34878D82A}">
-                    <a16:rowId xmlns:a16="http://schemas.microsoft.com/office/drawing/2014/main" val="408670208"/>
+                    <a16:rowId xmlns:a16="http://schemas.microsoft.com/office/drawing/2014/main" val="2882782559"/>
                   </a:ext>
                 </a:extLst>
               </a:tr>
-              <a:tr h="185945">
+              <a:tr h="168414">
                 <a:tc>
                   <a:txBody>
                     <a:bodyPr/>
@@ -9788,124 +11930,124 @@
                         <a:rPr lang="en-US" sz="1200" u="none" strike="noStrike">
                           <a:effectLst/>
                         </a:rPr>
-                        <a:t>105%</a:t>
-                      </a:r>
-                      <a:endParaRPr lang="en-US" sz="1200" b="0" i="0" u="none" strike="noStrike">
-                        <a:solidFill>
-                          <a:srgbClr val="000000"/>
-                        </a:solidFill>
-                        <a:effectLst/>
-                        <a:latin typeface="Calibri" panose="020F0502020204030204" pitchFamily="34" charset="0"/>
-                      </a:endParaRPr>
-                    </a:p>
-                  </a:txBody>
-                  <a:tcPr marL="7188" marR="7188" marT="7188" marB="0" anchor="b"/>
-                </a:tc>
-                <a:tc>
-                  <a:txBody>
-                    <a:bodyPr/>
-                    <a:lstStyle/>
-                    <a:p>
-                      <a:pPr algn="r" fontAlgn="b"/>
-                      <a:r>
-                        <a:rPr lang="en-US" sz="1200" u="none" strike="noStrike">
-                          <a:effectLst/>
-                        </a:rPr>
-                        <a:t>93%</a:t>
-                      </a:r>
-                      <a:endParaRPr lang="en-US" sz="1200" b="0" i="0" u="none" strike="noStrike">
-                        <a:solidFill>
-                          <a:srgbClr val="000000"/>
-                        </a:solidFill>
-                        <a:effectLst/>
-                        <a:latin typeface="Calibri" panose="020F0502020204030204" pitchFamily="34" charset="0"/>
-                      </a:endParaRPr>
-                    </a:p>
-                  </a:txBody>
-                  <a:tcPr marL="7188" marR="7188" marT="7188" marB="0" anchor="b"/>
-                </a:tc>
-                <a:tc>
-                  <a:txBody>
-                    <a:bodyPr/>
-                    <a:lstStyle/>
-                    <a:p>
-                      <a:pPr algn="r" fontAlgn="b"/>
-                      <a:r>
-                        <a:rPr lang="en-US" sz="1200" u="none" strike="noStrike">
-                          <a:effectLst/>
-                        </a:rPr>
-                        <a:t>113%</a:t>
-                      </a:r>
-                      <a:endParaRPr lang="en-US" sz="1200" b="0" i="0" u="none" strike="noStrike">
-                        <a:solidFill>
-                          <a:srgbClr val="000000"/>
-                        </a:solidFill>
-                        <a:effectLst/>
-                        <a:latin typeface="Calibri" panose="020F0502020204030204" pitchFamily="34" charset="0"/>
-                      </a:endParaRPr>
-                    </a:p>
-                  </a:txBody>
-                  <a:tcPr marL="7188" marR="7188" marT="7188" marB="0" anchor="b"/>
-                </a:tc>
-                <a:tc>
-                  <a:txBody>
-                    <a:bodyPr/>
-                    <a:lstStyle/>
-                    <a:p>
-                      <a:pPr algn="r" fontAlgn="b"/>
-                      <a:r>
-                        <a:rPr lang="en-US" sz="1200" u="none" strike="noStrike">
+                        <a:t>79%</a:t>
+                      </a:r>
+                      <a:endParaRPr lang="en-US" sz="1200" b="0" i="0" u="none" strike="noStrike">
+                        <a:solidFill>
+                          <a:srgbClr val="000000"/>
+                        </a:solidFill>
+                        <a:effectLst/>
+                        <a:latin typeface="Calibri" panose="020F0502020204030204" pitchFamily="34" charset="0"/>
+                      </a:endParaRPr>
+                    </a:p>
+                  </a:txBody>
+                  <a:tcPr marL="7188" marR="7188" marT="7188" marB="0" anchor="b"/>
+                </a:tc>
+                <a:tc>
+                  <a:txBody>
+                    <a:bodyPr/>
+                    <a:lstStyle/>
+                    <a:p>
+                      <a:pPr algn="r" fontAlgn="b"/>
+                      <a:r>
+                        <a:rPr lang="en-US" sz="1200" u="none" strike="noStrike">
+                          <a:effectLst/>
+                        </a:rPr>
+                        <a:t>52%</a:t>
+                      </a:r>
+                      <a:endParaRPr lang="en-US" sz="1200" b="0" i="0" u="none" strike="noStrike">
+                        <a:solidFill>
+                          <a:srgbClr val="000000"/>
+                        </a:solidFill>
+                        <a:effectLst/>
+                        <a:latin typeface="Calibri" panose="020F0502020204030204" pitchFamily="34" charset="0"/>
+                      </a:endParaRPr>
+                    </a:p>
+                  </a:txBody>
+                  <a:tcPr marL="7188" marR="7188" marT="7188" marB="0" anchor="b"/>
+                </a:tc>
+                <a:tc>
+                  <a:txBody>
+                    <a:bodyPr/>
+                    <a:lstStyle/>
+                    <a:p>
+                      <a:pPr algn="r" fontAlgn="b"/>
+                      <a:r>
+                        <a:rPr lang="en-US" sz="1200" u="none" strike="noStrike">
+                          <a:effectLst/>
+                        </a:rPr>
+                        <a:t>119%</a:t>
+                      </a:r>
+                      <a:endParaRPr lang="en-US" sz="1200" b="0" i="0" u="none" strike="noStrike">
+                        <a:solidFill>
+                          <a:srgbClr val="000000"/>
+                        </a:solidFill>
+                        <a:effectLst/>
+                        <a:latin typeface="Calibri" panose="020F0502020204030204" pitchFamily="34" charset="0"/>
+                      </a:endParaRPr>
+                    </a:p>
+                  </a:txBody>
+                  <a:tcPr marL="7188" marR="7188" marT="7188" marB="0" anchor="b"/>
+                </a:tc>
+                <a:tc>
+                  <a:txBody>
+                    <a:bodyPr/>
+                    <a:lstStyle/>
+                    <a:p>
+                      <a:pPr algn="r" fontAlgn="b"/>
+                      <a:r>
+                        <a:rPr lang="en-US" sz="1200" u="none" strike="noStrike">
+                          <a:effectLst/>
+                        </a:rPr>
+                        <a:t>107%</a:t>
+                      </a:r>
+                      <a:endParaRPr lang="en-US" sz="1200" b="0" i="0" u="none" strike="noStrike">
+                        <a:solidFill>
+                          <a:srgbClr val="000000"/>
+                        </a:solidFill>
+                        <a:effectLst/>
+                        <a:latin typeface="Calibri" panose="020F0502020204030204" pitchFamily="34" charset="0"/>
+                      </a:endParaRPr>
+                    </a:p>
+                  </a:txBody>
+                  <a:tcPr marL="7188" marR="7188" marT="7188" marB="0" anchor="b"/>
+                </a:tc>
+                <a:tc>
+                  <a:txBody>
+                    <a:bodyPr/>
+                    <a:lstStyle/>
+                    <a:p>
+                      <a:pPr algn="r" fontAlgn="b"/>
+                      <a:r>
+                        <a:rPr lang="en-US" sz="1200" u="none" strike="noStrike">
+                          <a:effectLst/>
+                        </a:rPr>
+                        <a:t>97%</a:t>
+                      </a:r>
+                      <a:endParaRPr lang="en-US" sz="1200" b="0" i="0" u="none" strike="noStrike">
+                        <a:solidFill>
+                          <a:srgbClr val="000000"/>
+                        </a:solidFill>
+                        <a:effectLst/>
+                        <a:latin typeface="Calibri" panose="020F0502020204030204" pitchFamily="34" charset="0"/>
+                      </a:endParaRPr>
+                    </a:p>
+                  </a:txBody>
+                  <a:tcPr marL="7188" marR="7188" marT="7188" marB="0" anchor="b"/>
+                </a:tc>
+                <a:tc>
+                  <a:txBody>
+                    <a:bodyPr/>
+                    <a:lstStyle/>
+                    <a:p>
+                      <a:pPr algn="r" fontAlgn="b"/>
+                      <a:r>
+                        <a:rPr lang="en-US" sz="1200" u="none" strike="noStrike" dirty="0">
                           <a:effectLst/>
                         </a:rPr>
                         <a:t>102%</a:t>
                       </a:r>
-                      <a:endParaRPr lang="en-US" sz="1200" b="0" i="0" u="none" strike="noStrike">
-                        <a:solidFill>
-                          <a:srgbClr val="000000"/>
-                        </a:solidFill>
-                        <a:effectLst/>
-                        <a:latin typeface="Calibri" panose="020F0502020204030204" pitchFamily="34" charset="0"/>
-                      </a:endParaRPr>
-                    </a:p>
-                  </a:txBody>
-                  <a:tcPr marL="7188" marR="7188" marT="7188" marB="0" anchor="b"/>
-                </a:tc>
-                <a:tc>
-                  <a:txBody>
-                    <a:bodyPr/>
-                    <a:lstStyle/>
-                    <a:p>
-                      <a:pPr algn="r" fontAlgn="b"/>
-                      <a:r>
-                        <a:rPr lang="en-US" sz="1200" u="none" strike="noStrike" dirty="0">
-                          <a:effectLst/>
-                        </a:rPr>
-                        <a:t>97%</a:t>
-                      </a:r>
                       <a:endParaRPr lang="en-US" sz="1200" b="0" i="0" u="none" strike="noStrike" dirty="0">
-                        <a:solidFill>
-                          <a:srgbClr val="000000"/>
-                        </a:solidFill>
-                        <a:effectLst/>
-                        <a:latin typeface="Calibri" panose="020F0502020204030204" pitchFamily="34" charset="0"/>
-                      </a:endParaRPr>
-                    </a:p>
-                  </a:txBody>
-                  <a:tcPr marL="7188" marR="7188" marT="7188" marB="0" anchor="b"/>
-                </a:tc>
-                <a:tc>
-                  <a:txBody>
-                    <a:bodyPr/>
-                    <a:lstStyle/>
-                    <a:p>
-                      <a:pPr algn="r" fontAlgn="b"/>
-                      <a:r>
-                        <a:rPr lang="en-US" sz="1200" u="none" strike="noStrike">
-                          <a:effectLst/>
-                        </a:rPr>
-                        <a:t>102%</a:t>
-                      </a:r>
-                      <a:endParaRPr lang="en-US" sz="1200" b="0" i="0" u="none" strike="noStrike">
                         <a:solidFill>
                           <a:srgbClr val="000000"/>
                         </a:solidFill>
@@ -9964,11 +12106,11 @@
                 </a:tc>
                 <a:extLst>
                   <a:ext uri="{0D108BD9-81ED-4DB2-BD59-A6C34878D82A}">
-                    <a16:rowId xmlns:a16="http://schemas.microsoft.com/office/drawing/2014/main" val="100647046"/>
+                    <a16:rowId xmlns:a16="http://schemas.microsoft.com/office/drawing/2014/main" val="1186654656"/>
                   </a:ext>
                 </a:extLst>
               </a:tr>
-              <a:tr h="185945">
+              <a:tr h="168414">
                 <a:tc>
                   <a:txBody>
                     <a:bodyPr/>
@@ -10002,76 +12144,99 @@
                         <a:rPr lang="en-US" sz="1200" u="none" strike="noStrike">
                           <a:effectLst/>
                         </a:rPr>
-                        <a:t>106%</a:t>
-                      </a:r>
-                      <a:endParaRPr lang="en-US" sz="1200" b="0" i="0" u="none" strike="noStrike">
-                        <a:solidFill>
-                          <a:srgbClr val="000000"/>
-                        </a:solidFill>
-                        <a:effectLst/>
-                        <a:latin typeface="Calibri" panose="020F0502020204030204" pitchFamily="34" charset="0"/>
-                      </a:endParaRPr>
-                    </a:p>
-                  </a:txBody>
-                  <a:tcPr marL="7188" marR="7188" marT="7188" marB="0" anchor="b"/>
-                </a:tc>
-                <a:tc>
-                  <a:txBody>
-                    <a:bodyPr/>
-                    <a:lstStyle/>
-                    <a:p>
-                      <a:pPr algn="r" fontAlgn="b"/>
-                      <a:r>
-                        <a:rPr lang="en-US" sz="1200" u="none" strike="noStrike">
-                          <a:effectLst/>
-                        </a:rPr>
-                        <a:t>92%</a:t>
-                      </a:r>
-                      <a:endParaRPr lang="en-US" sz="1200" b="0" i="0" u="none" strike="noStrike">
-                        <a:solidFill>
-                          <a:srgbClr val="000000"/>
-                        </a:solidFill>
-                        <a:effectLst/>
-                        <a:latin typeface="Calibri" panose="020F0502020204030204" pitchFamily="34" charset="0"/>
-                      </a:endParaRPr>
-                    </a:p>
-                  </a:txBody>
-                  <a:tcPr marL="7188" marR="7188" marT="7188" marB="0" anchor="b"/>
-                </a:tc>
-                <a:tc>
-                  <a:txBody>
-                    <a:bodyPr/>
-                    <a:lstStyle/>
-                    <a:p>
-                      <a:pPr algn="r" fontAlgn="b"/>
-                      <a:r>
-                        <a:rPr lang="en-US" sz="1200" u="none" strike="noStrike">
-                          <a:effectLst/>
-                        </a:rPr>
-                        <a:t>115%</a:t>
-                      </a:r>
-                      <a:endParaRPr lang="en-US" sz="1200" b="0" i="0" u="none" strike="noStrike">
-                        <a:solidFill>
-                          <a:srgbClr val="000000"/>
-                        </a:solidFill>
-                        <a:effectLst/>
-                        <a:latin typeface="Calibri" panose="020F0502020204030204" pitchFamily="34" charset="0"/>
-                      </a:endParaRPr>
-                    </a:p>
-                  </a:txBody>
-                  <a:tcPr marL="7188" marR="7188" marT="7188" marB="0" anchor="b"/>
-                </a:tc>
-                <a:tc>
-                  <a:txBody>
-                    <a:bodyPr/>
-                    <a:lstStyle/>
-                    <a:p>
-                      <a:pPr algn="r" fontAlgn="b"/>
-                      <a:r>
-                        <a:rPr lang="en-US" sz="1200" u="none" strike="noStrike">
-                          <a:effectLst/>
-                        </a:rPr>
-                        <a:t>98%</a:t>
+                        <a:t>79%</a:t>
+                      </a:r>
+                      <a:endParaRPr lang="en-US" sz="1200" b="0" i="0" u="none" strike="noStrike">
+                        <a:solidFill>
+                          <a:srgbClr val="000000"/>
+                        </a:solidFill>
+                        <a:effectLst/>
+                        <a:latin typeface="Calibri" panose="020F0502020204030204" pitchFamily="34" charset="0"/>
+                      </a:endParaRPr>
+                    </a:p>
+                  </a:txBody>
+                  <a:tcPr marL="7188" marR="7188" marT="7188" marB="0" anchor="b"/>
+                </a:tc>
+                <a:tc>
+                  <a:txBody>
+                    <a:bodyPr/>
+                    <a:lstStyle/>
+                    <a:p>
+                      <a:pPr algn="r" fontAlgn="b"/>
+                      <a:r>
+                        <a:rPr lang="en-US" sz="1200" u="none" strike="noStrike">
+                          <a:effectLst/>
+                        </a:rPr>
+                        <a:t>52%</a:t>
+                      </a:r>
+                      <a:endParaRPr lang="en-US" sz="1200" b="0" i="0" u="none" strike="noStrike">
+                        <a:solidFill>
+                          <a:srgbClr val="000000"/>
+                        </a:solidFill>
+                        <a:effectLst/>
+                        <a:latin typeface="Calibri" panose="020F0502020204030204" pitchFamily="34" charset="0"/>
+                      </a:endParaRPr>
+                    </a:p>
+                  </a:txBody>
+                  <a:tcPr marL="7188" marR="7188" marT="7188" marB="0" anchor="b"/>
+                </a:tc>
+                <a:tc>
+                  <a:txBody>
+                    <a:bodyPr/>
+                    <a:lstStyle/>
+                    <a:p>
+                      <a:pPr algn="r" fontAlgn="b"/>
+                      <a:r>
+                        <a:rPr lang="en-US" sz="1200" u="none" strike="noStrike">
+                          <a:effectLst/>
+                        </a:rPr>
+                        <a:t>121%</a:t>
+                      </a:r>
+                      <a:endParaRPr lang="en-US" sz="1200" b="0" i="0" u="none" strike="noStrike">
+                        <a:solidFill>
+                          <a:srgbClr val="000000"/>
+                        </a:solidFill>
+                        <a:effectLst/>
+                        <a:latin typeface="Calibri" panose="020F0502020204030204" pitchFamily="34" charset="0"/>
+                      </a:endParaRPr>
+                    </a:p>
+                  </a:txBody>
+                  <a:tcPr marL="7188" marR="7188" marT="7188" marB="0" anchor="b"/>
+                </a:tc>
+                <a:tc>
+                  <a:txBody>
+                    <a:bodyPr/>
+                    <a:lstStyle/>
+                    <a:p>
+                      <a:pPr algn="r" fontAlgn="b"/>
+                      <a:r>
+                        <a:rPr lang="en-US" sz="1200" u="none" strike="noStrike">
+                          <a:effectLst/>
+                        </a:rPr>
+                        <a:t>103%</a:t>
+                      </a:r>
+                      <a:endParaRPr lang="en-US" sz="1200" b="0" i="0" u="none" strike="noStrike">
+                        <a:solidFill>
+                          <a:srgbClr val="000000"/>
+                        </a:solidFill>
+                        <a:effectLst/>
+                        <a:latin typeface="Calibri" panose="020F0502020204030204" pitchFamily="34" charset="0"/>
+                      </a:endParaRPr>
+                    </a:p>
+                  </a:txBody>
+                  <a:tcPr marL="7188" marR="7188" marT="7188" marB="0" anchor="b"/>
+                </a:tc>
+                <a:tc>
+                  <a:txBody>
+                    <a:bodyPr/>
+                    <a:lstStyle/>
+                    <a:p>
+                      <a:pPr algn="r" fontAlgn="b"/>
+                      <a:r>
+                        <a:rPr lang="en-US" sz="1200" u="none" strike="noStrike">
+                          <a:effectLst/>
+                        </a:rPr>
+                        <a:t>101%</a:t>
                       </a:r>
                       <a:endParaRPr lang="en-US" sz="1200" b="0" i="0" u="none" strike="noStrike">
                         <a:solidFill>
@@ -10097,29 +12262,6 @@
                         <a:t>101%</a:t>
                       </a:r>
                       <a:endParaRPr lang="en-US" sz="1200" b="0" i="0" u="none" strike="noStrike" dirty="0">
-                        <a:solidFill>
-                          <a:srgbClr val="000000"/>
-                        </a:solidFill>
-                        <a:effectLst/>
-                        <a:latin typeface="Calibri" panose="020F0502020204030204" pitchFamily="34" charset="0"/>
-                      </a:endParaRPr>
-                    </a:p>
-                  </a:txBody>
-                  <a:tcPr marL="7188" marR="7188" marT="7188" marB="0" anchor="b"/>
-                </a:tc>
-                <a:tc>
-                  <a:txBody>
-                    <a:bodyPr/>
-                    <a:lstStyle/>
-                    <a:p>
-                      <a:pPr algn="r" fontAlgn="b"/>
-                      <a:r>
-                        <a:rPr lang="en-US" sz="1200" u="none" strike="noStrike">
-                          <a:effectLst/>
-                        </a:rPr>
-                        <a:t>101%</a:t>
-                      </a:r>
-                      <a:endParaRPr lang="en-US" sz="1200" b="0" i="0" u="none" strike="noStrike">
                         <a:solidFill>
                           <a:srgbClr val="000000"/>
                         </a:solidFill>
@@ -10178,11 +12320,11 @@
                 </a:tc>
                 <a:extLst>
                   <a:ext uri="{0D108BD9-81ED-4DB2-BD59-A6C34878D82A}">
-                    <a16:rowId xmlns:a16="http://schemas.microsoft.com/office/drawing/2014/main" val="4284901469"/>
+                    <a16:rowId xmlns:a16="http://schemas.microsoft.com/office/drawing/2014/main" val="906791755"/>
                   </a:ext>
                 </a:extLst>
               </a:tr>
-              <a:tr h="185945">
+              <a:tr h="168414">
                 <a:tc>
                   <a:txBody>
                     <a:bodyPr/>
@@ -10216,76 +12358,76 @@
                         <a:rPr lang="en-US" sz="1200" u="none" strike="noStrike">
                           <a:effectLst/>
                         </a:rPr>
-                        <a:t>108%</a:t>
-                      </a:r>
-                      <a:endParaRPr lang="en-US" sz="1200" b="0" i="0" u="none" strike="noStrike">
-                        <a:solidFill>
-                          <a:srgbClr val="000000"/>
-                        </a:solidFill>
-                        <a:effectLst/>
-                        <a:latin typeface="Calibri" panose="020F0502020204030204" pitchFamily="34" charset="0"/>
-                      </a:endParaRPr>
-                    </a:p>
-                  </a:txBody>
-                  <a:tcPr marL="7188" marR="7188" marT="7188" marB="0" anchor="b"/>
-                </a:tc>
-                <a:tc>
-                  <a:txBody>
-                    <a:bodyPr/>
-                    <a:lstStyle/>
-                    <a:p>
-                      <a:pPr algn="r" fontAlgn="b"/>
-                      <a:r>
-                        <a:rPr lang="en-US" sz="1200" u="none" strike="noStrike">
-                          <a:effectLst/>
-                        </a:rPr>
-                        <a:t>101%</a:t>
-                      </a:r>
-                      <a:endParaRPr lang="en-US" sz="1200" b="0" i="0" u="none" strike="noStrike">
-                        <a:solidFill>
-                          <a:srgbClr val="000000"/>
-                        </a:solidFill>
-                        <a:effectLst/>
-                        <a:latin typeface="Calibri" panose="020F0502020204030204" pitchFamily="34" charset="0"/>
-                      </a:endParaRPr>
-                    </a:p>
-                  </a:txBody>
-                  <a:tcPr marL="7188" marR="7188" marT="7188" marB="0" anchor="b"/>
-                </a:tc>
-                <a:tc>
-                  <a:txBody>
-                    <a:bodyPr/>
-                    <a:lstStyle/>
-                    <a:p>
-                      <a:pPr algn="r" fontAlgn="b"/>
-                      <a:r>
-                        <a:rPr lang="en-US" sz="1200" u="none" strike="noStrike">
-                          <a:effectLst/>
-                        </a:rPr>
-                        <a:t>104%</a:t>
-                      </a:r>
-                      <a:endParaRPr lang="en-US" sz="1200" b="0" i="0" u="none" strike="noStrike">
-                        <a:solidFill>
-                          <a:srgbClr val="000000"/>
-                        </a:solidFill>
-                        <a:effectLst/>
-                        <a:latin typeface="Calibri" panose="020F0502020204030204" pitchFamily="34" charset="0"/>
-                      </a:endParaRPr>
-                    </a:p>
-                  </a:txBody>
-                  <a:tcPr marL="7188" marR="7188" marT="7188" marB="0" anchor="b"/>
-                </a:tc>
-                <a:tc>
-                  <a:txBody>
-                    <a:bodyPr/>
-                    <a:lstStyle/>
-                    <a:p>
-                      <a:pPr algn="r" fontAlgn="b"/>
-                      <a:r>
-                        <a:rPr lang="en-US" sz="1200" u="none" strike="noStrike">
-                          <a:effectLst/>
-                        </a:rPr>
-                        <a:t>97%</a:t>
+                        <a:t>81%</a:t>
+                      </a:r>
+                      <a:endParaRPr lang="en-US" sz="1200" b="0" i="0" u="none" strike="noStrike">
+                        <a:solidFill>
+                          <a:srgbClr val="000000"/>
+                        </a:solidFill>
+                        <a:effectLst/>
+                        <a:latin typeface="Calibri" panose="020F0502020204030204" pitchFamily="34" charset="0"/>
+                      </a:endParaRPr>
+                    </a:p>
+                  </a:txBody>
+                  <a:tcPr marL="7188" marR="7188" marT="7188" marB="0" anchor="b"/>
+                </a:tc>
+                <a:tc>
+                  <a:txBody>
+                    <a:bodyPr/>
+                    <a:lstStyle/>
+                    <a:p>
+                      <a:pPr algn="r" fontAlgn="b"/>
+                      <a:r>
+                        <a:rPr lang="en-US" sz="1200" u="none" strike="noStrike">
+                          <a:effectLst/>
+                        </a:rPr>
+                        <a:t>53%</a:t>
+                      </a:r>
+                      <a:endParaRPr lang="en-US" sz="1200" b="0" i="0" u="none" strike="noStrike">
+                        <a:solidFill>
+                          <a:srgbClr val="000000"/>
+                        </a:solidFill>
+                        <a:effectLst/>
+                        <a:latin typeface="Calibri" panose="020F0502020204030204" pitchFamily="34" charset="0"/>
+                      </a:endParaRPr>
+                    </a:p>
+                  </a:txBody>
+                  <a:tcPr marL="7188" marR="7188" marT="7188" marB="0" anchor="b"/>
+                </a:tc>
+                <a:tc>
+                  <a:txBody>
+                    <a:bodyPr/>
+                    <a:lstStyle/>
+                    <a:p>
+                      <a:pPr algn="r" fontAlgn="b"/>
+                      <a:r>
+                        <a:rPr lang="en-US" sz="1200" u="none" strike="noStrike">
+                          <a:effectLst/>
+                        </a:rPr>
+                        <a:t>109%</a:t>
+                      </a:r>
+                      <a:endParaRPr lang="en-US" sz="1200" b="0" i="0" u="none" strike="noStrike">
+                        <a:solidFill>
+                          <a:srgbClr val="000000"/>
+                        </a:solidFill>
+                        <a:effectLst/>
+                        <a:latin typeface="Calibri" panose="020F0502020204030204" pitchFamily="34" charset="0"/>
+                      </a:endParaRPr>
+                    </a:p>
+                  </a:txBody>
+                  <a:tcPr marL="7188" marR="7188" marT="7188" marB="0" anchor="b"/>
+                </a:tc>
+                <a:tc>
+                  <a:txBody>
+                    <a:bodyPr/>
+                    <a:lstStyle/>
+                    <a:p>
+                      <a:pPr algn="r" fontAlgn="b"/>
+                      <a:r>
+                        <a:rPr lang="en-US" sz="1200" u="none" strike="noStrike">
+                          <a:effectLst/>
+                        </a:rPr>
+                        <a:t>102%</a:t>
                       </a:r>
                       <a:endParaRPr lang="en-US" sz="1200" b="0" i="0" u="none" strike="noStrike">
                         <a:solidFill>
@@ -10328,12 +12470,12 @@
                     <a:p>
                       <a:pPr algn="r" fontAlgn="b"/>
                       <a:r>
-                        <a:rPr lang="en-US" sz="1200" u="none" strike="noStrike">
+                        <a:rPr lang="en-US" sz="1200" u="none" strike="noStrike" dirty="0">
                           <a:effectLst/>
                         </a:rPr>
                         <a:t>99%</a:t>
                       </a:r>
-                      <a:endParaRPr lang="en-US" sz="1200" b="0" i="0" u="none" strike="noStrike">
+                      <a:endParaRPr lang="en-US" sz="1200" b="0" i="0" u="none" strike="noStrike" dirty="0">
                         <a:solidFill>
                           <a:srgbClr val="000000"/>
                         </a:solidFill>
@@ -10392,11 +12534,11 @@
                 </a:tc>
                 <a:extLst>
                   <a:ext uri="{0D108BD9-81ED-4DB2-BD59-A6C34878D82A}">
-                    <a16:rowId xmlns:a16="http://schemas.microsoft.com/office/drawing/2014/main" val="3336789388"/>
+                    <a16:rowId xmlns:a16="http://schemas.microsoft.com/office/drawing/2014/main" val="1768882517"/>
                   </a:ext>
                 </a:extLst>
               </a:tr>
-              <a:tr h="185945">
+              <a:tr h="168414">
                 <a:tc>
                   <a:txBody>
                     <a:bodyPr/>
@@ -10430,6 +12572,75 @@
                         <a:rPr lang="en-US" sz="1200" u="none" strike="noStrike">
                           <a:effectLst/>
                         </a:rPr>
+                        <a:t>77%</a:t>
+                      </a:r>
+                      <a:endParaRPr lang="en-US" sz="1200" b="0" i="0" u="none" strike="noStrike">
+                        <a:solidFill>
+                          <a:srgbClr val="000000"/>
+                        </a:solidFill>
+                        <a:effectLst/>
+                        <a:latin typeface="Calibri" panose="020F0502020204030204" pitchFamily="34" charset="0"/>
+                      </a:endParaRPr>
+                    </a:p>
+                  </a:txBody>
+                  <a:tcPr marL="7188" marR="7188" marT="7188" marB="0" anchor="b"/>
+                </a:tc>
+                <a:tc>
+                  <a:txBody>
+                    <a:bodyPr/>
+                    <a:lstStyle/>
+                    <a:p>
+                      <a:pPr algn="r" fontAlgn="b"/>
+                      <a:r>
+                        <a:rPr lang="en-US" sz="1200" u="none" strike="noStrike">
+                          <a:effectLst/>
+                        </a:rPr>
+                        <a:t>51%</a:t>
+                      </a:r>
+                      <a:endParaRPr lang="en-US" sz="1200" b="0" i="0" u="none" strike="noStrike">
+                        <a:solidFill>
+                          <a:srgbClr val="000000"/>
+                        </a:solidFill>
+                        <a:effectLst/>
+                        <a:latin typeface="Calibri" panose="020F0502020204030204" pitchFamily="34" charset="0"/>
+                      </a:endParaRPr>
+                    </a:p>
+                  </a:txBody>
+                  <a:tcPr marL="7188" marR="7188" marT="7188" marB="0" anchor="b"/>
+                </a:tc>
+                <a:tc>
+                  <a:txBody>
+                    <a:bodyPr/>
+                    <a:lstStyle/>
+                    <a:p>
+                      <a:pPr algn="r" fontAlgn="b"/>
+                      <a:r>
+                        <a:rPr lang="en-US" sz="1200" u="none" strike="noStrike">
+                          <a:effectLst/>
+                        </a:rPr>
+                        <a:t>105%</a:t>
+                      </a:r>
+                      <a:endParaRPr lang="en-US" sz="1200" b="0" i="0" u="none" strike="noStrike">
+                        <a:solidFill>
+                          <a:srgbClr val="000000"/>
+                        </a:solidFill>
+                        <a:effectLst/>
+                        <a:latin typeface="Calibri" panose="020F0502020204030204" pitchFamily="34" charset="0"/>
+                      </a:endParaRPr>
+                    </a:p>
+                  </a:txBody>
+                  <a:tcPr marL="7188" marR="7188" marT="7188" marB="0" anchor="b"/>
+                </a:tc>
+                <a:tc>
+                  <a:txBody>
+                    <a:bodyPr/>
+                    <a:lstStyle/>
+                    <a:p>
+                      <a:pPr algn="r" fontAlgn="b"/>
+                      <a:r>
+                        <a:rPr lang="en-US" sz="1200" u="none" strike="noStrike">
+                          <a:effectLst/>
+                        </a:rPr>
                         <a:t>103%</a:t>
                       </a:r>
                       <a:endParaRPr lang="en-US" sz="1200" b="0" i="0" u="none" strike="noStrike">
@@ -10453,29 +12664,6 @@
                         <a:rPr lang="en-US" sz="1200" u="none" strike="noStrike">
                           <a:effectLst/>
                         </a:rPr>
-                        <a:t>98%</a:t>
-                      </a:r>
-                      <a:endParaRPr lang="en-US" sz="1200" b="0" i="0" u="none" strike="noStrike">
-                        <a:solidFill>
-                          <a:srgbClr val="000000"/>
-                        </a:solidFill>
-                        <a:effectLst/>
-                        <a:latin typeface="Calibri" panose="020F0502020204030204" pitchFamily="34" charset="0"/>
-                      </a:endParaRPr>
-                    </a:p>
-                  </a:txBody>
-                  <a:tcPr marL="7188" marR="7188" marT="7188" marB="0" anchor="b"/>
-                </a:tc>
-                <a:tc>
-                  <a:txBody>
-                    <a:bodyPr/>
-                    <a:lstStyle/>
-                    <a:p>
-                      <a:pPr algn="r" fontAlgn="b"/>
-                      <a:r>
-                        <a:rPr lang="en-US" sz="1200" u="none" strike="noStrike">
-                          <a:effectLst/>
-                        </a:rPr>
                         <a:t>100%</a:t>
                       </a:r>
                       <a:endParaRPr lang="en-US" sz="1200" b="0" i="0" u="none" strike="noStrike">
@@ -10499,7 +12687,7 @@
                         <a:rPr lang="en-US" sz="1200" u="none" strike="noStrike">
                           <a:effectLst/>
                         </a:rPr>
-                        <a:t>98%</a:t>
+                        <a:t>100%</a:t>
                       </a:r>
                       <a:endParaRPr lang="en-US" sz="1200" b="0" i="0" u="none" strike="noStrike">
                         <a:solidFill>
@@ -10525,52 +12713,6 @@
                         <a:t>100%</a:t>
                       </a:r>
                       <a:endParaRPr lang="en-US" sz="1200" b="0" i="0" u="none" strike="noStrike" dirty="0">
-                        <a:solidFill>
-                          <a:srgbClr val="000000"/>
-                        </a:solidFill>
-                        <a:effectLst/>
-                        <a:latin typeface="Calibri" panose="020F0502020204030204" pitchFamily="34" charset="0"/>
-                      </a:endParaRPr>
-                    </a:p>
-                  </a:txBody>
-                  <a:tcPr marL="7188" marR="7188" marT="7188" marB="0" anchor="b"/>
-                </a:tc>
-                <a:tc>
-                  <a:txBody>
-                    <a:bodyPr/>
-                    <a:lstStyle/>
-                    <a:p>
-                      <a:pPr algn="r" fontAlgn="b"/>
-                      <a:r>
-                        <a:rPr lang="en-US" sz="1200" u="none" strike="noStrike">
-                          <a:effectLst/>
-                        </a:rPr>
-                        <a:t>100%</a:t>
-                      </a:r>
-                      <a:endParaRPr lang="en-US" sz="1200" b="0" i="0" u="none" strike="noStrike">
-                        <a:solidFill>
-                          <a:srgbClr val="000000"/>
-                        </a:solidFill>
-                        <a:effectLst/>
-                        <a:latin typeface="Calibri" panose="020F0502020204030204" pitchFamily="34" charset="0"/>
-                      </a:endParaRPr>
-                    </a:p>
-                  </a:txBody>
-                  <a:tcPr marL="7188" marR="7188" marT="7188" marB="0" anchor="b"/>
-                </a:tc>
-                <a:tc>
-                  <a:txBody>
-                    <a:bodyPr/>
-                    <a:lstStyle/>
-                    <a:p>
-                      <a:pPr algn="r" fontAlgn="b"/>
-                      <a:r>
-                        <a:rPr lang="en-US" sz="1200" u="none" strike="noStrike">
-                          <a:effectLst/>
-                        </a:rPr>
-                        <a:t>100%</a:t>
-                      </a:r>
-                      <a:endParaRPr lang="en-US" sz="1200" b="0" i="0" u="none" strike="noStrike">
                         <a:solidFill>
                           <a:srgbClr val="000000"/>
                         </a:solidFill>
@@ -10606,11 +12748,11 @@
                 </a:tc>
                 <a:extLst>
                   <a:ext uri="{0D108BD9-81ED-4DB2-BD59-A6C34878D82A}">
-                    <a16:rowId xmlns:a16="http://schemas.microsoft.com/office/drawing/2014/main" val="2941863742"/>
+                    <a16:rowId xmlns:a16="http://schemas.microsoft.com/office/drawing/2014/main" val="2489211326"/>
                   </a:ext>
                 </a:extLst>
               </a:tr>
-              <a:tr h="185945">
+              <a:tr h="168414">
                 <a:tc>
                   <a:txBody>
                     <a:bodyPr/>
@@ -10644,76 +12786,76 @@
                         <a:rPr lang="en-US" sz="1200" u="none" strike="noStrike">
                           <a:effectLst/>
                         </a:rPr>
-                        <a:t>110%</a:t>
-                      </a:r>
-                      <a:endParaRPr lang="en-US" sz="1200" b="0" i="0" u="none" strike="noStrike">
-                        <a:solidFill>
-                          <a:srgbClr val="000000"/>
-                        </a:solidFill>
-                        <a:effectLst/>
-                        <a:latin typeface="Calibri" panose="020F0502020204030204" pitchFamily="34" charset="0"/>
-                      </a:endParaRPr>
-                    </a:p>
-                  </a:txBody>
-                  <a:tcPr marL="7188" marR="7188" marT="7188" marB="0" anchor="b"/>
-                </a:tc>
-                <a:tc>
-                  <a:txBody>
-                    <a:bodyPr/>
-                    <a:lstStyle/>
-                    <a:p>
-                      <a:pPr algn="r" fontAlgn="b"/>
-                      <a:r>
-                        <a:rPr lang="en-US" sz="1200" u="none" strike="noStrike">
-                          <a:effectLst/>
-                        </a:rPr>
-                        <a:t>98%</a:t>
-                      </a:r>
-                      <a:endParaRPr lang="en-US" sz="1200" b="0" i="0" u="none" strike="noStrike">
-                        <a:solidFill>
-                          <a:srgbClr val="000000"/>
-                        </a:solidFill>
-                        <a:effectLst/>
-                        <a:latin typeface="Calibri" panose="020F0502020204030204" pitchFamily="34" charset="0"/>
-                      </a:endParaRPr>
-                    </a:p>
-                  </a:txBody>
-                  <a:tcPr marL="7188" marR="7188" marT="7188" marB="0" anchor="b"/>
-                </a:tc>
-                <a:tc>
-                  <a:txBody>
-                    <a:bodyPr/>
-                    <a:lstStyle/>
-                    <a:p>
-                      <a:pPr algn="r" fontAlgn="b"/>
-                      <a:r>
-                        <a:rPr lang="en-US" sz="1200" u="none" strike="noStrike">
-                          <a:effectLst/>
-                        </a:rPr>
-                        <a:t>114%</a:t>
-                      </a:r>
-                      <a:endParaRPr lang="en-US" sz="1200" b="0" i="0" u="none" strike="noStrike">
-                        <a:solidFill>
-                          <a:srgbClr val="000000"/>
-                        </a:solidFill>
-                        <a:effectLst/>
-                        <a:latin typeface="Calibri" panose="020F0502020204030204" pitchFamily="34" charset="0"/>
-                      </a:endParaRPr>
-                    </a:p>
-                  </a:txBody>
-                  <a:tcPr marL="7188" marR="7188" marT="7188" marB="0" anchor="b"/>
-                </a:tc>
-                <a:tc>
-                  <a:txBody>
-                    <a:bodyPr/>
-                    <a:lstStyle/>
-                    <a:p>
-                      <a:pPr algn="r" fontAlgn="b"/>
-                      <a:r>
-                        <a:rPr lang="en-US" sz="1200" u="none" strike="noStrike">
-                          <a:effectLst/>
-                        </a:rPr>
-                        <a:t>107%</a:t>
+                        <a:t>83%</a:t>
+                      </a:r>
+                      <a:endParaRPr lang="en-US" sz="1200" b="0" i="0" u="none" strike="noStrike">
+                        <a:solidFill>
+                          <a:srgbClr val="000000"/>
+                        </a:solidFill>
+                        <a:effectLst/>
+                        <a:latin typeface="Calibri" panose="020F0502020204030204" pitchFamily="34" charset="0"/>
+                      </a:endParaRPr>
+                    </a:p>
+                  </a:txBody>
+                  <a:tcPr marL="7188" marR="7188" marT="7188" marB="0" anchor="b"/>
+                </a:tc>
+                <a:tc>
+                  <a:txBody>
+                    <a:bodyPr/>
+                    <a:lstStyle/>
+                    <a:p>
+                      <a:pPr algn="r" fontAlgn="b"/>
+                      <a:r>
+                        <a:rPr lang="en-US" sz="1200" u="none" strike="noStrike">
+                          <a:effectLst/>
+                        </a:rPr>
+                        <a:t>54%</a:t>
+                      </a:r>
+                      <a:endParaRPr lang="en-US" sz="1200" b="0" i="0" u="none" strike="noStrike">
+                        <a:solidFill>
+                          <a:srgbClr val="000000"/>
+                        </a:solidFill>
+                        <a:effectLst/>
+                        <a:latin typeface="Calibri" panose="020F0502020204030204" pitchFamily="34" charset="0"/>
+                      </a:endParaRPr>
+                    </a:p>
+                  </a:txBody>
+                  <a:tcPr marL="7188" marR="7188" marT="7188" marB="0" anchor="b"/>
+                </a:tc>
+                <a:tc>
+                  <a:txBody>
+                    <a:bodyPr/>
+                    <a:lstStyle/>
+                    <a:p>
+                      <a:pPr algn="r" fontAlgn="b"/>
+                      <a:r>
+                        <a:rPr lang="en-US" sz="1200" u="none" strike="noStrike">
+                          <a:effectLst/>
+                        </a:rPr>
+                        <a:t>120%</a:t>
+                      </a:r>
+                      <a:endParaRPr lang="en-US" sz="1200" b="0" i="0" u="none" strike="noStrike">
+                        <a:solidFill>
+                          <a:srgbClr val="000000"/>
+                        </a:solidFill>
+                        <a:effectLst/>
+                        <a:latin typeface="Calibri" panose="020F0502020204030204" pitchFamily="34" charset="0"/>
+                      </a:endParaRPr>
+                    </a:p>
+                  </a:txBody>
+                  <a:tcPr marL="7188" marR="7188" marT="7188" marB="0" anchor="b"/>
+                </a:tc>
+                <a:tc>
+                  <a:txBody>
+                    <a:bodyPr/>
+                    <a:lstStyle/>
+                    <a:p>
+                      <a:pPr algn="r" fontAlgn="b"/>
+                      <a:r>
+                        <a:rPr lang="en-US" sz="1200" u="none" strike="noStrike">
+                          <a:effectLst/>
+                        </a:rPr>
+                        <a:t>112%</a:t>
                       </a:r>
                       <a:endParaRPr lang="en-US" sz="1200" b="0" i="0" u="none" strike="noStrike">
                         <a:solidFill>
@@ -10756,35 +12898,35 @@
                     <a:p>
                       <a:pPr algn="r" fontAlgn="b"/>
                       <a:r>
+                        <a:rPr lang="en-US" sz="1200" u="none" strike="noStrike">
+                          <a:effectLst/>
+                        </a:rPr>
+                        <a:t>100%</a:t>
+                      </a:r>
+                      <a:endParaRPr lang="en-US" sz="1200" b="0" i="0" u="none" strike="noStrike">
+                        <a:solidFill>
+                          <a:srgbClr val="000000"/>
+                        </a:solidFill>
+                        <a:effectLst/>
+                        <a:latin typeface="Calibri" panose="020F0502020204030204" pitchFamily="34" charset="0"/>
+                      </a:endParaRPr>
+                    </a:p>
+                  </a:txBody>
+                  <a:tcPr marL="7188" marR="7188" marT="7188" marB="0" anchor="b"/>
+                </a:tc>
+                <a:tc>
+                  <a:txBody>
+                    <a:bodyPr/>
+                    <a:lstStyle/>
+                    <a:p>
+                      <a:pPr algn="r" fontAlgn="b"/>
+                      <a:r>
                         <a:rPr lang="en-US" sz="1200" u="none" strike="noStrike" dirty="0">
                           <a:effectLst/>
                         </a:rPr>
                         <a:t>100%</a:t>
                       </a:r>
                       <a:endParaRPr lang="en-US" sz="1200" b="0" i="0" u="none" strike="noStrike" dirty="0">
-                        <a:solidFill>
-                          <a:srgbClr val="000000"/>
-                        </a:solidFill>
-                        <a:effectLst/>
-                        <a:latin typeface="Calibri" panose="020F0502020204030204" pitchFamily="34" charset="0"/>
-                      </a:endParaRPr>
-                    </a:p>
-                  </a:txBody>
-                  <a:tcPr marL="7188" marR="7188" marT="7188" marB="0" anchor="b"/>
-                </a:tc>
-                <a:tc>
-                  <a:txBody>
-                    <a:bodyPr/>
-                    <a:lstStyle/>
-                    <a:p>
-                      <a:pPr algn="r" fontAlgn="b"/>
-                      <a:r>
-                        <a:rPr lang="en-US" sz="1200" u="none" strike="noStrike">
-                          <a:effectLst/>
-                        </a:rPr>
-                        <a:t>100%</a:t>
-                      </a:r>
-                      <a:endParaRPr lang="en-US" sz="1200" b="0" i="0" u="none" strike="noStrike">
                         <a:solidFill>
                           <a:srgbClr val="000000"/>
                         </a:solidFill>
@@ -10820,11 +12962,11 @@
                 </a:tc>
                 <a:extLst>
                   <a:ext uri="{0D108BD9-81ED-4DB2-BD59-A6C34878D82A}">
-                    <a16:rowId xmlns:a16="http://schemas.microsoft.com/office/drawing/2014/main" val="2244385661"/>
+                    <a16:rowId xmlns:a16="http://schemas.microsoft.com/office/drawing/2014/main" val="2704417255"/>
                   </a:ext>
                 </a:extLst>
               </a:tr>
-              <a:tr h="185945">
+              <a:tr h="168414">
                 <a:tc>
                   <a:txBody>
                     <a:bodyPr/>
@@ -10858,76 +13000,76 @@
                         <a:rPr lang="en-US" sz="1200" u="none" strike="noStrike">
                           <a:effectLst/>
                         </a:rPr>
-                        <a:t>114%</a:t>
-                      </a:r>
-                      <a:endParaRPr lang="en-US" sz="1200" b="0" i="0" u="none" strike="noStrike">
-                        <a:solidFill>
-                          <a:srgbClr val="000000"/>
-                        </a:solidFill>
-                        <a:effectLst/>
-                        <a:latin typeface="Calibri" panose="020F0502020204030204" pitchFamily="34" charset="0"/>
-                      </a:endParaRPr>
-                    </a:p>
-                  </a:txBody>
-                  <a:tcPr marL="7188" marR="7188" marT="7188" marB="0" anchor="b"/>
-                </a:tc>
-                <a:tc>
-                  <a:txBody>
-                    <a:bodyPr/>
-                    <a:lstStyle/>
-                    <a:p>
-                      <a:pPr algn="r" fontAlgn="b"/>
-                      <a:r>
-                        <a:rPr lang="en-US" sz="1200" u="none" strike="noStrike">
-                          <a:effectLst/>
-                        </a:rPr>
-                        <a:t>91%</a:t>
-                      </a:r>
-                      <a:endParaRPr lang="en-US" sz="1200" b="0" i="0" u="none" strike="noStrike">
-                        <a:solidFill>
-                          <a:srgbClr val="000000"/>
-                        </a:solidFill>
-                        <a:effectLst/>
-                        <a:latin typeface="Calibri" panose="020F0502020204030204" pitchFamily="34" charset="0"/>
-                      </a:endParaRPr>
-                    </a:p>
-                  </a:txBody>
-                  <a:tcPr marL="7188" marR="7188" marT="7188" marB="0" anchor="b"/>
-                </a:tc>
-                <a:tc>
-                  <a:txBody>
-                    <a:bodyPr/>
-                    <a:lstStyle/>
-                    <a:p>
-                      <a:pPr algn="r" fontAlgn="b"/>
-                      <a:r>
-                        <a:rPr lang="en-US" sz="1200" u="none" strike="noStrike">
-                          <a:effectLst/>
-                        </a:rPr>
-                        <a:t>105%</a:t>
-                      </a:r>
-                      <a:endParaRPr lang="en-US" sz="1200" b="0" i="0" u="none" strike="noStrike">
-                        <a:solidFill>
-                          <a:srgbClr val="000000"/>
-                        </a:solidFill>
-                        <a:effectLst/>
-                        <a:latin typeface="Calibri" panose="020F0502020204030204" pitchFamily="34" charset="0"/>
-                      </a:endParaRPr>
-                    </a:p>
-                  </a:txBody>
-                  <a:tcPr marL="7188" marR="7188" marT="7188" marB="0" anchor="b"/>
-                </a:tc>
-                <a:tc>
-                  <a:txBody>
-                    <a:bodyPr/>
-                    <a:lstStyle/>
-                    <a:p>
-                      <a:pPr algn="r" fontAlgn="b"/>
-                      <a:r>
-                        <a:rPr lang="en-US" sz="1200" u="none" strike="noStrike">
-                          <a:effectLst/>
-                        </a:rPr>
-                        <a:t>101%</a:t>
+                        <a:t>85%</a:t>
+                      </a:r>
+                      <a:endParaRPr lang="en-US" sz="1200" b="0" i="0" u="none" strike="noStrike">
+                        <a:solidFill>
+                          <a:srgbClr val="000000"/>
+                        </a:solidFill>
+                        <a:effectLst/>
+                        <a:latin typeface="Calibri" panose="020F0502020204030204" pitchFamily="34" charset="0"/>
+                      </a:endParaRPr>
+                    </a:p>
+                  </a:txBody>
+                  <a:tcPr marL="7188" marR="7188" marT="7188" marB="0" anchor="b"/>
+                </a:tc>
+                <a:tc>
+                  <a:txBody>
+                    <a:bodyPr/>
+                    <a:lstStyle/>
+                    <a:p>
+                      <a:pPr algn="r" fontAlgn="b"/>
+                      <a:r>
+                        <a:rPr lang="en-US" sz="1200" u="none" strike="noStrike">
+                          <a:effectLst/>
+                        </a:rPr>
+                        <a:t>56%</a:t>
+                      </a:r>
+                      <a:endParaRPr lang="en-US" sz="1200" b="0" i="0" u="none" strike="noStrike">
+                        <a:solidFill>
+                          <a:srgbClr val="000000"/>
+                        </a:solidFill>
+                        <a:effectLst/>
+                        <a:latin typeface="Calibri" panose="020F0502020204030204" pitchFamily="34" charset="0"/>
+                      </a:endParaRPr>
+                    </a:p>
+                  </a:txBody>
+                  <a:tcPr marL="7188" marR="7188" marT="7188" marB="0" anchor="b"/>
+                </a:tc>
+                <a:tc>
+                  <a:txBody>
+                    <a:bodyPr/>
+                    <a:lstStyle/>
+                    <a:p>
+                      <a:pPr algn="r" fontAlgn="b"/>
+                      <a:r>
+                        <a:rPr lang="en-US" sz="1200" u="none" strike="noStrike">
+                          <a:effectLst/>
+                        </a:rPr>
+                        <a:t>110%</a:t>
+                      </a:r>
+                      <a:endParaRPr lang="en-US" sz="1200" b="0" i="0" u="none" strike="noStrike">
+                        <a:solidFill>
+                          <a:srgbClr val="000000"/>
+                        </a:solidFill>
+                        <a:effectLst/>
+                        <a:latin typeface="Calibri" panose="020F0502020204030204" pitchFamily="34" charset="0"/>
+                      </a:endParaRPr>
+                    </a:p>
+                  </a:txBody>
+                  <a:tcPr marL="7188" marR="7188" marT="7188" marB="0" anchor="b"/>
+                </a:tc>
+                <a:tc>
+                  <a:txBody>
+                    <a:bodyPr/>
+                    <a:lstStyle/>
+                    <a:p>
+                      <a:pPr algn="r" fontAlgn="b"/>
+                      <a:r>
+                        <a:rPr lang="en-US" sz="1200" u="none" strike="noStrike">
+                          <a:effectLst/>
+                        </a:rPr>
+                        <a:t>106%</a:t>
                       </a:r>
                       <a:endParaRPr lang="en-US" sz="1200" b="0" i="0" u="none" strike="noStrike">
                         <a:solidFill>
@@ -10993,12 +13135,12 @@
                     <a:p>
                       <a:pPr algn="r" fontAlgn="b"/>
                       <a:r>
-                        <a:rPr lang="en-US" sz="1200" u="none" strike="noStrike">
+                        <a:rPr lang="en-US" sz="1200" u="none" strike="noStrike" dirty="0">
                           <a:effectLst/>
                         </a:rPr>
                         <a:t>100%</a:t>
                       </a:r>
-                      <a:endParaRPr lang="en-US" sz="1200" b="0" i="0" u="none" strike="noStrike">
+                      <a:endParaRPr lang="en-US" sz="1200" b="0" i="0" u="none" strike="noStrike" dirty="0">
                         <a:solidFill>
                           <a:srgbClr val="000000"/>
                         </a:solidFill>
@@ -11034,11 +13176,11 @@
                 </a:tc>
                 <a:extLst>
                   <a:ext uri="{0D108BD9-81ED-4DB2-BD59-A6C34878D82A}">
-                    <a16:rowId xmlns:a16="http://schemas.microsoft.com/office/drawing/2014/main" val="3897733975"/>
+                    <a16:rowId xmlns:a16="http://schemas.microsoft.com/office/drawing/2014/main" val="2477916339"/>
                   </a:ext>
                 </a:extLst>
               </a:tr>
-              <a:tr h="185945">
+              <a:tr h="168414">
                 <a:tc>
                   <a:txBody>
                     <a:bodyPr/>
@@ -11072,76 +13214,76 @@
                         <a:rPr lang="en-US" sz="1200" u="none" strike="noStrike">
                           <a:effectLst/>
                         </a:rPr>
-                        <a:t>103%</a:t>
-                      </a:r>
-                      <a:endParaRPr lang="en-US" sz="1200" b="0" i="0" u="none" strike="noStrike">
-                        <a:solidFill>
-                          <a:srgbClr val="000000"/>
-                        </a:solidFill>
-                        <a:effectLst/>
-                        <a:latin typeface="Calibri" panose="020F0502020204030204" pitchFamily="34" charset="0"/>
-                      </a:endParaRPr>
-                    </a:p>
-                  </a:txBody>
-                  <a:tcPr marL="7188" marR="7188" marT="7188" marB="0" anchor="b"/>
-                </a:tc>
-                <a:tc>
-                  <a:txBody>
-                    <a:bodyPr/>
-                    <a:lstStyle/>
-                    <a:p>
-                      <a:pPr algn="r" fontAlgn="b"/>
-                      <a:r>
-                        <a:rPr lang="en-US" sz="1200" u="none" strike="noStrike">
-                          <a:effectLst/>
-                        </a:rPr>
-                        <a:t>103%</a:t>
-                      </a:r>
-                      <a:endParaRPr lang="en-US" sz="1200" b="0" i="0" u="none" strike="noStrike">
-                        <a:solidFill>
-                          <a:srgbClr val="000000"/>
-                        </a:solidFill>
-                        <a:effectLst/>
-                        <a:latin typeface="Calibri" panose="020F0502020204030204" pitchFamily="34" charset="0"/>
-                      </a:endParaRPr>
-                    </a:p>
-                  </a:txBody>
-                  <a:tcPr marL="7188" marR="7188" marT="7188" marB="0" anchor="b"/>
-                </a:tc>
-                <a:tc>
-                  <a:txBody>
-                    <a:bodyPr/>
-                    <a:lstStyle/>
-                    <a:p>
-                      <a:pPr algn="r" fontAlgn="b"/>
-                      <a:r>
-                        <a:rPr lang="en-US" sz="1200" u="none" strike="noStrike">
-                          <a:effectLst/>
-                        </a:rPr>
-                        <a:t>108%</a:t>
-                      </a:r>
-                      <a:endParaRPr lang="en-US" sz="1200" b="0" i="0" u="none" strike="noStrike">
-                        <a:solidFill>
-                          <a:srgbClr val="000000"/>
-                        </a:solidFill>
-                        <a:effectLst/>
-                        <a:latin typeface="Calibri" panose="020F0502020204030204" pitchFamily="34" charset="0"/>
-                      </a:endParaRPr>
-                    </a:p>
-                  </a:txBody>
-                  <a:tcPr marL="7188" marR="7188" marT="7188" marB="0" anchor="b"/>
-                </a:tc>
-                <a:tc>
-                  <a:txBody>
-                    <a:bodyPr/>
-                    <a:lstStyle/>
-                    <a:p>
-                      <a:pPr algn="r" fontAlgn="b"/>
-                      <a:r>
-                        <a:rPr lang="en-US" sz="1200" u="none" strike="noStrike">
-                          <a:effectLst/>
-                        </a:rPr>
-                        <a:t>95%</a:t>
+                        <a:t>77%</a:t>
+                      </a:r>
+                      <a:endParaRPr lang="en-US" sz="1200" b="0" i="0" u="none" strike="noStrike">
+                        <a:solidFill>
+                          <a:srgbClr val="000000"/>
+                        </a:solidFill>
+                        <a:effectLst/>
+                        <a:latin typeface="Calibri" panose="020F0502020204030204" pitchFamily="34" charset="0"/>
+                      </a:endParaRPr>
+                    </a:p>
+                  </a:txBody>
+                  <a:tcPr marL="7188" marR="7188" marT="7188" marB="0" anchor="b"/>
+                </a:tc>
+                <a:tc>
+                  <a:txBody>
+                    <a:bodyPr/>
+                    <a:lstStyle/>
+                    <a:p>
+                      <a:pPr algn="r" fontAlgn="b"/>
+                      <a:r>
+                        <a:rPr lang="en-US" sz="1200" u="none" strike="noStrike">
+                          <a:effectLst/>
+                        </a:rPr>
+                        <a:t>51%</a:t>
+                      </a:r>
+                      <a:endParaRPr lang="en-US" sz="1200" b="0" i="0" u="none" strike="noStrike">
+                        <a:solidFill>
+                          <a:srgbClr val="000000"/>
+                        </a:solidFill>
+                        <a:effectLst/>
+                        <a:latin typeface="Calibri" panose="020F0502020204030204" pitchFamily="34" charset="0"/>
+                      </a:endParaRPr>
+                    </a:p>
+                  </a:txBody>
+                  <a:tcPr marL="7188" marR="7188" marT="7188" marB="0" anchor="b"/>
+                </a:tc>
+                <a:tc>
+                  <a:txBody>
+                    <a:bodyPr/>
+                    <a:lstStyle/>
+                    <a:p>
+                      <a:pPr algn="r" fontAlgn="b"/>
+                      <a:r>
+                        <a:rPr lang="en-US" sz="1200" u="none" strike="noStrike">
+                          <a:effectLst/>
+                        </a:rPr>
+                        <a:t>114%</a:t>
+                      </a:r>
+                      <a:endParaRPr lang="en-US" sz="1200" b="0" i="0" u="none" strike="noStrike">
+                        <a:solidFill>
+                          <a:srgbClr val="000000"/>
+                        </a:solidFill>
+                        <a:effectLst/>
+                        <a:latin typeface="Calibri" panose="020F0502020204030204" pitchFamily="34" charset="0"/>
+                      </a:endParaRPr>
+                    </a:p>
+                  </a:txBody>
+                  <a:tcPr marL="7188" marR="7188" marT="7188" marB="0" anchor="b"/>
+                </a:tc>
+                <a:tc>
+                  <a:txBody>
+                    <a:bodyPr/>
+                    <a:lstStyle/>
+                    <a:p>
+                      <a:pPr algn="r" fontAlgn="b"/>
+                      <a:r>
+                        <a:rPr lang="en-US" sz="1200" u="none" strike="noStrike">
+                          <a:effectLst/>
+                        </a:rPr>
+                        <a:t>99%</a:t>
                       </a:r>
                       <a:endParaRPr lang="en-US" sz="1200" b="0" i="0" u="none" strike="noStrike">
                         <a:solidFill>
@@ -11207,12 +13349,12 @@
                     <a:p>
                       <a:pPr algn="r" fontAlgn="b"/>
                       <a:r>
-                        <a:rPr lang="en-US" sz="1200" u="none" strike="noStrike">
+                        <a:rPr lang="en-US" sz="1200" u="none" strike="noStrike" dirty="0">
                           <a:effectLst/>
                         </a:rPr>
                         <a:t>100%</a:t>
                       </a:r>
-                      <a:endParaRPr lang="en-US" sz="1200" b="0" i="0" u="none" strike="noStrike">
+                      <a:endParaRPr lang="en-US" sz="1200" b="0" i="0" u="none" strike="noStrike" dirty="0">
                         <a:solidFill>
                           <a:srgbClr val="000000"/>
                         </a:solidFill>
@@ -11248,11 +13390,11 @@
                 </a:tc>
                 <a:extLst>
                   <a:ext uri="{0D108BD9-81ED-4DB2-BD59-A6C34878D82A}">
-                    <a16:rowId xmlns:a16="http://schemas.microsoft.com/office/drawing/2014/main" val="3631843656"/>
+                    <a16:rowId xmlns:a16="http://schemas.microsoft.com/office/drawing/2014/main" val="168540335"/>
                   </a:ext>
                 </a:extLst>
               </a:tr>
-              <a:tr h="185945">
+              <a:tr h="168414">
                 <a:tc>
                   <a:txBody>
                     <a:bodyPr/>
@@ -11286,30 +13428,53 @@
                         <a:rPr lang="en-US" sz="1200" u="none" strike="noStrike">
                           <a:effectLst/>
                         </a:rPr>
-                        <a:t>114%</a:t>
-                      </a:r>
-                      <a:endParaRPr lang="en-US" sz="1200" b="0" i="0" u="none" strike="noStrike">
-                        <a:solidFill>
-                          <a:srgbClr val="000000"/>
-                        </a:solidFill>
-                        <a:effectLst/>
-                        <a:latin typeface="Calibri" panose="020F0502020204030204" pitchFamily="34" charset="0"/>
-                      </a:endParaRPr>
-                    </a:p>
-                  </a:txBody>
-                  <a:tcPr marL="7188" marR="7188" marT="7188" marB="0" anchor="b"/>
-                </a:tc>
-                <a:tc>
-                  <a:txBody>
-                    <a:bodyPr/>
-                    <a:lstStyle/>
-                    <a:p>
-                      <a:pPr algn="r" fontAlgn="b"/>
-                      <a:r>
-                        <a:rPr lang="en-US" sz="1200" u="none" strike="noStrike">
-                          <a:effectLst/>
-                        </a:rPr>
-                        <a:t>99%</a:t>
+                        <a:t>86%</a:t>
+                      </a:r>
+                      <a:endParaRPr lang="en-US" sz="1200" b="0" i="0" u="none" strike="noStrike">
+                        <a:solidFill>
+                          <a:srgbClr val="000000"/>
+                        </a:solidFill>
+                        <a:effectLst/>
+                        <a:latin typeface="Calibri" panose="020F0502020204030204" pitchFamily="34" charset="0"/>
+                      </a:endParaRPr>
+                    </a:p>
+                  </a:txBody>
+                  <a:tcPr marL="7188" marR="7188" marT="7188" marB="0" anchor="b"/>
+                </a:tc>
+                <a:tc>
+                  <a:txBody>
+                    <a:bodyPr/>
+                    <a:lstStyle/>
+                    <a:p>
+                      <a:pPr algn="r" fontAlgn="b"/>
+                      <a:r>
+                        <a:rPr lang="en-US" sz="1200" u="none" strike="noStrike">
+                          <a:effectLst/>
+                        </a:rPr>
+                        <a:t>56%</a:t>
+                      </a:r>
+                      <a:endParaRPr lang="en-US" sz="1200" b="0" i="0" u="none" strike="noStrike">
+                        <a:solidFill>
+                          <a:srgbClr val="000000"/>
+                        </a:solidFill>
+                        <a:effectLst/>
+                        <a:latin typeface="Calibri" panose="020F0502020204030204" pitchFamily="34" charset="0"/>
+                      </a:endParaRPr>
+                    </a:p>
+                  </a:txBody>
+                  <a:tcPr marL="7188" marR="7188" marT="7188" marB="0" anchor="b"/>
+                </a:tc>
+                <a:tc>
+                  <a:txBody>
+                    <a:bodyPr/>
+                    <a:lstStyle/>
+                    <a:p>
+                      <a:pPr algn="r" fontAlgn="b"/>
+                      <a:r>
+                        <a:rPr lang="en-US" sz="1200" u="none" strike="noStrike">
+                          <a:effectLst/>
+                        </a:rPr>
+                        <a:t>111%</a:t>
                       </a:r>
                       <a:endParaRPr lang="en-US" sz="1200" b="0" i="0" u="none" strike="noStrike">
                         <a:solidFill>
@@ -11355,6 +13520,29 @@
                         <a:rPr lang="en-US" sz="1200" u="none" strike="noStrike">
                           <a:effectLst/>
                         </a:rPr>
+                        <a:t>105%</a:t>
+                      </a:r>
+                      <a:endParaRPr lang="en-US" sz="1200" b="0" i="0" u="none" strike="noStrike">
+                        <a:solidFill>
+                          <a:srgbClr val="000000"/>
+                        </a:solidFill>
+                        <a:effectLst/>
+                        <a:latin typeface="Calibri" panose="020F0502020204030204" pitchFamily="34" charset="0"/>
+                      </a:endParaRPr>
+                    </a:p>
+                  </a:txBody>
+                  <a:tcPr marL="7188" marR="7188" marT="7188" marB="0" anchor="b"/>
+                </a:tc>
+                <a:tc>
+                  <a:txBody>
+                    <a:bodyPr/>
+                    <a:lstStyle/>
+                    <a:p>
+                      <a:pPr algn="r" fontAlgn="b"/>
+                      <a:r>
+                        <a:rPr lang="en-US" sz="1200" u="none" strike="noStrike">
+                          <a:effectLst/>
+                        </a:rPr>
                         <a:t>101%</a:t>
                       </a:r>
                       <a:endParaRPr lang="en-US" sz="1200" b="0" i="0" u="none" strike="noStrike">
@@ -11375,33 +13563,10 @@
                     <a:p>
                       <a:pPr algn="r" fontAlgn="b"/>
                       <a:r>
-                        <a:rPr lang="en-US" sz="1200" u="none" strike="noStrike">
-                          <a:effectLst/>
-                        </a:rPr>
-                        <a:t>105%</a:t>
-                      </a:r>
-                      <a:endParaRPr lang="en-US" sz="1200" b="0" i="0" u="none" strike="noStrike">
-                        <a:solidFill>
-                          <a:srgbClr val="000000"/>
-                        </a:solidFill>
-                        <a:effectLst/>
-                        <a:latin typeface="Calibri" panose="020F0502020204030204" pitchFamily="34" charset="0"/>
-                      </a:endParaRPr>
-                    </a:p>
-                  </a:txBody>
-                  <a:tcPr marL="7188" marR="7188" marT="7188" marB="0" anchor="b"/>
-                </a:tc>
-                <a:tc>
-                  <a:txBody>
-                    <a:bodyPr/>
-                    <a:lstStyle/>
-                    <a:p>
-                      <a:pPr algn="r" fontAlgn="b"/>
-                      <a:r>
                         <a:rPr lang="en-US" sz="1200" u="none" strike="noStrike" dirty="0">
                           <a:effectLst/>
                         </a:rPr>
-                        <a:t>101%</a:t>
+                        <a:t>100%</a:t>
                       </a:r>
                       <a:endParaRPr lang="en-US" sz="1200" b="0" i="0" u="none" strike="noStrike" dirty="0">
                         <a:solidFill>
@@ -11421,35 +13586,12 @@
                     <a:p>
                       <a:pPr algn="r" fontAlgn="b"/>
                       <a:r>
-                        <a:rPr lang="en-US" sz="1200" u="none" strike="noStrike">
+                        <a:rPr lang="en-US" sz="1200" u="none" strike="noStrike" dirty="0">
                           <a:effectLst/>
                         </a:rPr>
                         <a:t>100%</a:t>
                       </a:r>
-                      <a:endParaRPr lang="en-US" sz="1200" b="0" i="0" u="none" strike="noStrike">
-                        <a:solidFill>
-                          <a:srgbClr val="000000"/>
-                        </a:solidFill>
-                        <a:effectLst/>
-                        <a:latin typeface="Calibri" panose="020F0502020204030204" pitchFamily="34" charset="0"/>
-                      </a:endParaRPr>
-                    </a:p>
-                  </a:txBody>
-                  <a:tcPr marL="7188" marR="7188" marT="7188" marB="0" anchor="b"/>
-                </a:tc>
-                <a:tc>
-                  <a:txBody>
-                    <a:bodyPr/>
-                    <a:lstStyle/>
-                    <a:p>
-                      <a:pPr algn="r" fontAlgn="b"/>
-                      <a:r>
-                        <a:rPr lang="en-US" sz="1200" u="none" strike="noStrike">
-                          <a:effectLst/>
-                        </a:rPr>
-                        <a:t>100%</a:t>
-                      </a:r>
-                      <a:endParaRPr lang="en-US" sz="1200" b="0" i="0" u="none" strike="noStrike">
+                      <a:endParaRPr lang="en-US" sz="1200" b="0" i="0" u="none" strike="noStrike" dirty="0">
                         <a:solidFill>
                           <a:srgbClr val="000000"/>
                         </a:solidFill>
@@ -11462,11 +13604,11 @@
                 </a:tc>
                 <a:extLst>
                   <a:ext uri="{0D108BD9-81ED-4DB2-BD59-A6C34878D82A}">
-                    <a16:rowId xmlns:a16="http://schemas.microsoft.com/office/drawing/2014/main" val="1922014773"/>
+                    <a16:rowId xmlns:a16="http://schemas.microsoft.com/office/drawing/2014/main" val="2394816647"/>
                   </a:ext>
                 </a:extLst>
               </a:tr>
-              <a:tr h="185945">
+              <a:tr h="168414">
                 <a:tc>
                   <a:txBody>
                     <a:bodyPr/>
@@ -11500,6 +13642,98 @@
                         <a:rPr lang="en-US" sz="1200" u="none" strike="noStrike">
                           <a:effectLst/>
                         </a:rPr>
+                        <a:t>76%</a:t>
+                      </a:r>
+                      <a:endParaRPr lang="en-US" sz="1200" b="0" i="0" u="none" strike="noStrike">
+                        <a:solidFill>
+                          <a:srgbClr val="000000"/>
+                        </a:solidFill>
+                        <a:effectLst/>
+                        <a:latin typeface="Calibri" panose="020F0502020204030204" pitchFamily="34" charset="0"/>
+                      </a:endParaRPr>
+                    </a:p>
+                  </a:txBody>
+                  <a:tcPr marL="7188" marR="7188" marT="7188" marB="0" anchor="b"/>
+                </a:tc>
+                <a:tc>
+                  <a:txBody>
+                    <a:bodyPr/>
+                    <a:lstStyle/>
+                    <a:p>
+                      <a:pPr algn="r" fontAlgn="b"/>
+                      <a:r>
+                        <a:rPr lang="en-US" sz="1200" u="none" strike="noStrike">
+                          <a:effectLst/>
+                        </a:rPr>
+                        <a:t>50%</a:t>
+                      </a:r>
+                      <a:endParaRPr lang="en-US" sz="1200" b="0" i="0" u="none" strike="noStrike">
+                        <a:solidFill>
+                          <a:srgbClr val="000000"/>
+                        </a:solidFill>
+                        <a:effectLst/>
+                        <a:latin typeface="Calibri" panose="020F0502020204030204" pitchFamily="34" charset="0"/>
+                      </a:endParaRPr>
+                    </a:p>
+                  </a:txBody>
+                  <a:tcPr marL="7188" marR="7188" marT="7188" marB="0" anchor="b"/>
+                </a:tc>
+                <a:tc>
+                  <a:txBody>
+                    <a:bodyPr/>
+                    <a:lstStyle/>
+                    <a:p>
+                      <a:pPr algn="r" fontAlgn="b"/>
+                      <a:r>
+                        <a:rPr lang="en-US" sz="1200" u="none" strike="noStrike">
+                          <a:effectLst/>
+                        </a:rPr>
+                        <a:t>110%</a:t>
+                      </a:r>
+                      <a:endParaRPr lang="en-US" sz="1200" b="0" i="0" u="none" strike="noStrike">
+                        <a:solidFill>
+                          <a:srgbClr val="000000"/>
+                        </a:solidFill>
+                        <a:effectLst/>
+                        <a:latin typeface="Calibri" panose="020F0502020204030204" pitchFamily="34" charset="0"/>
+                      </a:endParaRPr>
+                    </a:p>
+                  </a:txBody>
+                  <a:tcPr marL="7188" marR="7188" marT="7188" marB="0" anchor="b"/>
+                </a:tc>
+                <a:tc>
+                  <a:txBody>
+                    <a:bodyPr/>
+                    <a:lstStyle/>
+                    <a:p>
+                      <a:pPr algn="r" fontAlgn="b"/>
+                      <a:r>
+                        <a:rPr lang="en-US" sz="1200" u="none" strike="noStrike">
+                          <a:effectLst/>
+                        </a:rPr>
+                        <a:t>111%</a:t>
+                      </a:r>
+                      <a:endParaRPr lang="en-US" sz="1200" b="0" i="0" u="none" strike="noStrike">
+                        <a:solidFill>
+                          <a:srgbClr val="000000"/>
+                        </a:solidFill>
+                        <a:effectLst/>
+                        <a:latin typeface="Calibri" panose="020F0502020204030204" pitchFamily="34" charset="0"/>
+                      </a:endParaRPr>
+                    </a:p>
+                  </a:txBody>
+                  <a:tcPr marL="7188" marR="7188" marT="7188" marB="0" anchor="b"/>
+                </a:tc>
+                <a:tc>
+                  <a:txBody>
+                    <a:bodyPr/>
+                    <a:lstStyle/>
+                    <a:p>
+                      <a:pPr algn="r" fontAlgn="b"/>
+                      <a:r>
+                        <a:rPr lang="en-US" sz="1200" u="none" strike="noStrike">
+                          <a:effectLst/>
+                        </a:rPr>
                         <a:t>101%</a:t>
                       </a:r>
                       <a:endParaRPr lang="en-US" sz="1200" b="0" i="0" u="none" strike="noStrike">
@@ -11523,53 +13757,7 @@
                         <a:rPr lang="en-US" sz="1200" u="none" strike="noStrike">
                           <a:effectLst/>
                         </a:rPr>
-                        <a:t>95%</a:t>
-                      </a:r>
-                      <a:endParaRPr lang="en-US" sz="1200" b="0" i="0" u="none" strike="noStrike">
-                        <a:solidFill>
-                          <a:srgbClr val="000000"/>
-                        </a:solidFill>
-                        <a:effectLst/>
-                        <a:latin typeface="Calibri" panose="020F0502020204030204" pitchFamily="34" charset="0"/>
-                      </a:endParaRPr>
-                    </a:p>
-                  </a:txBody>
-                  <a:tcPr marL="7188" marR="7188" marT="7188" marB="0" anchor="b"/>
-                </a:tc>
-                <a:tc>
-                  <a:txBody>
-                    <a:bodyPr/>
-                    <a:lstStyle/>
-                    <a:p>
-                      <a:pPr algn="r" fontAlgn="b"/>
-                      <a:r>
-                        <a:rPr lang="en-US" sz="1200" u="none" strike="noStrike">
-                          <a:effectLst/>
-                        </a:rPr>
-                        <a:t>104%</a:t>
-                      </a:r>
-                      <a:endParaRPr lang="en-US" sz="1200" b="0" i="0" u="none" strike="noStrike">
-                        <a:solidFill>
-                          <a:srgbClr val="000000"/>
-                        </a:solidFill>
-                        <a:effectLst/>
-                        <a:latin typeface="Calibri" panose="020F0502020204030204" pitchFamily="34" charset="0"/>
-                      </a:endParaRPr>
-                    </a:p>
-                  </a:txBody>
-                  <a:tcPr marL="7188" marR="7188" marT="7188" marB="0" anchor="b"/>
-                </a:tc>
-                <a:tc>
-                  <a:txBody>
-                    <a:bodyPr/>
-                    <a:lstStyle/>
-                    <a:p>
-                      <a:pPr algn="r" fontAlgn="b"/>
-                      <a:r>
-                        <a:rPr lang="en-US" sz="1200" u="none" strike="noStrike">
-                          <a:effectLst/>
-                        </a:rPr>
-                        <a:t>106%</a:t>
+                        <a:t>99%</a:t>
                       </a:r>
                       <a:endParaRPr lang="en-US" sz="1200" b="0" i="0" u="none" strike="noStrike">
                         <a:solidFill>
@@ -11612,58 +13800,12 @@
                     <a:p>
                       <a:pPr algn="r" fontAlgn="b"/>
                       <a:r>
-                        <a:rPr lang="en-US" sz="1200" u="none" strike="noStrike">
-                          <a:effectLst/>
-                        </a:rPr>
-                        <a:t>99%</a:t>
-                      </a:r>
-                      <a:endParaRPr lang="en-US" sz="1200" b="0" i="0" u="none" strike="noStrike">
-                        <a:solidFill>
-                          <a:srgbClr val="000000"/>
-                        </a:solidFill>
-                        <a:effectLst/>
-                        <a:latin typeface="Calibri" panose="020F0502020204030204" pitchFamily="34" charset="0"/>
-                      </a:endParaRPr>
-                    </a:p>
-                  </a:txBody>
-                  <a:tcPr marL="7188" marR="7188" marT="7188" marB="0" anchor="b"/>
-                </a:tc>
-                <a:tc>
-                  <a:txBody>
-                    <a:bodyPr/>
-                    <a:lstStyle/>
-                    <a:p>
-                      <a:pPr algn="r" fontAlgn="b"/>
-                      <a:r>
                         <a:rPr lang="en-US" sz="1200" u="none" strike="noStrike" dirty="0">
                           <a:effectLst/>
                         </a:rPr>
-                        <a:t>101%</a:t>
+                        <a:t>100%</a:t>
                       </a:r>
                       <a:endParaRPr lang="en-US" sz="1200" b="0" i="0" u="none" strike="noStrike" dirty="0">
-                        <a:solidFill>
-                          <a:srgbClr val="000000"/>
-                        </a:solidFill>
-                        <a:effectLst/>
-                        <a:latin typeface="Calibri" panose="020F0502020204030204" pitchFamily="34" charset="0"/>
-                      </a:endParaRPr>
-                    </a:p>
-                  </a:txBody>
-                  <a:tcPr marL="7188" marR="7188" marT="7188" marB="0" anchor="b"/>
-                </a:tc>
-                <a:tc>
-                  <a:txBody>
-                    <a:bodyPr/>
-                    <a:lstStyle/>
-                    <a:p>
-                      <a:pPr algn="r" fontAlgn="b"/>
-                      <a:r>
-                        <a:rPr lang="en-US" sz="1200" u="none" strike="noStrike">
-                          <a:effectLst/>
-                        </a:rPr>
-                        <a:t>100%</a:t>
-                      </a:r>
-                      <a:endParaRPr lang="en-US" sz="1200" b="0" i="0" u="none" strike="noStrike">
                         <a:solidFill>
                           <a:srgbClr val="000000"/>
                         </a:solidFill>
@@ -11676,11 +13818,11 @@
                 </a:tc>
                 <a:extLst>
                   <a:ext uri="{0D108BD9-81ED-4DB2-BD59-A6C34878D82A}">
-                    <a16:rowId xmlns:a16="http://schemas.microsoft.com/office/drawing/2014/main" val="977718540"/>
+                    <a16:rowId xmlns:a16="http://schemas.microsoft.com/office/drawing/2014/main" val="695819968"/>
                   </a:ext>
                 </a:extLst>
               </a:tr>
-              <a:tr h="185945">
+              <a:tr h="168414">
                 <a:tc>
                   <a:txBody>
                     <a:bodyPr/>
@@ -11714,30 +13856,122 @@
                         <a:rPr lang="en-US" sz="1200" u="none" strike="noStrike">
                           <a:effectLst/>
                         </a:rPr>
-                        <a:t>109%</a:t>
-                      </a:r>
-                      <a:endParaRPr lang="en-US" sz="1200" b="0" i="0" u="none" strike="noStrike">
-                        <a:solidFill>
-                          <a:srgbClr val="000000"/>
-                        </a:solidFill>
-                        <a:effectLst/>
-                        <a:latin typeface="Calibri" panose="020F0502020204030204" pitchFamily="34" charset="0"/>
-                      </a:endParaRPr>
-                    </a:p>
-                  </a:txBody>
-                  <a:tcPr marL="7188" marR="7188" marT="7188" marB="0" anchor="b"/>
-                </a:tc>
-                <a:tc>
-                  <a:txBody>
-                    <a:bodyPr/>
-                    <a:lstStyle/>
-                    <a:p>
-                      <a:pPr algn="r" fontAlgn="b"/>
-                      <a:r>
-                        <a:rPr lang="en-US" sz="1200" u="none" strike="noStrike">
-                          <a:effectLst/>
-                        </a:rPr>
-                        <a:t>96%</a:t>
+                        <a:t>82%</a:t>
+                      </a:r>
+                      <a:endParaRPr lang="en-US" sz="1200" b="0" i="0" u="none" strike="noStrike">
+                        <a:solidFill>
+                          <a:srgbClr val="000000"/>
+                        </a:solidFill>
+                        <a:effectLst/>
+                        <a:latin typeface="Calibri" panose="020F0502020204030204" pitchFamily="34" charset="0"/>
+                      </a:endParaRPr>
+                    </a:p>
+                  </a:txBody>
+                  <a:tcPr marL="7188" marR="7188" marT="7188" marB="0" anchor="b"/>
+                </a:tc>
+                <a:tc>
+                  <a:txBody>
+                    <a:bodyPr/>
+                    <a:lstStyle/>
+                    <a:p>
+                      <a:pPr algn="r" fontAlgn="b"/>
+                      <a:r>
+                        <a:rPr lang="en-US" sz="1200" u="none" strike="noStrike">
+                          <a:effectLst/>
+                        </a:rPr>
+                        <a:t>54%</a:t>
+                      </a:r>
+                      <a:endParaRPr lang="en-US" sz="1200" b="0" i="0" u="none" strike="noStrike">
+                        <a:solidFill>
+                          <a:srgbClr val="000000"/>
+                        </a:solidFill>
+                        <a:effectLst/>
+                        <a:latin typeface="Calibri" panose="020F0502020204030204" pitchFamily="34" charset="0"/>
+                      </a:endParaRPr>
+                    </a:p>
+                  </a:txBody>
+                  <a:tcPr marL="7188" marR="7188" marT="7188" marB="0" anchor="b"/>
+                </a:tc>
+                <a:tc>
+                  <a:txBody>
+                    <a:bodyPr/>
+                    <a:lstStyle/>
+                    <a:p>
+                      <a:pPr algn="r" fontAlgn="b"/>
+                      <a:r>
+                        <a:rPr lang="en-US" sz="1200" u="none" strike="noStrike">
+                          <a:effectLst/>
+                        </a:rPr>
+                        <a:t>106%</a:t>
+                      </a:r>
+                      <a:endParaRPr lang="en-US" sz="1200" b="0" i="0" u="none" strike="noStrike">
+                        <a:solidFill>
+                          <a:srgbClr val="000000"/>
+                        </a:solidFill>
+                        <a:effectLst/>
+                        <a:latin typeface="Calibri" panose="020F0502020204030204" pitchFamily="34" charset="0"/>
+                      </a:endParaRPr>
+                    </a:p>
+                  </a:txBody>
+                  <a:tcPr marL="7188" marR="7188" marT="7188" marB="0" anchor="b"/>
+                </a:tc>
+                <a:tc>
+                  <a:txBody>
+                    <a:bodyPr/>
+                    <a:lstStyle/>
+                    <a:p>
+                      <a:pPr algn="r" fontAlgn="b"/>
+                      <a:r>
+                        <a:rPr lang="en-US" sz="1200" u="none" strike="noStrike">
+                          <a:effectLst/>
+                        </a:rPr>
+                        <a:t>98%</a:t>
+                      </a:r>
+                      <a:endParaRPr lang="en-US" sz="1200" b="0" i="0" u="none" strike="noStrike">
+                        <a:solidFill>
+                          <a:srgbClr val="000000"/>
+                        </a:solidFill>
+                        <a:effectLst/>
+                        <a:latin typeface="Calibri" panose="020F0502020204030204" pitchFamily="34" charset="0"/>
+                      </a:endParaRPr>
+                    </a:p>
+                  </a:txBody>
+                  <a:tcPr marL="7188" marR="7188" marT="7188" marB="0" anchor="b"/>
+                </a:tc>
+                <a:tc>
+                  <a:txBody>
+                    <a:bodyPr/>
+                    <a:lstStyle/>
+                    <a:p>
+                      <a:pPr algn="r" fontAlgn="b"/>
+                      <a:r>
+                        <a:rPr lang="en-US" sz="1200" u="none" strike="noStrike">
+                          <a:effectLst/>
+                        </a:rPr>
+                        <a:t>106%</a:t>
+                      </a:r>
+                      <a:endParaRPr lang="en-US" sz="1200" b="0" i="0" u="none" strike="noStrike">
+                        <a:solidFill>
+                          <a:srgbClr val="000000"/>
+                        </a:solidFill>
+                        <a:effectLst/>
+                        <a:latin typeface="Calibri" panose="020F0502020204030204" pitchFamily="34" charset="0"/>
+                      </a:endParaRPr>
+                    </a:p>
+                  </a:txBody>
+                  <a:tcPr marL="7188" marR="7188" marT="7188" marB="0" anchor="b"/>
+                </a:tc>
+                <a:tc>
+                  <a:txBody>
+                    <a:bodyPr/>
+                    <a:lstStyle/>
+                    <a:p>
+                      <a:pPr algn="r" fontAlgn="b"/>
+                      <a:r>
+                        <a:rPr lang="en-US" sz="1200" u="none" strike="noStrike">
+                          <a:effectLst/>
+                        </a:rPr>
+                        <a:t>99%</a:t>
                       </a:r>
                       <a:endParaRPr lang="en-US" sz="1200" b="0" i="0" u="none" strike="noStrike">
                         <a:solidFill>
@@ -11780,104 +14014,12 @@
                     <a:p>
                       <a:pPr algn="r" fontAlgn="b"/>
                       <a:r>
-                        <a:rPr lang="en-US" sz="1200" u="none" strike="noStrike">
-                          <a:effectLst/>
-                        </a:rPr>
-                        <a:t>93%</a:t>
-                      </a:r>
-                      <a:endParaRPr lang="en-US" sz="1200" b="0" i="0" u="none" strike="noStrike">
-                        <a:solidFill>
-                          <a:srgbClr val="000000"/>
-                        </a:solidFill>
-                        <a:effectLst/>
-                        <a:latin typeface="Calibri" panose="020F0502020204030204" pitchFamily="34" charset="0"/>
-                      </a:endParaRPr>
-                    </a:p>
-                  </a:txBody>
-                  <a:tcPr marL="7188" marR="7188" marT="7188" marB="0" anchor="b"/>
-                </a:tc>
-                <a:tc>
-                  <a:txBody>
-                    <a:bodyPr/>
-                    <a:lstStyle/>
-                    <a:p>
-                      <a:pPr algn="r" fontAlgn="b"/>
-                      <a:r>
-                        <a:rPr lang="en-US" sz="1200" u="none" strike="noStrike">
-                          <a:effectLst/>
-                        </a:rPr>
-                        <a:t>106%</a:t>
-                      </a:r>
-                      <a:endParaRPr lang="en-US" sz="1200" b="0" i="0" u="none" strike="noStrike">
-                        <a:solidFill>
-                          <a:srgbClr val="000000"/>
-                        </a:solidFill>
-                        <a:effectLst/>
-                        <a:latin typeface="Calibri" panose="020F0502020204030204" pitchFamily="34" charset="0"/>
-                      </a:endParaRPr>
-                    </a:p>
-                  </a:txBody>
-                  <a:tcPr marL="7188" marR="7188" marT="7188" marB="0" anchor="b"/>
-                </a:tc>
-                <a:tc>
-                  <a:txBody>
-                    <a:bodyPr/>
-                    <a:lstStyle/>
-                    <a:p>
-                      <a:pPr algn="r" fontAlgn="b"/>
-                      <a:r>
-                        <a:rPr lang="en-US" sz="1200" u="none" strike="noStrike">
-                          <a:effectLst/>
-                        </a:rPr>
-                        <a:t>99%</a:t>
-                      </a:r>
-                      <a:endParaRPr lang="en-US" sz="1200" b="0" i="0" u="none" strike="noStrike">
-                        <a:solidFill>
-                          <a:srgbClr val="000000"/>
-                        </a:solidFill>
-                        <a:effectLst/>
-                        <a:latin typeface="Calibri" panose="020F0502020204030204" pitchFamily="34" charset="0"/>
-                      </a:endParaRPr>
-                    </a:p>
-                  </a:txBody>
-                  <a:tcPr marL="7188" marR="7188" marT="7188" marB="0" anchor="b"/>
-                </a:tc>
-                <a:tc>
-                  <a:txBody>
-                    <a:bodyPr/>
-                    <a:lstStyle/>
-                    <a:p>
-                      <a:pPr algn="r" fontAlgn="b"/>
-                      <a:r>
                         <a:rPr lang="en-US" sz="1200" u="none" strike="noStrike" dirty="0">
                           <a:effectLst/>
                         </a:rPr>
-                        <a:t>101%</a:t>
+                        <a:t>100%</a:t>
                       </a:r>
                       <a:endParaRPr lang="en-US" sz="1200" b="0" i="0" u="none" strike="noStrike" dirty="0">
-                        <a:solidFill>
-                          <a:srgbClr val="000000"/>
-                        </a:solidFill>
-                        <a:effectLst/>
-                        <a:latin typeface="Calibri" panose="020F0502020204030204" pitchFamily="34" charset="0"/>
-                      </a:endParaRPr>
-                    </a:p>
-                  </a:txBody>
-                  <a:tcPr marL="7188" marR="7188" marT="7188" marB="0" anchor="b"/>
-                </a:tc>
-                <a:tc>
-                  <a:txBody>
-                    <a:bodyPr/>
-                    <a:lstStyle/>
-                    <a:p>
-                      <a:pPr algn="r" fontAlgn="b"/>
-                      <a:r>
-                        <a:rPr lang="en-US" sz="1200" u="none" strike="noStrike">
-                          <a:effectLst/>
-                        </a:rPr>
-                        <a:t>100%</a:t>
-                      </a:r>
-                      <a:endParaRPr lang="en-US" sz="1200" b="0" i="0" u="none" strike="noStrike">
                         <a:solidFill>
                           <a:srgbClr val="000000"/>
                         </a:solidFill>
@@ -11890,11 +14032,11 @@
                 </a:tc>
                 <a:extLst>
                   <a:ext uri="{0D108BD9-81ED-4DB2-BD59-A6C34878D82A}">
-                    <a16:rowId xmlns:a16="http://schemas.microsoft.com/office/drawing/2014/main" val="3731423757"/>
+                    <a16:rowId xmlns:a16="http://schemas.microsoft.com/office/drawing/2014/main" val="2602858532"/>
                   </a:ext>
                 </a:extLst>
               </a:tr>
-              <a:tr h="185945">
+              <a:tr h="168414">
                 <a:tc>
                   <a:txBody>
                     <a:bodyPr/>
@@ -11928,7 +14070,76 @@
                         <a:rPr lang="en-US" sz="1200" u="none" strike="noStrike">
                           <a:effectLst/>
                         </a:rPr>
-                        <a:t>110%</a:t>
+                        <a:t>82%</a:t>
+                      </a:r>
+                      <a:endParaRPr lang="en-US" sz="1200" b="0" i="0" u="none" strike="noStrike">
+                        <a:solidFill>
+                          <a:srgbClr val="000000"/>
+                        </a:solidFill>
+                        <a:effectLst/>
+                        <a:latin typeface="Calibri" panose="020F0502020204030204" pitchFamily="34" charset="0"/>
+                      </a:endParaRPr>
+                    </a:p>
+                  </a:txBody>
+                  <a:tcPr marL="7188" marR="7188" marT="7188" marB="0" anchor="b"/>
+                </a:tc>
+                <a:tc>
+                  <a:txBody>
+                    <a:bodyPr/>
+                    <a:lstStyle/>
+                    <a:p>
+                      <a:pPr algn="r" fontAlgn="b"/>
+                      <a:r>
+                        <a:rPr lang="en-US" sz="1200" u="none" strike="noStrike">
+                          <a:effectLst/>
+                        </a:rPr>
+                        <a:t>54%</a:t>
+                      </a:r>
+                      <a:endParaRPr lang="en-US" sz="1200" b="0" i="0" u="none" strike="noStrike">
+                        <a:solidFill>
+                          <a:srgbClr val="000000"/>
+                        </a:solidFill>
+                        <a:effectLst/>
+                        <a:latin typeface="Calibri" panose="020F0502020204030204" pitchFamily="34" charset="0"/>
+                      </a:endParaRPr>
+                    </a:p>
+                  </a:txBody>
+                  <a:tcPr marL="7188" marR="7188" marT="7188" marB="0" anchor="b"/>
+                </a:tc>
+                <a:tc>
+                  <a:txBody>
+                    <a:bodyPr/>
+                    <a:lstStyle/>
+                    <a:p>
+                      <a:pPr algn="r" fontAlgn="b"/>
+                      <a:r>
+                        <a:rPr lang="en-US" sz="1200" u="none" strike="noStrike">
+                          <a:effectLst/>
+                        </a:rPr>
+                        <a:t>112%</a:t>
+                      </a:r>
+                      <a:endParaRPr lang="en-US" sz="1200" b="0" i="0" u="none" strike="noStrike">
+                        <a:solidFill>
+                          <a:srgbClr val="000000"/>
+                        </a:solidFill>
+                        <a:effectLst/>
+                        <a:latin typeface="Calibri" panose="020F0502020204030204" pitchFamily="34" charset="0"/>
+                      </a:endParaRPr>
+                    </a:p>
+                  </a:txBody>
+                  <a:tcPr marL="7188" marR="7188" marT="7188" marB="0" anchor="b"/>
+                </a:tc>
+                <a:tc>
+                  <a:txBody>
+                    <a:bodyPr/>
+                    <a:lstStyle/>
+                    <a:p>
+                      <a:pPr algn="r" fontAlgn="b"/>
+                      <a:r>
+                        <a:rPr lang="en-US" sz="1200" u="none" strike="noStrike">
+                          <a:effectLst/>
+                        </a:rPr>
+                        <a:t>99%</a:t>
                       </a:r>
                       <a:endParaRPr lang="en-US" sz="1200" b="0" i="0" u="none" strike="noStrike">
                         <a:solidFill>
@@ -11974,75 +14185,6 @@
                         <a:rPr lang="en-US" sz="1200" u="none" strike="noStrike">
                           <a:effectLst/>
                         </a:rPr>
-                        <a:t>107%</a:t>
-                      </a:r>
-                      <a:endParaRPr lang="en-US" sz="1200" b="0" i="0" u="none" strike="noStrike">
-                        <a:solidFill>
-                          <a:srgbClr val="000000"/>
-                        </a:solidFill>
-                        <a:effectLst/>
-                        <a:latin typeface="Calibri" panose="020F0502020204030204" pitchFamily="34" charset="0"/>
-                      </a:endParaRPr>
-                    </a:p>
-                  </a:txBody>
-                  <a:tcPr marL="7188" marR="7188" marT="7188" marB="0" anchor="b"/>
-                </a:tc>
-                <a:tc>
-                  <a:txBody>
-                    <a:bodyPr/>
-                    <a:lstStyle/>
-                    <a:p>
-                      <a:pPr algn="r" fontAlgn="b"/>
-                      <a:r>
-                        <a:rPr lang="en-US" sz="1200" u="none" strike="noStrike">
-                          <a:effectLst/>
-                        </a:rPr>
-                        <a:t>95%</a:t>
-                      </a:r>
-                      <a:endParaRPr lang="en-US" sz="1200" b="0" i="0" u="none" strike="noStrike">
-                        <a:solidFill>
-                          <a:srgbClr val="000000"/>
-                        </a:solidFill>
-                        <a:effectLst/>
-                        <a:latin typeface="Calibri" panose="020F0502020204030204" pitchFamily="34" charset="0"/>
-                      </a:endParaRPr>
-                    </a:p>
-                  </a:txBody>
-                  <a:tcPr marL="7188" marR="7188" marT="7188" marB="0" anchor="b"/>
-                </a:tc>
-                <a:tc>
-                  <a:txBody>
-                    <a:bodyPr/>
-                    <a:lstStyle/>
-                    <a:p>
-                      <a:pPr algn="r" fontAlgn="b"/>
-                      <a:r>
-                        <a:rPr lang="en-US" sz="1200" u="none" strike="noStrike">
-                          <a:effectLst/>
-                        </a:rPr>
-                        <a:t>97%</a:t>
-                      </a:r>
-                      <a:endParaRPr lang="en-US" sz="1200" b="0" i="0" u="none" strike="noStrike">
-                        <a:solidFill>
-                          <a:srgbClr val="000000"/>
-                        </a:solidFill>
-                        <a:effectLst/>
-                        <a:latin typeface="Calibri" panose="020F0502020204030204" pitchFamily="34" charset="0"/>
-                      </a:endParaRPr>
-                    </a:p>
-                  </a:txBody>
-                  <a:tcPr marL="7188" marR="7188" marT="7188" marB="0" anchor="b"/>
-                </a:tc>
-                <a:tc>
-                  <a:txBody>
-                    <a:bodyPr/>
-                    <a:lstStyle/>
-                    <a:p>
-                      <a:pPr algn="r" fontAlgn="b"/>
-                      <a:r>
-                        <a:rPr lang="en-US" sz="1200" u="none" strike="noStrike">
-                          <a:effectLst/>
-                        </a:rPr>
                         <a:t>101%</a:t>
                       </a:r>
                       <a:endParaRPr lang="en-US" sz="1200" b="0" i="0" u="none" strike="noStrike">
@@ -12063,12 +14205,12 @@
                     <a:p>
                       <a:pPr algn="r" fontAlgn="b"/>
                       <a:r>
-                        <a:rPr lang="en-US" sz="1200" u="none" strike="noStrike" dirty="0">
+                        <a:rPr lang="en-US" sz="1200" u="none" strike="noStrike">
                           <a:effectLst/>
                         </a:rPr>
                         <a:t>100%</a:t>
                       </a:r>
-                      <a:endParaRPr lang="en-US" sz="1200" b="0" i="0" u="none" strike="noStrike" dirty="0">
+                      <a:endParaRPr lang="en-US" sz="1200" b="0" i="0" u="none" strike="noStrike">
                         <a:solidFill>
                           <a:srgbClr val="000000"/>
                         </a:solidFill>
@@ -12104,11 +14246,11 @@
                 </a:tc>
                 <a:extLst>
                   <a:ext uri="{0D108BD9-81ED-4DB2-BD59-A6C34878D82A}">
-                    <a16:rowId xmlns:a16="http://schemas.microsoft.com/office/drawing/2014/main" val="4237874701"/>
+                    <a16:rowId xmlns:a16="http://schemas.microsoft.com/office/drawing/2014/main" val="2294645087"/>
                   </a:ext>
                 </a:extLst>
               </a:tr>
-              <a:tr h="185945">
+              <a:tr h="168414">
                 <a:tc>
                   <a:txBody>
                     <a:bodyPr/>
@@ -12142,76 +14284,76 @@
                         <a:rPr lang="en-US" sz="1200" u="none" strike="noStrike">
                           <a:effectLst/>
                         </a:rPr>
-                        <a:t>108%</a:t>
-                      </a:r>
-                      <a:endParaRPr lang="en-US" sz="1200" b="0" i="0" u="none" strike="noStrike">
-                        <a:solidFill>
-                          <a:srgbClr val="000000"/>
-                        </a:solidFill>
-                        <a:effectLst/>
-                        <a:latin typeface="Calibri" panose="020F0502020204030204" pitchFamily="34" charset="0"/>
-                      </a:endParaRPr>
-                    </a:p>
-                  </a:txBody>
-                  <a:tcPr marL="7188" marR="7188" marT="7188" marB="0" anchor="b"/>
-                </a:tc>
-                <a:tc>
-                  <a:txBody>
-                    <a:bodyPr/>
-                    <a:lstStyle/>
-                    <a:p>
-                      <a:pPr algn="r" fontAlgn="b"/>
-                      <a:r>
-                        <a:rPr lang="en-US" sz="1200" u="none" strike="noStrike">
-                          <a:effectLst/>
-                        </a:rPr>
-                        <a:t>97%</a:t>
-                      </a:r>
-                      <a:endParaRPr lang="en-US" sz="1200" b="0" i="0" u="none" strike="noStrike">
-                        <a:solidFill>
-                          <a:srgbClr val="000000"/>
-                        </a:solidFill>
-                        <a:effectLst/>
-                        <a:latin typeface="Calibri" panose="020F0502020204030204" pitchFamily="34" charset="0"/>
-                      </a:endParaRPr>
-                    </a:p>
-                  </a:txBody>
-                  <a:tcPr marL="7188" marR="7188" marT="7188" marB="0" anchor="b"/>
-                </a:tc>
-                <a:tc>
-                  <a:txBody>
-                    <a:bodyPr/>
-                    <a:lstStyle/>
-                    <a:p>
-                      <a:pPr algn="r" fontAlgn="b"/>
-                      <a:r>
-                        <a:rPr lang="en-US" sz="1200" u="none" strike="noStrike">
-                          <a:effectLst/>
-                        </a:rPr>
-                        <a:t>107%</a:t>
-                      </a:r>
-                      <a:endParaRPr lang="en-US" sz="1200" b="0" i="0" u="none" strike="noStrike">
-                        <a:solidFill>
-                          <a:srgbClr val="000000"/>
-                        </a:solidFill>
-                        <a:effectLst/>
-                        <a:latin typeface="Calibri" panose="020F0502020204030204" pitchFamily="34" charset="0"/>
-                      </a:endParaRPr>
-                    </a:p>
-                  </a:txBody>
-                  <a:tcPr marL="7188" marR="7188" marT="7188" marB="0" anchor="b"/>
-                </a:tc>
-                <a:tc>
-                  <a:txBody>
-                    <a:bodyPr/>
-                    <a:lstStyle/>
-                    <a:p>
-                      <a:pPr algn="r" fontAlgn="b"/>
-                      <a:r>
-                        <a:rPr lang="en-US" sz="1200" u="none" strike="noStrike">
-                          <a:effectLst/>
-                        </a:rPr>
-                        <a:t>99%</a:t>
+                        <a:t>81%</a:t>
+                      </a:r>
+                      <a:endParaRPr lang="en-US" sz="1200" b="0" i="0" u="none" strike="noStrike">
+                        <a:solidFill>
+                          <a:srgbClr val="000000"/>
+                        </a:solidFill>
+                        <a:effectLst/>
+                        <a:latin typeface="Calibri" panose="020F0502020204030204" pitchFamily="34" charset="0"/>
+                      </a:endParaRPr>
+                    </a:p>
+                  </a:txBody>
+                  <a:tcPr marL="7188" marR="7188" marT="7188" marB="0" anchor="b"/>
+                </a:tc>
+                <a:tc>
+                  <a:txBody>
+                    <a:bodyPr/>
+                    <a:lstStyle/>
+                    <a:p>
+                      <a:pPr algn="r" fontAlgn="b"/>
+                      <a:r>
+                        <a:rPr lang="en-US" sz="1200" u="none" strike="noStrike">
+                          <a:effectLst/>
+                        </a:rPr>
+                        <a:t>53%</a:t>
+                      </a:r>
+                      <a:endParaRPr lang="en-US" sz="1200" b="0" i="0" u="none" strike="noStrike">
+                        <a:solidFill>
+                          <a:srgbClr val="000000"/>
+                        </a:solidFill>
+                        <a:effectLst/>
+                        <a:latin typeface="Calibri" panose="020F0502020204030204" pitchFamily="34" charset="0"/>
+                      </a:endParaRPr>
+                    </a:p>
+                  </a:txBody>
+                  <a:tcPr marL="7188" marR="7188" marT="7188" marB="0" anchor="b"/>
+                </a:tc>
+                <a:tc>
+                  <a:txBody>
+                    <a:bodyPr/>
+                    <a:lstStyle/>
+                    <a:p>
+                      <a:pPr algn="r" fontAlgn="b"/>
+                      <a:r>
+                        <a:rPr lang="en-US" sz="1200" u="none" strike="noStrike">
+                          <a:effectLst/>
+                        </a:rPr>
+                        <a:t>113%</a:t>
+                      </a:r>
+                      <a:endParaRPr lang="en-US" sz="1200" b="0" i="0" u="none" strike="noStrike">
+                        <a:solidFill>
+                          <a:srgbClr val="000000"/>
+                        </a:solidFill>
+                        <a:effectLst/>
+                        <a:latin typeface="Calibri" panose="020F0502020204030204" pitchFamily="34" charset="0"/>
+                      </a:endParaRPr>
+                    </a:p>
+                  </a:txBody>
+                  <a:tcPr marL="7188" marR="7188" marT="7188" marB="0" anchor="b"/>
+                </a:tc>
+                <a:tc>
+                  <a:txBody>
+                    <a:bodyPr/>
+                    <a:lstStyle/>
+                    <a:p>
+                      <a:pPr algn="r" fontAlgn="b"/>
+                      <a:r>
+                        <a:rPr lang="en-US" sz="1200" u="none" strike="noStrike">
+                          <a:effectLst/>
+                        </a:rPr>
+                        <a:t>104%</a:t>
                       </a:r>
                       <a:endParaRPr lang="en-US" sz="1200" b="0" i="0" u="none" strike="noStrike">
                         <a:solidFill>
@@ -12318,7 +14460,7 @@
                 </a:tc>
                 <a:extLst>
                   <a:ext uri="{0D108BD9-81ED-4DB2-BD59-A6C34878D82A}">
-                    <a16:rowId xmlns:a16="http://schemas.microsoft.com/office/drawing/2014/main" val="2481555353"/>
+                    <a16:rowId xmlns:a16="http://schemas.microsoft.com/office/drawing/2014/main" val="3731747529"/>
                   </a:ext>
                 </a:extLst>
               </a:tr>
@@ -12339,7 +14481,7 @@
 </p:sld>
 </file>
 
-<file path=ppt/slides/slide8.xml><?xml version="1.0" encoding="utf-8"?>
+<file path=ppt/slides/slide9.xml><?xml version="1.0" encoding="utf-8"?>
 <p:sld xmlns:a="http://schemas.openxmlformats.org/drawingml/2006/main" xmlns:r="http://schemas.openxmlformats.org/officeDocument/2006/relationships" xmlns:p="http://schemas.openxmlformats.org/presentationml/2006/main">
   <p:cSld>
     <p:spTree>
@@ -12484,41 +14626,6 @@
               <a:t>https://public.tableau.com/profile/adam3379#!/vizhome/FPGraphs/Sheet1?publish=yes</a:t>
             </a:r>
             <a:endParaRPr lang="en-US" dirty="0"/>
-          </a:p>
-        </p:txBody>
-      </p:sp>
-      <p:sp>
-        <p:nvSpPr>
-          <p:cNvPr id="7" name="TextBox 6">
-            <a:extLst>
-              <a:ext uri="{FF2B5EF4-FFF2-40B4-BE49-F238E27FC236}">
-                <a16:creationId xmlns:a16="http://schemas.microsoft.com/office/drawing/2014/main" id="{A9F643C7-4E35-4017-8FF2-296702A38FA3}"/>
-              </a:ext>
-            </a:extLst>
-          </p:cNvPr>
-          <p:cNvSpPr txBox="1"/>
-          <p:nvPr/>
-        </p:nvSpPr>
-        <p:spPr>
-          <a:xfrm>
-            <a:off x="7456786" y="1064952"/>
-            <a:ext cx="1710555" cy="2308324"/>
-          </a:xfrm>
-          <a:prstGeom prst="rect">
-            <a:avLst/>
-          </a:prstGeom>
-          <a:noFill/>
-        </p:spPr>
-        <p:txBody>
-          <a:bodyPr wrap="square" rtlCol="0">
-            <a:spAutoFit/>
-          </a:bodyPr>
-          <a:lstStyle/>
-          <a:p>
-            <a:r>
-              <a:rPr lang="en-US" dirty="0"/>
-              <a:t>The prediction graph ends up being linear. This is because of the strength of Age as a predictor.</a:t>
-            </a:r>
           </a:p>
         </p:txBody>
       </p:sp>

--- a/Forecasting Module Failures.pptx
+++ b/Forecasting Module Failures.pptx
@@ -2666,7 +2666,7 @@
             <a:fld id="{B61BEF0D-F0BB-DE4B-95CE-6DB70DBA9567}" type="datetimeFigureOut">
               <a:rPr lang="en-US" dirty="0"/>
               <a:pPr/>
-              <a:t>12/6/2019</a:t>
+              <a:t>12/7/2019</a:t>
             </a:fld>
             <a:endParaRPr lang="en-US" dirty="0"/>
           </a:p>
@@ -2914,7 +2914,7 @@
             <a:fld id="{B61BEF0D-F0BB-DE4B-95CE-6DB70DBA9567}" type="datetimeFigureOut">
               <a:rPr lang="en-US" dirty="0"/>
               <a:pPr/>
-              <a:t>12/6/2019</a:t>
+              <a:t>12/7/2019</a:t>
             </a:fld>
             <a:endParaRPr lang="en-US" dirty="0"/>
           </a:p>
@@ -3225,7 +3225,7 @@
             <a:fld id="{B61BEF0D-F0BB-DE4B-95CE-6DB70DBA9567}" type="datetimeFigureOut">
               <a:rPr lang="en-US" dirty="0"/>
               <a:pPr/>
-              <a:t>12/6/2019</a:t>
+              <a:t>12/7/2019</a:t>
             </a:fld>
             <a:endParaRPr lang="en-US" dirty="0"/>
           </a:p>
@@ -3563,7 +3563,7 @@
             <a:fld id="{B61BEF0D-F0BB-DE4B-95CE-6DB70DBA9567}" type="datetimeFigureOut">
               <a:rPr lang="en-US" dirty="0"/>
               <a:pPr/>
-              <a:t>12/6/2019</a:t>
+              <a:t>12/7/2019</a:t>
             </a:fld>
             <a:endParaRPr lang="en-US" dirty="0"/>
           </a:p>
@@ -3874,7 +3874,7 @@
             <a:fld id="{B61BEF0D-F0BB-DE4B-95CE-6DB70DBA9567}" type="datetimeFigureOut">
               <a:rPr lang="en-US" dirty="0"/>
               <a:pPr/>
-              <a:t>12/6/2019</a:t>
+              <a:t>12/7/2019</a:t>
             </a:fld>
             <a:endParaRPr lang="en-US" dirty="0"/>
           </a:p>
@@ -4264,7 +4264,7 @@
             <a:fld id="{B61BEF0D-F0BB-DE4B-95CE-6DB70DBA9567}" type="datetimeFigureOut">
               <a:rPr lang="en-US" dirty="0"/>
               <a:pPr/>
-              <a:t>12/6/2019</a:t>
+              <a:t>12/7/2019</a:t>
             </a:fld>
             <a:endParaRPr lang="en-US" dirty="0"/>
           </a:p>
@@ -4430,7 +4430,7 @@
           <a:p>
             <a:fld id="{55C6B4A9-1611-4792-9094-5F34BCA07E0B}" type="datetimeFigureOut">
               <a:rPr lang="en-US" dirty="0"/>
-              <a:t>12/6/2019</a:t>
+              <a:t>12/7/2019</a:t>
             </a:fld>
             <a:endParaRPr lang="en-US" dirty="0"/>
           </a:p>
@@ -4606,7 +4606,7 @@
             <a:fld id="{B61BEF0D-F0BB-DE4B-95CE-6DB70DBA9567}" type="datetimeFigureOut">
               <a:rPr lang="en-US" dirty="0"/>
               <a:pPr/>
-              <a:t>12/6/2019</a:t>
+              <a:t>12/7/2019</a:t>
             </a:fld>
             <a:endParaRPr lang="en-US" dirty="0"/>
           </a:p>
@@ -4779,7 +4779,7 @@
             <a:fld id="{B61BEF0D-F0BB-DE4B-95CE-6DB70DBA9567}" type="datetimeFigureOut">
               <a:rPr lang="en-US" dirty="0"/>
               <a:pPr/>
-              <a:t>12/6/2019</a:t>
+              <a:t>12/7/2019</a:t>
             </a:fld>
             <a:endParaRPr lang="en-US" dirty="0"/>
           </a:p>
@@ -5023,7 +5023,7 @@
             <a:fld id="{B61BEF0D-F0BB-DE4B-95CE-6DB70DBA9567}" type="datetimeFigureOut">
               <a:rPr lang="en-US" dirty="0"/>
               <a:pPr/>
-              <a:t>12/6/2019</a:t>
+              <a:t>12/7/2019</a:t>
             </a:fld>
             <a:endParaRPr lang="en-US" dirty="0"/>
           </a:p>
@@ -5251,7 +5251,7 @@
           <a:p>
             <a:fld id="{EB712588-04B1-427B-82EE-E8DB90309F08}" type="datetimeFigureOut">
               <a:rPr lang="en-US" dirty="0"/>
-              <a:t>12/6/2019</a:t>
+              <a:t>12/7/2019</a:t>
             </a:fld>
             <a:endParaRPr lang="en-US" dirty="0"/>
           </a:p>
@@ -5621,7 +5621,7 @@
             <a:fld id="{B61BEF0D-F0BB-DE4B-95CE-6DB70DBA9567}" type="datetimeFigureOut">
               <a:rPr lang="en-US" dirty="0"/>
               <a:pPr/>
-              <a:t>12/6/2019</a:t>
+              <a:t>12/7/2019</a:t>
             </a:fld>
             <a:endParaRPr lang="en-US" dirty="0"/>
           </a:p>
@@ -5741,7 +5741,7 @@
             <a:fld id="{B61BEF0D-F0BB-DE4B-95CE-6DB70DBA9567}" type="datetimeFigureOut">
               <a:rPr lang="en-US" dirty="0"/>
               <a:pPr/>
-              <a:t>12/6/2019</a:t>
+              <a:t>12/7/2019</a:t>
             </a:fld>
             <a:endParaRPr lang="en-US" dirty="0"/>
           </a:p>
@@ -5833,7 +5833,7 @@
             <a:fld id="{B61BEF0D-F0BB-DE4B-95CE-6DB70DBA9567}" type="datetimeFigureOut">
               <a:rPr lang="en-US" dirty="0"/>
               <a:pPr/>
-              <a:t>12/6/2019</a:t>
+              <a:t>12/7/2019</a:t>
             </a:fld>
             <a:endParaRPr lang="en-US" dirty="0"/>
           </a:p>
@@ -6084,7 +6084,7 @@
           <a:p>
             <a:fld id="{42A54C80-263E-416B-A8E0-580EDEADCBDC}" type="datetimeFigureOut">
               <a:rPr lang="en-US" dirty="0"/>
-              <a:t>12/6/2019</a:t>
+              <a:t>12/7/2019</a:t>
             </a:fld>
             <a:endParaRPr lang="en-US" dirty="0"/>
           </a:p>
@@ -6343,7 +6343,7 @@
             <a:fld id="{B61BEF0D-F0BB-DE4B-95CE-6DB70DBA9567}" type="datetimeFigureOut">
               <a:rPr lang="en-US" dirty="0"/>
               <a:pPr/>
-              <a:t>12/6/2019</a:t>
+              <a:t>12/7/2019</a:t>
             </a:fld>
             <a:endParaRPr lang="en-US" dirty="0"/>
           </a:p>
@@ -7083,7 +7083,7 @@
             <a:fld id="{B61BEF0D-F0BB-DE4B-95CE-6DB70DBA9567}" type="datetimeFigureOut">
               <a:rPr lang="en-US" dirty="0"/>
               <a:pPr/>
-              <a:t>12/6/2019</a:t>
+              <a:t>12/7/2019</a:t>
             </a:fld>
             <a:endParaRPr lang="en-US" dirty="0"/>
           </a:p>
@@ -7761,17 +7761,6 @@
             </a:r>
           </a:p>
           <a:p>
-            <a:r>
-              <a:rPr lang="en-US" dirty="0"/>
-              <a:t>#</a:t>
-            </a:r>
-            <a:r>
-              <a:rPr lang="en-US" dirty="0" err="1"/>
-              <a:t>teamdagger</a:t>
-            </a:r>
-            <a:endParaRPr lang="en-US" dirty="0"/>
-          </a:p>
-          <a:p>
             <a:endParaRPr lang="en-US" dirty="0"/>
           </a:p>
           <a:p>
@@ -7866,7 +7855,7 @@
           <a:p>
             <a:r>
               <a:rPr lang="en-US" dirty="0"/>
-              <a:t>These modules are used to record gas usage. They’re failing at a higher rate. This created a need to forecast how fast they’re failing and how many people need to be brought in to fix them.</a:t>
+              <a:t>These modules are used to record gas usage. They’re failing at a higher rate than expected. This created a need to forecast how fast they’re failing and how many people need to be brought in to fix them.</a:t>
             </a:r>
           </a:p>
           <a:p>
@@ -8251,7 +8240,7 @@
           <a:p>
             <a:r>
               <a:rPr lang="en-US" dirty="0"/>
-              <a:t>Failure Month/Seasonality (Emergent and it fascinates me)</a:t>
+              <a:t>Failure Month/Seasonality </a:t>
             </a:r>
           </a:p>
           <a:p>
